--- a/Presentation/2021.02.28_v2.pptx
+++ b/Presentation/2021.02.28_v2.pptx
@@ -5,18 +5,18 @@
     <p:sldMasterId id="2147483648" r:id="rId1"/>
   </p:sldMasterIdLst>
   <p:sldIdLst>
-    <p:sldId id="263" r:id="rId2"/>
-    <p:sldId id="262" r:id="rId3"/>
-    <p:sldId id="257" r:id="rId4"/>
-    <p:sldId id="258" r:id="rId5"/>
-    <p:sldId id="259" r:id="rId6"/>
-    <p:sldId id="260" r:id="rId7"/>
-    <p:sldId id="261" r:id="rId8"/>
-    <p:sldId id="264" r:id="rId9"/>
-    <p:sldId id="265" r:id="rId10"/>
-    <p:sldId id="266" r:id="rId11"/>
-    <p:sldId id="268" r:id="rId12"/>
-    <p:sldId id="269" r:id="rId13"/>
+    <p:sldId id="269" r:id="rId2"/>
+    <p:sldId id="263" r:id="rId3"/>
+    <p:sldId id="262" r:id="rId4"/>
+    <p:sldId id="257" r:id="rId5"/>
+    <p:sldId id="258" r:id="rId6"/>
+    <p:sldId id="259" r:id="rId7"/>
+    <p:sldId id="260" r:id="rId8"/>
+    <p:sldId id="261" r:id="rId9"/>
+    <p:sldId id="264" r:id="rId10"/>
+    <p:sldId id="265" r:id="rId11"/>
+    <p:sldId id="266" r:id="rId12"/>
+    <p:sldId id="268" r:id="rId13"/>
   </p:sldIdLst>
   <p:sldSz cx="12192000" cy="6858000"/>
   <p:notesSz cx="9144000" cy="6858000"/>
@@ -270,7 +270,7 @@
           <a:p>
             <a:fld id="{8E5F0B77-5064-4363-A7E5-FF390C19CD73}" type="datetimeFigureOut">
               <a:rPr lang="en-US" smtClean="0"/>
-              <a:t>2/25/2021</a:t>
+              <a:t>3/1/2021</a:t>
             </a:fld>
             <a:endParaRPr lang="en-US"/>
           </a:p>
@@ -468,7 +468,7 @@
           <a:p>
             <a:fld id="{8E5F0B77-5064-4363-A7E5-FF390C19CD73}" type="datetimeFigureOut">
               <a:rPr lang="en-US" smtClean="0"/>
-              <a:t>2/25/2021</a:t>
+              <a:t>3/1/2021</a:t>
             </a:fld>
             <a:endParaRPr lang="en-US"/>
           </a:p>
@@ -676,7 +676,7 @@
           <a:p>
             <a:fld id="{8E5F0B77-5064-4363-A7E5-FF390C19CD73}" type="datetimeFigureOut">
               <a:rPr lang="en-US" smtClean="0"/>
-              <a:t>2/25/2021</a:t>
+              <a:t>3/1/2021</a:t>
             </a:fld>
             <a:endParaRPr lang="en-US"/>
           </a:p>
@@ -874,7 +874,7 @@
           <a:p>
             <a:fld id="{8E5F0B77-5064-4363-A7E5-FF390C19CD73}" type="datetimeFigureOut">
               <a:rPr lang="en-US" smtClean="0"/>
-              <a:t>2/25/2021</a:t>
+              <a:t>3/1/2021</a:t>
             </a:fld>
             <a:endParaRPr lang="en-US"/>
           </a:p>
@@ -1149,7 +1149,7 @@
           <a:p>
             <a:fld id="{8E5F0B77-5064-4363-A7E5-FF390C19CD73}" type="datetimeFigureOut">
               <a:rPr lang="en-US" smtClean="0"/>
-              <a:t>2/25/2021</a:t>
+              <a:t>3/1/2021</a:t>
             </a:fld>
             <a:endParaRPr lang="en-US"/>
           </a:p>
@@ -1414,7 +1414,7 @@
           <a:p>
             <a:fld id="{8E5F0B77-5064-4363-A7E5-FF390C19CD73}" type="datetimeFigureOut">
               <a:rPr lang="en-US" smtClean="0"/>
-              <a:t>2/25/2021</a:t>
+              <a:t>3/1/2021</a:t>
             </a:fld>
             <a:endParaRPr lang="en-US"/>
           </a:p>
@@ -1826,7 +1826,7 @@
           <a:p>
             <a:fld id="{8E5F0B77-5064-4363-A7E5-FF390C19CD73}" type="datetimeFigureOut">
               <a:rPr lang="en-US" smtClean="0"/>
-              <a:t>2/25/2021</a:t>
+              <a:t>3/1/2021</a:t>
             </a:fld>
             <a:endParaRPr lang="en-US"/>
           </a:p>
@@ -1967,7 +1967,7 @@
           <a:p>
             <a:fld id="{8E5F0B77-5064-4363-A7E5-FF390C19CD73}" type="datetimeFigureOut">
               <a:rPr lang="en-US" smtClean="0"/>
-              <a:t>2/25/2021</a:t>
+              <a:t>3/1/2021</a:t>
             </a:fld>
             <a:endParaRPr lang="en-US"/>
           </a:p>
@@ -2080,7 +2080,7 @@
           <a:p>
             <a:fld id="{8E5F0B77-5064-4363-A7E5-FF390C19CD73}" type="datetimeFigureOut">
               <a:rPr lang="en-US" smtClean="0"/>
-              <a:t>2/25/2021</a:t>
+              <a:t>3/1/2021</a:t>
             </a:fld>
             <a:endParaRPr lang="en-US"/>
           </a:p>
@@ -2391,7 +2391,7 @@
           <a:p>
             <a:fld id="{8E5F0B77-5064-4363-A7E5-FF390C19CD73}" type="datetimeFigureOut">
               <a:rPr lang="en-US" smtClean="0"/>
-              <a:t>2/25/2021</a:t>
+              <a:t>3/1/2021</a:t>
             </a:fld>
             <a:endParaRPr lang="en-US"/>
           </a:p>
@@ -2679,7 +2679,7 @@
           <a:p>
             <a:fld id="{8E5F0B77-5064-4363-A7E5-FF390C19CD73}" type="datetimeFigureOut">
               <a:rPr lang="en-US" smtClean="0"/>
-              <a:t>2/25/2021</a:t>
+              <a:t>3/1/2021</a:t>
             </a:fld>
             <a:endParaRPr lang="en-US"/>
           </a:p>
@@ -2920,7 +2920,7 @@
           <a:p>
             <a:fld id="{8E5F0B77-5064-4363-A7E5-FF390C19CD73}" type="datetimeFigureOut">
               <a:rPr lang="en-US" smtClean="0"/>
-              <a:t>2/25/2021</a:t>
+              <a:t>3/1/2021</a:t>
             </a:fld>
             <a:endParaRPr lang="en-US"/>
           </a:p>
@@ -3337,95 +3337,615 @@
           <a:chExt cx="0" cy="0"/>
         </a:xfrm>
       </p:grpSpPr>
-      <p:pic>
-        <p:nvPicPr>
-          <p:cNvPr id="5" name="Content Placeholder 4">
+      <mc:AlternateContent xmlns:mc="http://schemas.openxmlformats.org/markup-compatibility/2006" xmlns:a14="http://schemas.microsoft.com/office/drawing/2010/main">
+        <mc:Choice Requires="a14">
+          <p:sp>
+            <p:nvSpPr>
+              <p:cNvPr id="4" name="Rectangle 3">
+                <a:extLst>
+                  <a:ext uri="{FF2B5EF4-FFF2-40B4-BE49-F238E27FC236}">
+                    <a16:creationId xmlns:a16="http://schemas.microsoft.com/office/drawing/2014/main" id="{6F7A2180-9704-40B6-82CC-A78D433F9E56}"/>
+                  </a:ext>
+                </a:extLst>
+              </p:cNvPr>
+              <p:cNvSpPr/>
+              <p:nvPr/>
+            </p:nvSpPr>
+            <p:spPr>
+              <a:xfrm>
+                <a:off x="6951677" y="342833"/>
+                <a:ext cx="2435290" cy="1352939"/>
+              </a:xfrm>
+              <a:prstGeom prst="rect">
+                <a:avLst/>
+              </a:prstGeom>
+              <a:noFill/>
+              <a:ln w="38100">
+                <a:solidFill>
+                  <a:schemeClr val="tx1"/>
+                </a:solidFill>
+              </a:ln>
+            </p:spPr>
+            <p:style>
+              <a:lnRef idx="2">
+                <a:schemeClr val="accent1">
+                  <a:shade val="50000"/>
+                </a:schemeClr>
+              </a:lnRef>
+              <a:fillRef idx="1">
+                <a:schemeClr val="accent1"/>
+              </a:fillRef>
+              <a:effectRef idx="0">
+                <a:schemeClr val="accent1"/>
+              </a:effectRef>
+              <a:fontRef idx="minor">
+                <a:schemeClr val="lt1"/>
+              </a:fontRef>
+            </p:style>
+            <p:txBody>
+              <a:bodyPr rtlCol="0" anchor="ctr"/>
+              <a:lstStyle/>
+              <a:p>
+                <a:pPr algn="ctr"/>
+                <a:endParaRPr lang="en-US" dirty="0">
+                  <a:solidFill>
+                    <a:schemeClr val="tx1"/>
+                  </a:solidFill>
+                  <a:latin typeface="Times New Roman" panose="02020603050405020304" pitchFamily="18" charset="0"/>
+                  <a:cs typeface="Times New Roman" panose="02020603050405020304" pitchFamily="18" charset="0"/>
+                </a:endParaRPr>
+              </a:p>
+              <a:p>
+                <a:pPr algn="ctr"/>
+                <a:r>
+                  <a:rPr lang="en-US" dirty="0">
+                    <a:solidFill>
+                      <a:schemeClr val="tx1"/>
+                    </a:solidFill>
+                    <a:latin typeface="Times New Roman" panose="02020603050405020304" pitchFamily="18" charset="0"/>
+                    <a:cs typeface="Times New Roman" panose="02020603050405020304" pitchFamily="18" charset="0"/>
+                  </a:rPr>
+                  <a:t>Constant IPT Power</a:t>
+                </a:r>
+              </a:p>
+              <a:p>
+                <a:pPr algn="ctr"/>
+                <a:r>
+                  <a:rPr lang="en-US" dirty="0">
+                    <a:solidFill>
+                      <a:schemeClr val="tx1"/>
+                    </a:solidFill>
+                    <a:latin typeface="Times New Roman" panose="02020603050405020304" pitchFamily="18" charset="0"/>
+                    <a:cs typeface="Times New Roman" panose="02020603050405020304" pitchFamily="18" charset="0"/>
+                  </a:rPr>
+                  <a:t>(</a:t>
+                </a:r>
+                <a14:m>
+                  <m:oMath xmlns:m="http://schemas.openxmlformats.org/officeDocument/2006/math">
+                    <m:sSub>
+                      <m:sSubPr>
+                        <m:ctrlPr>
+                          <a:rPr lang="en-US" i="1">
+                            <a:solidFill>
+                              <a:schemeClr val="tx1"/>
+                            </a:solidFill>
+                            <a:latin typeface="Cambria Math" panose="02040503050406030204" pitchFamily="18" charset="0"/>
+                            <a:cs typeface="Times New Roman" panose="02020603050405020304" pitchFamily="18" charset="0"/>
+                          </a:rPr>
+                        </m:ctrlPr>
+                      </m:sSubPr>
+                      <m:e>
+                        <m:r>
+                          <a:rPr lang="en-US" i="1">
+                            <a:solidFill>
+                              <a:schemeClr val="tx1"/>
+                            </a:solidFill>
+                            <a:latin typeface="Cambria Math" panose="02040503050406030204" pitchFamily="18" charset="0"/>
+                            <a:cs typeface="Times New Roman" panose="02020603050405020304" pitchFamily="18" charset="0"/>
+                          </a:rPr>
+                          <m:t>𝑓</m:t>
+                        </m:r>
+                      </m:e>
+                      <m:sub>
+                        <m:r>
+                          <a:rPr lang="en-US" i="1">
+                            <a:solidFill>
+                              <a:schemeClr val="tx1"/>
+                            </a:solidFill>
+                            <a:latin typeface="Cambria Math" panose="02040503050406030204" pitchFamily="18" charset="0"/>
+                            <a:cs typeface="Times New Roman" panose="02020603050405020304" pitchFamily="18" charset="0"/>
+                          </a:rPr>
+                          <m:t>𝑜𝑝</m:t>
+                        </m:r>
+                      </m:sub>
+                    </m:sSub>
+                  </m:oMath>
+                </a14:m>
+                <a:r>
+                  <a:rPr lang="en-US" dirty="0">
+                    <a:solidFill>
+                      <a:schemeClr val="tx1"/>
+                    </a:solidFill>
+                    <a:latin typeface="Times New Roman" panose="02020603050405020304" pitchFamily="18" charset="0"/>
+                    <a:cs typeface="Times New Roman" panose="02020603050405020304" pitchFamily="18" charset="0"/>
+                  </a:rPr>
+                  <a:t>=77kHz)</a:t>
+                </a:r>
+              </a:p>
+              <a:p>
+                <a:pPr algn="ctr"/>
+                <a:r>
+                  <a:rPr lang="en-US" dirty="0">
+                    <a:solidFill>
+                      <a:schemeClr val="tx1"/>
+                    </a:solidFill>
+                    <a:latin typeface="Times New Roman" panose="02020603050405020304" pitchFamily="18" charset="0"/>
+                    <a:cs typeface="Times New Roman" panose="02020603050405020304" pitchFamily="18" charset="0"/>
+                  </a:rPr>
+                  <a:t>(</a:t>
+                </a:r>
+                <a14:m>
+                  <m:oMath xmlns:m="http://schemas.openxmlformats.org/officeDocument/2006/math">
+                    <m:r>
+                      <a:rPr lang="en-US" i="1">
+                        <a:solidFill>
+                          <a:schemeClr val="tx1"/>
+                        </a:solidFill>
+                        <a:latin typeface="Cambria Math" panose="02040503050406030204" pitchFamily="18" charset="0"/>
+                        <a:cs typeface="Times New Roman" panose="02020603050405020304" pitchFamily="18" charset="0"/>
+                      </a:rPr>
+                      <m:t>𝐷</m:t>
+                    </m:r>
+                  </m:oMath>
+                </a14:m>
+                <a:r>
+                  <a:rPr lang="en-US" dirty="0">
+                    <a:solidFill>
+                      <a:schemeClr val="tx1"/>
+                    </a:solidFill>
+                    <a:latin typeface="Times New Roman" panose="02020603050405020304" pitchFamily="18" charset="0"/>
+                    <a:cs typeface="Times New Roman" panose="02020603050405020304" pitchFamily="18" charset="0"/>
+                  </a:rPr>
+                  <a:t>=0.75)</a:t>
+                </a:r>
+              </a:p>
+              <a:p>
+                <a:pPr algn="ctr"/>
+                <a:r>
+                  <a:rPr lang="en-US" dirty="0">
+                    <a:solidFill>
+                      <a:schemeClr val="tx1"/>
+                    </a:solidFill>
+                    <a:latin typeface="Times New Roman" panose="02020603050405020304" pitchFamily="18" charset="0"/>
+                    <a:cs typeface="Times New Roman" panose="02020603050405020304" pitchFamily="18" charset="0"/>
+                  </a:rPr>
+                  <a:t>(</a:t>
+                </a:r>
+                <a14:m>
+                  <m:oMath xmlns:m="http://schemas.openxmlformats.org/officeDocument/2006/math">
+                    <m:sSub>
+                      <m:sSubPr>
+                        <m:ctrlPr>
+                          <a:rPr lang="en-US" i="1">
+                            <a:solidFill>
+                              <a:schemeClr val="tx1"/>
+                            </a:solidFill>
+                            <a:latin typeface="Cambria Math" panose="02040503050406030204" pitchFamily="18" charset="0"/>
+                            <a:cs typeface="Times New Roman" panose="02020603050405020304" pitchFamily="18" charset="0"/>
+                          </a:rPr>
+                        </m:ctrlPr>
+                      </m:sSubPr>
+                      <m:e>
+                        <m:r>
+                          <a:rPr lang="en-US" i="1">
+                            <a:solidFill>
+                              <a:schemeClr val="tx1"/>
+                            </a:solidFill>
+                            <a:latin typeface="Cambria Math" panose="02040503050406030204" pitchFamily="18" charset="0"/>
+                            <a:cs typeface="Times New Roman" panose="02020603050405020304" pitchFamily="18" charset="0"/>
+                          </a:rPr>
+                          <m:t>𝑇</m:t>
+                        </m:r>
+                      </m:e>
+                      <m:sub>
+                        <m:r>
+                          <a:rPr lang="en-US" i="1">
+                            <a:solidFill>
+                              <a:schemeClr val="tx1"/>
+                            </a:solidFill>
+                            <a:latin typeface="Cambria Math" panose="02040503050406030204" pitchFamily="18" charset="0"/>
+                            <a:cs typeface="Times New Roman" panose="02020603050405020304" pitchFamily="18" charset="0"/>
+                          </a:rPr>
+                          <m:t>𝐿</m:t>
+                        </m:r>
+                      </m:sub>
+                    </m:sSub>
+                  </m:oMath>
+                </a14:m>
+                <a:r>
+                  <a:rPr lang="en-US" dirty="0">
+                    <a:solidFill>
+                      <a:schemeClr val="tx1"/>
+                    </a:solidFill>
+                    <a:latin typeface="Times New Roman" panose="02020603050405020304" pitchFamily="18" charset="0"/>
+                    <a:cs typeface="Times New Roman" panose="02020603050405020304" pitchFamily="18" charset="0"/>
+                  </a:rPr>
+                  <a:t>= x1)</a:t>
+                </a:r>
+              </a:p>
+              <a:p>
+                <a:pPr algn="ctr"/>
+                <a:endParaRPr lang="en-US" dirty="0">
+                  <a:solidFill>
+                    <a:schemeClr val="tx1"/>
+                  </a:solidFill>
+                  <a:latin typeface="Times New Roman" panose="02020603050405020304" pitchFamily="18" charset="0"/>
+                  <a:cs typeface="Times New Roman" panose="02020603050405020304" pitchFamily="18" charset="0"/>
+                </a:endParaRPr>
+              </a:p>
+              <a:p>
+                <a:pPr algn="ctr"/>
+                <a:endParaRPr lang="en-US" dirty="0">
+                  <a:solidFill>
+                    <a:schemeClr val="tx1"/>
+                  </a:solidFill>
+                  <a:latin typeface="Times New Roman" panose="02020603050405020304" pitchFamily="18" charset="0"/>
+                  <a:cs typeface="Times New Roman" panose="02020603050405020304" pitchFamily="18" charset="0"/>
+                </a:endParaRPr>
+              </a:p>
+            </p:txBody>
+          </p:sp>
+        </mc:Choice>
+        <mc:Fallback xmlns="">
+          <p:sp>
+            <p:nvSpPr>
+              <p:cNvPr id="4" name="Rectangle 3">
+                <a:extLst>
+                  <a:ext uri="{FF2B5EF4-FFF2-40B4-BE49-F238E27FC236}">
+                    <a16:creationId xmlns:a16="http://schemas.microsoft.com/office/drawing/2014/main" id="{6F7A2180-9704-40B6-82CC-A78D433F9E56}"/>
+                  </a:ext>
+                </a:extLst>
+              </p:cNvPr>
+              <p:cNvSpPr>
+                <a:spLocks noRot="1" noChangeAspect="1" noMove="1" noResize="1" noEditPoints="1" noAdjustHandles="1" noChangeArrowheads="1" noChangeShapeType="1" noTextEdit="1"/>
+              </p:cNvSpPr>
+              <p:nvPr/>
+            </p:nvSpPr>
+            <p:spPr>
+              <a:xfrm>
+                <a:off x="6951677" y="342833"/>
+                <a:ext cx="2435290" cy="1352939"/>
+              </a:xfrm>
+              <a:prstGeom prst="rect">
+                <a:avLst/>
+              </a:prstGeom>
+              <a:blipFill>
+                <a:blip r:embed="rId2"/>
+                <a:stretch>
+                  <a:fillRect t="-5702"/>
+                </a:stretch>
+              </a:blipFill>
+              <a:ln w="38100">
+                <a:solidFill>
+                  <a:schemeClr val="tx1"/>
+                </a:solidFill>
+              </a:ln>
+            </p:spPr>
+            <p:txBody>
+              <a:bodyPr/>
+              <a:lstStyle/>
+              <a:p>
+                <a:r>
+                  <a:rPr lang="en-US">
+                    <a:noFill/>
+                  </a:rPr>
+                  <a:t> </a:t>
+                </a:r>
+              </a:p>
+            </p:txBody>
+          </p:sp>
+        </mc:Fallback>
+      </mc:AlternateContent>
+      <mc:AlternateContent xmlns:mc="http://schemas.openxmlformats.org/markup-compatibility/2006" xmlns:a14="http://schemas.microsoft.com/office/drawing/2010/main">
+        <mc:Choice Requires="a14">
+          <p:sp>
+            <p:nvSpPr>
+              <p:cNvPr id="5" name="Rectangle: Rounded Corners 4">
+                <a:extLst>
+                  <a:ext uri="{FF2B5EF4-FFF2-40B4-BE49-F238E27FC236}">
+                    <a16:creationId xmlns:a16="http://schemas.microsoft.com/office/drawing/2014/main" id="{9B224573-C9E6-4C65-A2B1-A12CF067E3AA}"/>
+                  </a:ext>
+                </a:extLst>
+              </p:cNvPr>
+              <p:cNvSpPr/>
+              <p:nvPr/>
+            </p:nvSpPr>
+            <p:spPr>
+              <a:xfrm>
+                <a:off x="3077419" y="369508"/>
+                <a:ext cx="2624378" cy="1303555"/>
+              </a:xfrm>
+              <a:prstGeom prst="roundRect">
+                <a:avLst/>
+              </a:prstGeom>
+              <a:noFill/>
+              <a:ln w="28575">
+                <a:solidFill>
+                  <a:schemeClr val="tx1"/>
+                </a:solidFill>
+              </a:ln>
+            </p:spPr>
+            <p:style>
+              <a:lnRef idx="2">
+                <a:schemeClr val="accent1">
+                  <a:shade val="50000"/>
+                </a:schemeClr>
+              </a:lnRef>
+              <a:fillRef idx="1">
+                <a:schemeClr val="accent1"/>
+              </a:fillRef>
+              <a:effectRef idx="0">
+                <a:schemeClr val="accent1"/>
+              </a:effectRef>
+              <a:fontRef idx="minor">
+                <a:schemeClr val="lt1"/>
+              </a:fontRef>
+            </p:style>
+            <p:txBody>
+              <a:bodyPr rtlCol="0" anchor="ctr"/>
+              <a:lstStyle/>
+              <a:p>
+                <a:pPr algn="ctr"/>
+                <a:r>
+                  <a:rPr lang="en-US" dirty="0">
+                    <a:solidFill>
+                      <a:schemeClr val="tx1"/>
+                    </a:solidFill>
+                    <a:latin typeface="Times New Roman" panose="02020603050405020304" pitchFamily="18" charset="0"/>
+                    <a:cs typeface="Times New Roman" panose="02020603050405020304" pitchFamily="18" charset="0"/>
+                  </a:rPr>
+                  <a:t>Initial Operation</a:t>
+                </a:r>
+              </a:p>
+              <a:p>
+                <a:pPr algn="ctr"/>
+                <a:r>
+                  <a:rPr lang="en-US" dirty="0">
+                    <a:solidFill>
+                      <a:schemeClr val="tx1"/>
+                    </a:solidFill>
+                    <a:latin typeface="Times New Roman" panose="02020603050405020304" pitchFamily="18" charset="0"/>
+                    <a:cs typeface="Times New Roman" panose="02020603050405020304" pitchFamily="18" charset="0"/>
+                  </a:rPr>
+                  <a:t>(</a:t>
+                </a:r>
+                <a14:m>
+                  <m:oMath xmlns:m="http://schemas.openxmlformats.org/officeDocument/2006/math">
+                    <m:sSub>
+                      <m:sSubPr>
+                        <m:ctrlPr>
+                          <a:rPr lang="en-US" i="1">
+                            <a:solidFill>
+                              <a:schemeClr val="tx1"/>
+                            </a:solidFill>
+                            <a:latin typeface="Cambria Math" panose="02040503050406030204" pitchFamily="18" charset="0"/>
+                            <a:cs typeface="Times New Roman" panose="02020603050405020304" pitchFamily="18" charset="0"/>
+                          </a:rPr>
+                        </m:ctrlPr>
+                      </m:sSubPr>
+                      <m:e>
+                        <m:r>
+                          <a:rPr lang="en-US" i="1">
+                            <a:solidFill>
+                              <a:schemeClr val="tx1"/>
+                            </a:solidFill>
+                            <a:latin typeface="Cambria Math" panose="02040503050406030204" pitchFamily="18" charset="0"/>
+                            <a:cs typeface="Times New Roman" panose="02020603050405020304" pitchFamily="18" charset="0"/>
+                          </a:rPr>
+                          <m:t>𝑓</m:t>
+                        </m:r>
+                      </m:e>
+                      <m:sub>
+                        <m:r>
+                          <a:rPr lang="en-US" i="1">
+                            <a:solidFill>
+                              <a:schemeClr val="tx1"/>
+                            </a:solidFill>
+                            <a:latin typeface="Cambria Math" panose="02040503050406030204" pitchFamily="18" charset="0"/>
+                            <a:cs typeface="Times New Roman" panose="02020603050405020304" pitchFamily="18" charset="0"/>
+                          </a:rPr>
+                          <m:t>𝑜𝑝</m:t>
+                        </m:r>
+                      </m:sub>
+                    </m:sSub>
+                  </m:oMath>
+                </a14:m>
+                <a:r>
+                  <a:rPr lang="en-US" dirty="0">
+                    <a:solidFill>
+                      <a:schemeClr val="tx1"/>
+                    </a:solidFill>
+                    <a:latin typeface="Times New Roman" panose="02020603050405020304" pitchFamily="18" charset="0"/>
+                    <a:cs typeface="Times New Roman" panose="02020603050405020304" pitchFamily="18" charset="0"/>
+                  </a:rPr>
+                  <a:t>=86.5kHz)</a:t>
+                </a:r>
+              </a:p>
+              <a:p>
+                <a:pPr algn="ctr"/>
+                <a:r>
+                  <a:rPr lang="en-US" dirty="0">
+                    <a:solidFill>
+                      <a:schemeClr val="tx1"/>
+                    </a:solidFill>
+                    <a:latin typeface="Times New Roman" panose="02020603050405020304" pitchFamily="18" charset="0"/>
+                    <a:cs typeface="Times New Roman" panose="02020603050405020304" pitchFamily="18" charset="0"/>
+                  </a:rPr>
+                  <a:t>(</a:t>
+                </a:r>
+                <a14:m>
+                  <m:oMath xmlns:m="http://schemas.openxmlformats.org/officeDocument/2006/math">
+                    <m:r>
+                      <a:rPr lang="en-US" i="1">
+                        <a:solidFill>
+                          <a:schemeClr val="tx1"/>
+                        </a:solidFill>
+                        <a:latin typeface="Cambria Math" panose="02040503050406030204" pitchFamily="18" charset="0"/>
+                        <a:cs typeface="Times New Roman" panose="02020603050405020304" pitchFamily="18" charset="0"/>
+                      </a:rPr>
+                      <m:t>𝐷</m:t>
+                    </m:r>
+                  </m:oMath>
+                </a14:m>
+                <a:r>
+                  <a:rPr lang="en-US" dirty="0">
+                    <a:solidFill>
+                      <a:schemeClr val="tx1"/>
+                    </a:solidFill>
+                    <a:latin typeface="Times New Roman" panose="02020603050405020304" pitchFamily="18" charset="0"/>
+                    <a:cs typeface="Times New Roman" panose="02020603050405020304" pitchFamily="18" charset="0"/>
+                  </a:rPr>
+                  <a:t>=0.6)</a:t>
+                </a:r>
+              </a:p>
+              <a:p>
+                <a:pPr algn="ctr"/>
+                <a:r>
+                  <a:rPr lang="en-US" dirty="0">
+                    <a:solidFill>
+                      <a:schemeClr val="tx1"/>
+                    </a:solidFill>
+                    <a:latin typeface="Times New Roman" panose="02020603050405020304" pitchFamily="18" charset="0"/>
+                    <a:cs typeface="Times New Roman" panose="02020603050405020304" pitchFamily="18" charset="0"/>
+                  </a:rPr>
+                  <a:t>(</a:t>
+                </a:r>
+                <a14:m>
+                  <m:oMath xmlns:m="http://schemas.openxmlformats.org/officeDocument/2006/math">
+                    <m:sSub>
+                      <m:sSubPr>
+                        <m:ctrlPr>
+                          <a:rPr lang="en-US" i="1">
+                            <a:solidFill>
+                              <a:schemeClr val="tx1"/>
+                            </a:solidFill>
+                            <a:latin typeface="Cambria Math" panose="02040503050406030204" pitchFamily="18" charset="0"/>
+                            <a:cs typeface="Times New Roman" panose="02020603050405020304" pitchFamily="18" charset="0"/>
+                          </a:rPr>
+                        </m:ctrlPr>
+                      </m:sSubPr>
+                      <m:e>
+                        <m:r>
+                          <a:rPr lang="en-US" i="1">
+                            <a:solidFill>
+                              <a:schemeClr val="tx1"/>
+                            </a:solidFill>
+                            <a:latin typeface="Cambria Math" panose="02040503050406030204" pitchFamily="18" charset="0"/>
+                            <a:cs typeface="Times New Roman" panose="02020603050405020304" pitchFamily="18" charset="0"/>
+                          </a:rPr>
+                          <m:t>𝑇</m:t>
+                        </m:r>
+                      </m:e>
+                      <m:sub>
+                        <m:r>
+                          <a:rPr lang="en-US" i="1">
+                            <a:solidFill>
+                              <a:schemeClr val="tx1"/>
+                            </a:solidFill>
+                            <a:latin typeface="Cambria Math" panose="02040503050406030204" pitchFamily="18" charset="0"/>
+                            <a:cs typeface="Times New Roman" panose="02020603050405020304" pitchFamily="18" charset="0"/>
+                          </a:rPr>
+                          <m:t>𝐿</m:t>
+                        </m:r>
+                      </m:sub>
+                    </m:sSub>
+                  </m:oMath>
+                </a14:m>
+                <a:r>
+                  <a:rPr lang="en-US" dirty="0">
+                    <a:solidFill>
+                      <a:schemeClr val="tx1"/>
+                    </a:solidFill>
+                    <a:latin typeface="Times New Roman" panose="02020603050405020304" pitchFamily="18" charset="0"/>
+                    <a:cs typeface="Times New Roman" panose="02020603050405020304" pitchFamily="18" charset="0"/>
+                  </a:rPr>
+                  <a:t>= x1)</a:t>
+                </a:r>
+                <a:endParaRPr lang="en-US" dirty="0"/>
+              </a:p>
+            </p:txBody>
+          </p:sp>
+        </mc:Choice>
+        <mc:Fallback xmlns="">
+          <p:sp>
+            <p:nvSpPr>
+              <p:cNvPr id="5" name="Rectangle: Rounded Corners 4">
+                <a:extLst>
+                  <a:ext uri="{FF2B5EF4-FFF2-40B4-BE49-F238E27FC236}">
+                    <a16:creationId xmlns:a16="http://schemas.microsoft.com/office/drawing/2014/main" id="{9B224573-C9E6-4C65-A2B1-A12CF067E3AA}"/>
+                  </a:ext>
+                </a:extLst>
+              </p:cNvPr>
+              <p:cNvSpPr>
+                <a:spLocks noRot="1" noChangeAspect="1" noMove="1" noResize="1" noEditPoints="1" noAdjustHandles="1" noChangeArrowheads="1" noChangeShapeType="1" noTextEdit="1"/>
+              </p:cNvSpPr>
+              <p:nvPr/>
+            </p:nvSpPr>
+            <p:spPr>
+              <a:xfrm>
+                <a:off x="3077419" y="369508"/>
+                <a:ext cx="2624378" cy="1303555"/>
+              </a:xfrm>
+              <a:prstGeom prst="roundRect">
+                <a:avLst/>
+              </a:prstGeom>
+              <a:blipFill>
+                <a:blip r:embed="rId3"/>
+                <a:stretch>
+                  <a:fillRect b="-2294"/>
+                </a:stretch>
+              </a:blipFill>
+              <a:ln w="28575">
+                <a:solidFill>
+                  <a:schemeClr val="tx1"/>
+                </a:solidFill>
+              </a:ln>
+            </p:spPr>
+            <p:txBody>
+              <a:bodyPr/>
+              <a:lstStyle/>
+              <a:p>
+                <a:r>
+                  <a:rPr lang="en-US">
+                    <a:noFill/>
+                  </a:rPr>
+                  <a:t> </a:t>
+                </a:r>
+              </a:p>
+            </p:txBody>
+          </p:sp>
+        </mc:Fallback>
+      </mc:AlternateContent>
+      <p:cxnSp>
+        <p:nvCxnSpPr>
+          <p:cNvPr id="6" name="Straight Arrow Connector 5">
             <a:extLst>
               <a:ext uri="{FF2B5EF4-FFF2-40B4-BE49-F238E27FC236}">
-                <a16:creationId xmlns:a16="http://schemas.microsoft.com/office/drawing/2014/main" id="{8CE69101-2962-48FE-93AB-3E71FAB703EA}"/>
-              </a:ext>
-            </a:extLst>
-          </p:cNvPr>
-          <p:cNvPicPr>
-            <a:picLocks noGrp="1" noChangeAspect="1"/>
-          </p:cNvPicPr>
-          <p:nvPr>
-            <p:ph idx="1"/>
-          </p:nvPr>
-        </p:nvPicPr>
-        <p:blipFill>
-          <a:blip r:embed="rId2">
-            <a:extLst>
-              <a:ext uri="{28A0092B-C50C-407E-A947-70E740481C1C}">
-                <a14:useLocalDpi xmlns:a14="http://schemas.microsoft.com/office/drawing/2010/main" val="0"/>
-              </a:ext>
-            </a:extLst>
-          </a:blip>
-          <a:stretch>
-            <a:fillRect/>
-          </a:stretch>
-        </p:blipFill>
-        <p:spPr>
-          <a:xfrm>
-            <a:off x="6982943" y="259080"/>
-            <a:ext cx="5071897" cy="4351338"/>
-          </a:xfrm>
-        </p:spPr>
-      </p:pic>
-      <p:pic>
-        <p:nvPicPr>
-          <p:cNvPr id="7" name="Picture 6">
-            <a:extLst>
-              <a:ext uri="{FF2B5EF4-FFF2-40B4-BE49-F238E27FC236}">
-                <a16:creationId xmlns:a16="http://schemas.microsoft.com/office/drawing/2014/main" id="{00116288-EB32-403A-AF84-4A8B5B5176E4}"/>
-              </a:ext>
-            </a:extLst>
-          </p:cNvPr>
-          <p:cNvPicPr>
-            <a:picLocks noChangeAspect="1"/>
-          </p:cNvPicPr>
-          <p:nvPr/>
-        </p:nvPicPr>
-        <p:blipFill>
-          <a:blip r:embed="rId3">
-            <a:extLst>
-              <a:ext uri="{28A0092B-C50C-407E-A947-70E740481C1C}">
-                <a14:useLocalDpi xmlns:a14="http://schemas.microsoft.com/office/drawing/2010/main" val="0"/>
-              </a:ext>
-            </a:extLst>
-          </a:blip>
-          <a:stretch>
-            <a:fillRect/>
-          </a:stretch>
-        </p:blipFill>
-        <p:spPr>
-          <a:xfrm>
-            <a:off x="441960" y="259080"/>
-            <a:ext cx="6315658" cy="5052526"/>
-          </a:xfrm>
-          <a:prstGeom prst="rect">
-            <a:avLst/>
-          </a:prstGeom>
-        </p:spPr>
-      </p:pic>
-      <p:cxnSp>
-        <p:nvCxnSpPr>
-          <p:cNvPr id="10" name="Straight Arrow Connector 9">
-            <a:extLst>
-              <a:ext uri="{FF2B5EF4-FFF2-40B4-BE49-F238E27FC236}">
-                <a16:creationId xmlns:a16="http://schemas.microsoft.com/office/drawing/2014/main" id="{0C46624A-6F8F-4F9E-AF28-13B23783F8F4}"/>
+                <a16:creationId xmlns:a16="http://schemas.microsoft.com/office/drawing/2014/main" id="{0C239125-51B4-4F85-AEBD-C3C854946FB4}"/>
               </a:ext>
             </a:extLst>
           </p:cNvPr>
           <p:cNvCxnSpPr>
             <a:cxnSpLocks/>
+            <a:stCxn id="5" idx="3"/>
+            <a:endCxn id="4" idx="1"/>
           </p:cNvCxnSpPr>
           <p:nvPr/>
         </p:nvCxnSpPr>
         <p:spPr>
           <a:xfrm flipV="1">
-            <a:off x="9941767" y="4519400"/>
-            <a:ext cx="0" cy="533126"/>
+            <a:off x="5701797" y="1019303"/>
+            <a:ext cx="1249880" cy="1983"/>
           </a:xfrm>
           <a:prstGeom prst="straightConnector1">
             <a:avLst/>
@@ -3454,10 +3974,10 @@
       </p:cxnSp>
       <p:sp>
         <p:nvSpPr>
-          <p:cNvPr id="13" name="TextBox 12">
+          <p:cNvPr id="7" name="TextBox 6">
             <a:extLst>
               <a:ext uri="{FF2B5EF4-FFF2-40B4-BE49-F238E27FC236}">
-                <a16:creationId xmlns:a16="http://schemas.microsoft.com/office/drawing/2014/main" id="{D59ABA66-EEED-4661-9827-9F973DF4BB30}"/>
+                <a16:creationId xmlns:a16="http://schemas.microsoft.com/office/drawing/2014/main" id="{7F831811-6699-4087-9C87-2E4CBC606982}"/>
               </a:ext>
             </a:extLst>
           </p:cNvPr>
@@ -3466,8 +3986,2203 @@
         </p:nvSpPr>
         <p:spPr>
           <a:xfrm>
-            <a:off x="8266922" y="5052526"/>
-            <a:ext cx="3368351" cy="923330"/>
+            <a:off x="5920105" y="249542"/>
+            <a:ext cx="1387806" cy="738664"/>
+          </a:xfrm>
+          <a:prstGeom prst="rect">
+            <a:avLst/>
+          </a:prstGeom>
+          <a:noFill/>
+        </p:spPr>
+        <p:txBody>
+          <a:bodyPr wrap="square" rtlCol="0">
+            <a:spAutoFit/>
+          </a:bodyPr>
+          <a:lstStyle/>
+          <a:p>
+            <a:r>
+              <a:rPr lang="en-US" sz="1400" dirty="0"/>
+              <a:t>Motor </a:t>
+            </a:r>
+          </a:p>
+          <a:p>
+            <a:r>
+              <a:rPr lang="en-US" sz="1400" dirty="0"/>
+              <a:t>Speed </a:t>
+            </a:r>
+          </a:p>
+          <a:p>
+            <a:r>
+              <a:rPr lang="en-US" sz="1400" dirty="0"/>
+              <a:t>Control</a:t>
+            </a:r>
+          </a:p>
+        </p:txBody>
+      </p:sp>
+      <mc:AlternateContent xmlns:mc="http://schemas.openxmlformats.org/markup-compatibility/2006" xmlns:a14="http://schemas.microsoft.com/office/drawing/2010/main">
+        <mc:Choice Requires="a14">
+          <p:sp>
+            <p:nvSpPr>
+              <p:cNvPr id="8" name="Rectangle 7">
+                <a:extLst>
+                  <a:ext uri="{FF2B5EF4-FFF2-40B4-BE49-F238E27FC236}">
+                    <a16:creationId xmlns:a16="http://schemas.microsoft.com/office/drawing/2014/main" id="{84B914C7-CE02-4106-BFCC-38656CF79C39}"/>
+                  </a:ext>
+                </a:extLst>
+              </p:cNvPr>
+              <p:cNvSpPr/>
+              <p:nvPr/>
+            </p:nvSpPr>
+            <p:spPr>
+              <a:xfrm>
+                <a:off x="6951677" y="2592325"/>
+                <a:ext cx="2435290" cy="1352939"/>
+              </a:xfrm>
+              <a:prstGeom prst="rect">
+                <a:avLst/>
+              </a:prstGeom>
+              <a:noFill/>
+              <a:ln w="38100">
+                <a:solidFill>
+                  <a:schemeClr val="tx1"/>
+                </a:solidFill>
+              </a:ln>
+            </p:spPr>
+            <p:style>
+              <a:lnRef idx="2">
+                <a:schemeClr val="accent1">
+                  <a:shade val="50000"/>
+                </a:schemeClr>
+              </a:lnRef>
+              <a:fillRef idx="1">
+                <a:schemeClr val="accent1"/>
+              </a:fillRef>
+              <a:effectRef idx="0">
+                <a:schemeClr val="accent1"/>
+              </a:effectRef>
+              <a:fontRef idx="minor">
+                <a:schemeClr val="lt1"/>
+              </a:fontRef>
+            </p:style>
+            <p:txBody>
+              <a:bodyPr rtlCol="0" anchor="ctr"/>
+              <a:lstStyle/>
+              <a:p>
+                <a:pPr algn="ctr"/>
+                <a:endParaRPr lang="en-US" dirty="0">
+                  <a:solidFill>
+                    <a:schemeClr val="tx1"/>
+                  </a:solidFill>
+                  <a:latin typeface="Times New Roman" panose="02020603050405020304" pitchFamily="18" charset="0"/>
+                  <a:cs typeface="Times New Roman" panose="02020603050405020304" pitchFamily="18" charset="0"/>
+                </a:endParaRPr>
+              </a:p>
+              <a:p>
+                <a:pPr algn="ctr"/>
+                <a:r>
+                  <a:rPr lang="en-US" dirty="0">
+                    <a:solidFill>
+                      <a:schemeClr val="tx1"/>
+                    </a:solidFill>
+                    <a:latin typeface="Times New Roman" panose="02020603050405020304" pitchFamily="18" charset="0"/>
+                    <a:cs typeface="Times New Roman" panose="02020603050405020304" pitchFamily="18" charset="0"/>
+                  </a:rPr>
+                  <a:t>Constant IPT Power</a:t>
+                </a:r>
+              </a:p>
+              <a:p>
+                <a:pPr algn="ctr"/>
+                <a:r>
+                  <a:rPr lang="en-US" dirty="0">
+                    <a:solidFill>
+                      <a:schemeClr val="tx1"/>
+                    </a:solidFill>
+                    <a:latin typeface="Times New Roman" panose="02020603050405020304" pitchFamily="18" charset="0"/>
+                    <a:cs typeface="Times New Roman" panose="02020603050405020304" pitchFamily="18" charset="0"/>
+                  </a:rPr>
+                  <a:t>(</a:t>
+                </a:r>
+                <a14:m>
+                  <m:oMath xmlns:m="http://schemas.openxmlformats.org/officeDocument/2006/math">
+                    <m:sSub>
+                      <m:sSubPr>
+                        <m:ctrlPr>
+                          <a:rPr lang="en-US" i="1">
+                            <a:solidFill>
+                              <a:schemeClr val="tx1"/>
+                            </a:solidFill>
+                            <a:latin typeface="Cambria Math" panose="02040503050406030204" pitchFamily="18" charset="0"/>
+                            <a:cs typeface="Times New Roman" panose="02020603050405020304" pitchFamily="18" charset="0"/>
+                          </a:rPr>
+                        </m:ctrlPr>
+                      </m:sSubPr>
+                      <m:e>
+                        <m:r>
+                          <a:rPr lang="en-US" i="1">
+                            <a:solidFill>
+                              <a:schemeClr val="tx1"/>
+                            </a:solidFill>
+                            <a:latin typeface="Cambria Math" panose="02040503050406030204" pitchFamily="18" charset="0"/>
+                            <a:cs typeface="Times New Roman" panose="02020603050405020304" pitchFamily="18" charset="0"/>
+                          </a:rPr>
+                          <m:t>𝑓</m:t>
+                        </m:r>
+                      </m:e>
+                      <m:sub>
+                        <m:r>
+                          <a:rPr lang="en-US" i="1">
+                            <a:solidFill>
+                              <a:schemeClr val="tx1"/>
+                            </a:solidFill>
+                            <a:latin typeface="Cambria Math" panose="02040503050406030204" pitchFamily="18" charset="0"/>
+                            <a:cs typeface="Times New Roman" panose="02020603050405020304" pitchFamily="18" charset="0"/>
+                          </a:rPr>
+                          <m:t>𝑜𝑝</m:t>
+                        </m:r>
+                      </m:sub>
+                    </m:sSub>
+                  </m:oMath>
+                </a14:m>
+                <a:r>
+                  <a:rPr lang="en-US" dirty="0">
+                    <a:solidFill>
+                      <a:schemeClr val="tx1"/>
+                    </a:solidFill>
+                    <a:latin typeface="Times New Roman" panose="02020603050405020304" pitchFamily="18" charset="0"/>
+                    <a:cs typeface="Times New Roman" panose="02020603050405020304" pitchFamily="18" charset="0"/>
+                  </a:rPr>
+                  <a:t>=77kHz)</a:t>
+                </a:r>
+              </a:p>
+              <a:p>
+                <a:pPr algn="ctr"/>
+                <a:r>
+                  <a:rPr lang="en-US" dirty="0">
+                    <a:solidFill>
+                      <a:schemeClr val="tx1"/>
+                    </a:solidFill>
+                    <a:latin typeface="Times New Roman" panose="02020603050405020304" pitchFamily="18" charset="0"/>
+                    <a:cs typeface="Times New Roman" panose="02020603050405020304" pitchFamily="18" charset="0"/>
+                  </a:rPr>
+                  <a:t>(</a:t>
+                </a:r>
+                <a14:m>
+                  <m:oMath xmlns:m="http://schemas.openxmlformats.org/officeDocument/2006/math">
+                    <m:r>
+                      <a:rPr lang="en-US" i="1">
+                        <a:solidFill>
+                          <a:schemeClr val="tx1"/>
+                        </a:solidFill>
+                        <a:latin typeface="Cambria Math" panose="02040503050406030204" pitchFamily="18" charset="0"/>
+                        <a:cs typeface="Times New Roman" panose="02020603050405020304" pitchFamily="18" charset="0"/>
+                      </a:rPr>
+                      <m:t>𝐷</m:t>
+                    </m:r>
+                  </m:oMath>
+                </a14:m>
+                <a:r>
+                  <a:rPr lang="en-US" dirty="0">
+                    <a:solidFill>
+                      <a:schemeClr val="tx1"/>
+                    </a:solidFill>
+                    <a:latin typeface="Times New Roman" panose="02020603050405020304" pitchFamily="18" charset="0"/>
+                    <a:cs typeface="Times New Roman" panose="02020603050405020304" pitchFamily="18" charset="0"/>
+                  </a:rPr>
+                  <a:t>=0.75)</a:t>
+                </a:r>
+              </a:p>
+              <a:p>
+                <a:pPr algn="ctr"/>
+                <a:r>
+                  <a:rPr lang="en-US" dirty="0">
+                    <a:solidFill>
+                      <a:schemeClr val="tx1"/>
+                    </a:solidFill>
+                    <a:latin typeface="Times New Roman" panose="02020603050405020304" pitchFamily="18" charset="0"/>
+                    <a:cs typeface="Times New Roman" panose="02020603050405020304" pitchFamily="18" charset="0"/>
+                  </a:rPr>
+                  <a:t>(</a:t>
+                </a:r>
+                <a14:m>
+                  <m:oMath xmlns:m="http://schemas.openxmlformats.org/officeDocument/2006/math">
+                    <m:sSub>
+                      <m:sSubPr>
+                        <m:ctrlPr>
+                          <a:rPr lang="en-US" i="1">
+                            <a:solidFill>
+                              <a:schemeClr val="tx1"/>
+                            </a:solidFill>
+                            <a:latin typeface="Cambria Math" panose="02040503050406030204" pitchFamily="18" charset="0"/>
+                            <a:cs typeface="Times New Roman" panose="02020603050405020304" pitchFamily="18" charset="0"/>
+                          </a:rPr>
+                        </m:ctrlPr>
+                      </m:sSubPr>
+                      <m:e>
+                        <m:r>
+                          <a:rPr lang="en-US" i="1">
+                            <a:solidFill>
+                              <a:schemeClr val="tx1"/>
+                            </a:solidFill>
+                            <a:latin typeface="Cambria Math" panose="02040503050406030204" pitchFamily="18" charset="0"/>
+                            <a:cs typeface="Times New Roman" panose="02020603050405020304" pitchFamily="18" charset="0"/>
+                          </a:rPr>
+                          <m:t>𝑇</m:t>
+                        </m:r>
+                      </m:e>
+                      <m:sub>
+                        <m:r>
+                          <a:rPr lang="en-US" i="1">
+                            <a:solidFill>
+                              <a:schemeClr val="tx1"/>
+                            </a:solidFill>
+                            <a:latin typeface="Cambria Math" panose="02040503050406030204" pitchFamily="18" charset="0"/>
+                            <a:cs typeface="Times New Roman" panose="02020603050405020304" pitchFamily="18" charset="0"/>
+                          </a:rPr>
+                          <m:t>𝐿</m:t>
+                        </m:r>
+                      </m:sub>
+                    </m:sSub>
+                  </m:oMath>
+                </a14:m>
+                <a:r>
+                  <a:rPr lang="en-US" dirty="0">
+                    <a:solidFill>
+                      <a:schemeClr val="tx1"/>
+                    </a:solidFill>
+                    <a:latin typeface="Times New Roman" panose="02020603050405020304" pitchFamily="18" charset="0"/>
+                    <a:cs typeface="Times New Roman" panose="02020603050405020304" pitchFamily="18" charset="0"/>
+                  </a:rPr>
+                  <a:t>= x2)</a:t>
+                </a:r>
+              </a:p>
+              <a:p>
+                <a:pPr algn="ctr"/>
+                <a:endParaRPr lang="en-US" dirty="0">
+                  <a:solidFill>
+                    <a:schemeClr val="tx1"/>
+                  </a:solidFill>
+                  <a:latin typeface="Times New Roman" panose="02020603050405020304" pitchFamily="18" charset="0"/>
+                  <a:cs typeface="Times New Roman" panose="02020603050405020304" pitchFamily="18" charset="0"/>
+                </a:endParaRPr>
+              </a:p>
+              <a:p>
+                <a:pPr algn="ctr"/>
+                <a:endParaRPr lang="en-US" dirty="0">
+                  <a:solidFill>
+                    <a:schemeClr val="tx1"/>
+                  </a:solidFill>
+                  <a:latin typeface="Times New Roman" panose="02020603050405020304" pitchFamily="18" charset="0"/>
+                  <a:cs typeface="Times New Roman" panose="02020603050405020304" pitchFamily="18" charset="0"/>
+                </a:endParaRPr>
+              </a:p>
+            </p:txBody>
+          </p:sp>
+        </mc:Choice>
+        <mc:Fallback xmlns="">
+          <p:sp>
+            <p:nvSpPr>
+              <p:cNvPr id="8" name="Rectangle 7">
+                <a:extLst>
+                  <a:ext uri="{FF2B5EF4-FFF2-40B4-BE49-F238E27FC236}">
+                    <a16:creationId xmlns:a16="http://schemas.microsoft.com/office/drawing/2014/main" id="{84B914C7-CE02-4106-BFCC-38656CF79C39}"/>
+                  </a:ext>
+                </a:extLst>
+              </p:cNvPr>
+              <p:cNvSpPr>
+                <a:spLocks noRot="1" noChangeAspect="1" noMove="1" noResize="1" noEditPoints="1" noAdjustHandles="1" noChangeArrowheads="1" noChangeShapeType="1" noTextEdit="1"/>
+              </p:cNvSpPr>
+              <p:nvPr/>
+            </p:nvSpPr>
+            <p:spPr>
+              <a:xfrm>
+                <a:off x="6951677" y="2592325"/>
+                <a:ext cx="2435290" cy="1352939"/>
+              </a:xfrm>
+              <a:prstGeom prst="rect">
+                <a:avLst/>
+              </a:prstGeom>
+              <a:blipFill>
+                <a:blip r:embed="rId4"/>
+                <a:stretch>
+                  <a:fillRect t="-5702"/>
+                </a:stretch>
+              </a:blipFill>
+              <a:ln w="38100">
+                <a:solidFill>
+                  <a:schemeClr val="tx1"/>
+                </a:solidFill>
+              </a:ln>
+            </p:spPr>
+            <p:txBody>
+              <a:bodyPr/>
+              <a:lstStyle/>
+              <a:p>
+                <a:r>
+                  <a:rPr lang="en-US">
+                    <a:noFill/>
+                  </a:rPr>
+                  <a:t> </a:t>
+                </a:r>
+              </a:p>
+            </p:txBody>
+          </p:sp>
+        </mc:Fallback>
+      </mc:AlternateContent>
+      <p:cxnSp>
+        <p:nvCxnSpPr>
+          <p:cNvPr id="9" name="Straight Arrow Connector 8">
+            <a:extLst>
+              <a:ext uri="{FF2B5EF4-FFF2-40B4-BE49-F238E27FC236}">
+                <a16:creationId xmlns:a16="http://schemas.microsoft.com/office/drawing/2014/main" id="{ED2DAEA5-8928-4A74-9F1A-3D909AA95922}"/>
+              </a:ext>
+            </a:extLst>
+          </p:cNvPr>
+          <p:cNvCxnSpPr>
+            <a:cxnSpLocks/>
+            <a:stCxn id="4" idx="2"/>
+            <a:endCxn id="8" idx="0"/>
+          </p:cNvCxnSpPr>
+          <p:nvPr/>
+        </p:nvCxnSpPr>
+        <p:spPr>
+          <a:xfrm>
+            <a:off x="8169322" y="1695772"/>
+            <a:ext cx="0" cy="896553"/>
+          </a:xfrm>
+          <a:prstGeom prst="straightConnector1">
+            <a:avLst/>
+          </a:prstGeom>
+          <a:ln w="28575">
+            <a:solidFill>
+              <a:schemeClr val="tx1"/>
+            </a:solidFill>
+            <a:tailEnd type="triangle"/>
+          </a:ln>
+        </p:spPr>
+        <p:style>
+          <a:lnRef idx="1">
+            <a:schemeClr val="accent1"/>
+          </a:lnRef>
+          <a:fillRef idx="0">
+            <a:schemeClr val="accent1"/>
+          </a:fillRef>
+          <a:effectRef idx="0">
+            <a:schemeClr val="accent1"/>
+          </a:effectRef>
+          <a:fontRef idx="minor">
+            <a:schemeClr val="tx1"/>
+          </a:fontRef>
+        </p:style>
+      </p:cxnSp>
+      <p:sp>
+        <p:nvSpPr>
+          <p:cNvPr id="10" name="TextBox 9">
+            <a:extLst>
+              <a:ext uri="{FF2B5EF4-FFF2-40B4-BE49-F238E27FC236}">
+                <a16:creationId xmlns:a16="http://schemas.microsoft.com/office/drawing/2014/main" id="{3A50A2AC-F5E7-42FF-9F8F-E66E6D477EC8}"/>
+              </a:ext>
+            </a:extLst>
+          </p:cNvPr>
+          <p:cNvSpPr txBox="1"/>
+          <p:nvPr/>
+        </p:nvSpPr>
+        <p:spPr>
+          <a:xfrm rot="10800000" flipV="1">
+            <a:off x="7625113" y="1901813"/>
+            <a:ext cx="2393712" cy="523220"/>
+          </a:xfrm>
+          <a:prstGeom prst="rect">
+            <a:avLst/>
+          </a:prstGeom>
+          <a:noFill/>
+        </p:spPr>
+        <p:txBody>
+          <a:bodyPr wrap="square" rtlCol="0">
+            <a:spAutoFit/>
+          </a:bodyPr>
+          <a:lstStyle/>
+          <a:p>
+            <a:pPr algn="ctr"/>
+            <a:r>
+              <a:rPr lang="en-US" sz="1400" dirty="0"/>
+              <a:t>Motor Load</a:t>
+            </a:r>
+          </a:p>
+          <a:p>
+            <a:pPr algn="ctr"/>
+            <a:r>
+              <a:rPr lang="en-US" sz="1400" dirty="0"/>
+              <a:t> Changes</a:t>
+            </a:r>
+          </a:p>
+        </p:txBody>
+      </p:sp>
+      <p:cxnSp>
+        <p:nvCxnSpPr>
+          <p:cNvPr id="11" name="Straight Arrow Connector 10">
+            <a:extLst>
+              <a:ext uri="{FF2B5EF4-FFF2-40B4-BE49-F238E27FC236}">
+                <a16:creationId xmlns:a16="http://schemas.microsoft.com/office/drawing/2014/main" id="{E8B069FB-DEAD-4571-B1C0-E275A2F9705D}"/>
+              </a:ext>
+            </a:extLst>
+          </p:cNvPr>
+          <p:cNvCxnSpPr>
+            <a:cxnSpLocks/>
+            <a:stCxn id="8" idx="2"/>
+            <a:endCxn id="12" idx="0"/>
+          </p:cNvCxnSpPr>
+          <p:nvPr/>
+        </p:nvCxnSpPr>
+        <p:spPr>
+          <a:xfrm>
+            <a:off x="8169322" y="3945264"/>
+            <a:ext cx="0" cy="907010"/>
+          </a:xfrm>
+          <a:prstGeom prst="straightConnector1">
+            <a:avLst/>
+          </a:prstGeom>
+          <a:ln w="28575">
+            <a:solidFill>
+              <a:schemeClr val="tx1"/>
+            </a:solidFill>
+            <a:tailEnd type="triangle"/>
+          </a:ln>
+        </p:spPr>
+        <p:style>
+          <a:lnRef idx="1">
+            <a:schemeClr val="accent1"/>
+          </a:lnRef>
+          <a:fillRef idx="0">
+            <a:schemeClr val="accent1"/>
+          </a:fillRef>
+          <a:effectRef idx="0">
+            <a:schemeClr val="accent1"/>
+          </a:effectRef>
+          <a:fontRef idx="minor">
+            <a:schemeClr val="tx1"/>
+          </a:fontRef>
+        </p:style>
+      </p:cxnSp>
+      <mc:AlternateContent xmlns:mc="http://schemas.openxmlformats.org/markup-compatibility/2006" xmlns:a14="http://schemas.microsoft.com/office/drawing/2010/main">
+        <mc:Choice Requires="a14">
+          <p:sp>
+            <p:nvSpPr>
+              <p:cNvPr id="12" name="Rectangle 11">
+                <a:extLst>
+                  <a:ext uri="{FF2B5EF4-FFF2-40B4-BE49-F238E27FC236}">
+                    <a16:creationId xmlns:a16="http://schemas.microsoft.com/office/drawing/2014/main" id="{0087B85C-86CB-4CEA-9002-58436B59CDC7}"/>
+                  </a:ext>
+                </a:extLst>
+              </p:cNvPr>
+              <p:cNvSpPr/>
+              <p:nvPr/>
+            </p:nvSpPr>
+            <p:spPr>
+              <a:xfrm>
+                <a:off x="6951677" y="4852274"/>
+                <a:ext cx="2435290" cy="1352939"/>
+              </a:xfrm>
+              <a:prstGeom prst="rect">
+                <a:avLst/>
+              </a:prstGeom>
+              <a:noFill/>
+              <a:ln w="38100">
+                <a:solidFill>
+                  <a:schemeClr val="tx1"/>
+                </a:solidFill>
+              </a:ln>
+            </p:spPr>
+            <p:style>
+              <a:lnRef idx="2">
+                <a:schemeClr val="accent1">
+                  <a:shade val="50000"/>
+                </a:schemeClr>
+              </a:lnRef>
+              <a:fillRef idx="1">
+                <a:schemeClr val="accent1"/>
+              </a:fillRef>
+              <a:effectRef idx="0">
+                <a:schemeClr val="accent1"/>
+              </a:effectRef>
+              <a:fontRef idx="minor">
+                <a:schemeClr val="lt1"/>
+              </a:fontRef>
+            </p:style>
+            <p:txBody>
+              <a:bodyPr rtlCol="0" anchor="ctr"/>
+              <a:lstStyle/>
+              <a:p>
+                <a:pPr algn="ctr"/>
+                <a:endParaRPr lang="en-US" dirty="0">
+                  <a:solidFill>
+                    <a:schemeClr val="tx1"/>
+                  </a:solidFill>
+                  <a:latin typeface="Times New Roman" panose="02020603050405020304" pitchFamily="18" charset="0"/>
+                  <a:cs typeface="Times New Roman" panose="02020603050405020304" pitchFamily="18" charset="0"/>
+                </a:endParaRPr>
+              </a:p>
+              <a:p>
+                <a:pPr algn="ctr"/>
+                <a:r>
+                  <a:rPr lang="en-US" dirty="0">
+                    <a:solidFill>
+                      <a:schemeClr val="tx1"/>
+                    </a:solidFill>
+                    <a:latin typeface="Times New Roman" panose="02020603050405020304" pitchFamily="18" charset="0"/>
+                    <a:cs typeface="Times New Roman" panose="02020603050405020304" pitchFamily="18" charset="0"/>
+                  </a:rPr>
+                  <a:t>Constant IPT Power</a:t>
+                </a:r>
+              </a:p>
+              <a:p>
+                <a:pPr algn="ctr"/>
+                <a:r>
+                  <a:rPr lang="en-US" dirty="0">
+                    <a:solidFill>
+                      <a:schemeClr val="tx1"/>
+                    </a:solidFill>
+                    <a:latin typeface="Times New Roman" panose="02020603050405020304" pitchFamily="18" charset="0"/>
+                    <a:cs typeface="Times New Roman" panose="02020603050405020304" pitchFamily="18" charset="0"/>
+                  </a:rPr>
+                  <a:t>(</a:t>
+                </a:r>
+                <a14:m>
+                  <m:oMath xmlns:m="http://schemas.openxmlformats.org/officeDocument/2006/math">
+                    <m:sSub>
+                      <m:sSubPr>
+                        <m:ctrlPr>
+                          <a:rPr lang="en-US" i="1">
+                            <a:solidFill>
+                              <a:schemeClr val="tx1"/>
+                            </a:solidFill>
+                            <a:latin typeface="Cambria Math" panose="02040503050406030204" pitchFamily="18" charset="0"/>
+                            <a:cs typeface="Times New Roman" panose="02020603050405020304" pitchFamily="18" charset="0"/>
+                          </a:rPr>
+                        </m:ctrlPr>
+                      </m:sSubPr>
+                      <m:e>
+                        <m:r>
+                          <a:rPr lang="en-US" i="1">
+                            <a:solidFill>
+                              <a:schemeClr val="tx1"/>
+                            </a:solidFill>
+                            <a:latin typeface="Cambria Math" panose="02040503050406030204" pitchFamily="18" charset="0"/>
+                            <a:cs typeface="Times New Roman" panose="02020603050405020304" pitchFamily="18" charset="0"/>
+                          </a:rPr>
+                          <m:t>𝑓</m:t>
+                        </m:r>
+                      </m:e>
+                      <m:sub>
+                        <m:r>
+                          <a:rPr lang="en-US" i="1">
+                            <a:solidFill>
+                              <a:schemeClr val="tx1"/>
+                            </a:solidFill>
+                            <a:latin typeface="Cambria Math" panose="02040503050406030204" pitchFamily="18" charset="0"/>
+                            <a:cs typeface="Times New Roman" panose="02020603050405020304" pitchFamily="18" charset="0"/>
+                          </a:rPr>
+                          <m:t>𝑜𝑝</m:t>
+                        </m:r>
+                      </m:sub>
+                    </m:sSub>
+                  </m:oMath>
+                </a14:m>
+                <a:r>
+                  <a:rPr lang="en-US" dirty="0">
+                    <a:solidFill>
+                      <a:schemeClr val="tx1"/>
+                    </a:solidFill>
+                    <a:latin typeface="Times New Roman" panose="02020603050405020304" pitchFamily="18" charset="0"/>
+                    <a:cs typeface="Times New Roman" panose="02020603050405020304" pitchFamily="18" charset="0"/>
+                  </a:rPr>
+                  <a:t>=86.5kHz)</a:t>
+                </a:r>
+              </a:p>
+              <a:p>
+                <a:pPr algn="ctr"/>
+                <a:r>
+                  <a:rPr lang="en-US" dirty="0">
+                    <a:solidFill>
+                      <a:schemeClr val="tx1"/>
+                    </a:solidFill>
+                    <a:latin typeface="Times New Roman" panose="02020603050405020304" pitchFamily="18" charset="0"/>
+                    <a:cs typeface="Times New Roman" panose="02020603050405020304" pitchFamily="18" charset="0"/>
+                  </a:rPr>
+                  <a:t>(</a:t>
+                </a:r>
+                <a14:m>
+                  <m:oMath xmlns:m="http://schemas.openxmlformats.org/officeDocument/2006/math">
+                    <m:r>
+                      <a:rPr lang="en-US" i="1">
+                        <a:solidFill>
+                          <a:schemeClr val="tx1"/>
+                        </a:solidFill>
+                        <a:latin typeface="Cambria Math" panose="02040503050406030204" pitchFamily="18" charset="0"/>
+                        <a:cs typeface="Times New Roman" panose="02020603050405020304" pitchFamily="18" charset="0"/>
+                      </a:rPr>
+                      <m:t>𝐷</m:t>
+                    </m:r>
+                  </m:oMath>
+                </a14:m>
+                <a:r>
+                  <a:rPr lang="en-US" dirty="0">
+                    <a:solidFill>
+                      <a:schemeClr val="tx1"/>
+                    </a:solidFill>
+                    <a:latin typeface="Times New Roman" panose="02020603050405020304" pitchFamily="18" charset="0"/>
+                    <a:cs typeface="Times New Roman" panose="02020603050405020304" pitchFamily="18" charset="0"/>
+                  </a:rPr>
+                  <a:t>=0.6)</a:t>
+                </a:r>
+              </a:p>
+              <a:p>
+                <a:pPr algn="ctr"/>
+                <a:r>
+                  <a:rPr lang="en-US" dirty="0">
+                    <a:solidFill>
+                      <a:schemeClr val="tx1"/>
+                    </a:solidFill>
+                    <a:latin typeface="Times New Roman" panose="02020603050405020304" pitchFamily="18" charset="0"/>
+                    <a:cs typeface="Times New Roman" panose="02020603050405020304" pitchFamily="18" charset="0"/>
+                  </a:rPr>
+                  <a:t>(</a:t>
+                </a:r>
+                <a14:m>
+                  <m:oMath xmlns:m="http://schemas.openxmlformats.org/officeDocument/2006/math">
+                    <m:sSub>
+                      <m:sSubPr>
+                        <m:ctrlPr>
+                          <a:rPr lang="en-US" i="1">
+                            <a:solidFill>
+                              <a:schemeClr val="tx1"/>
+                            </a:solidFill>
+                            <a:latin typeface="Cambria Math" panose="02040503050406030204" pitchFamily="18" charset="0"/>
+                            <a:cs typeface="Times New Roman" panose="02020603050405020304" pitchFamily="18" charset="0"/>
+                          </a:rPr>
+                        </m:ctrlPr>
+                      </m:sSubPr>
+                      <m:e>
+                        <m:r>
+                          <a:rPr lang="en-US" i="1">
+                            <a:solidFill>
+                              <a:schemeClr val="tx1"/>
+                            </a:solidFill>
+                            <a:latin typeface="Cambria Math" panose="02040503050406030204" pitchFamily="18" charset="0"/>
+                            <a:cs typeface="Times New Roman" panose="02020603050405020304" pitchFamily="18" charset="0"/>
+                          </a:rPr>
+                          <m:t>𝑇</m:t>
+                        </m:r>
+                      </m:e>
+                      <m:sub>
+                        <m:r>
+                          <a:rPr lang="en-US" i="1">
+                            <a:solidFill>
+                              <a:schemeClr val="tx1"/>
+                            </a:solidFill>
+                            <a:latin typeface="Cambria Math" panose="02040503050406030204" pitchFamily="18" charset="0"/>
+                            <a:cs typeface="Times New Roman" panose="02020603050405020304" pitchFamily="18" charset="0"/>
+                          </a:rPr>
+                          <m:t>𝐿</m:t>
+                        </m:r>
+                      </m:sub>
+                    </m:sSub>
+                  </m:oMath>
+                </a14:m>
+                <a:r>
+                  <a:rPr lang="en-US" dirty="0">
+                    <a:solidFill>
+                      <a:schemeClr val="tx1"/>
+                    </a:solidFill>
+                    <a:latin typeface="Times New Roman" panose="02020603050405020304" pitchFamily="18" charset="0"/>
+                    <a:cs typeface="Times New Roman" panose="02020603050405020304" pitchFamily="18" charset="0"/>
+                  </a:rPr>
+                  <a:t>= x2)</a:t>
+                </a:r>
+              </a:p>
+              <a:p>
+                <a:pPr algn="ctr"/>
+                <a:endParaRPr lang="en-US" dirty="0">
+                  <a:solidFill>
+                    <a:schemeClr val="tx1"/>
+                  </a:solidFill>
+                  <a:latin typeface="Times New Roman" panose="02020603050405020304" pitchFamily="18" charset="0"/>
+                  <a:cs typeface="Times New Roman" panose="02020603050405020304" pitchFamily="18" charset="0"/>
+                </a:endParaRPr>
+              </a:p>
+              <a:p>
+                <a:pPr algn="ctr"/>
+                <a:endParaRPr lang="en-US" dirty="0">
+                  <a:solidFill>
+                    <a:schemeClr val="tx1"/>
+                  </a:solidFill>
+                  <a:latin typeface="Times New Roman" panose="02020603050405020304" pitchFamily="18" charset="0"/>
+                  <a:cs typeface="Times New Roman" panose="02020603050405020304" pitchFamily="18" charset="0"/>
+                </a:endParaRPr>
+              </a:p>
+            </p:txBody>
+          </p:sp>
+        </mc:Choice>
+        <mc:Fallback xmlns="">
+          <p:sp>
+            <p:nvSpPr>
+              <p:cNvPr id="12" name="Rectangle 11">
+                <a:extLst>
+                  <a:ext uri="{FF2B5EF4-FFF2-40B4-BE49-F238E27FC236}">
+                    <a16:creationId xmlns:a16="http://schemas.microsoft.com/office/drawing/2014/main" id="{0087B85C-86CB-4CEA-9002-58436B59CDC7}"/>
+                  </a:ext>
+                </a:extLst>
+              </p:cNvPr>
+              <p:cNvSpPr>
+                <a:spLocks noRot="1" noChangeAspect="1" noMove="1" noResize="1" noEditPoints="1" noAdjustHandles="1" noChangeArrowheads="1" noChangeShapeType="1" noTextEdit="1"/>
+              </p:cNvSpPr>
+              <p:nvPr/>
+            </p:nvSpPr>
+            <p:spPr>
+              <a:xfrm>
+                <a:off x="6951677" y="4852274"/>
+                <a:ext cx="2435290" cy="1352939"/>
+              </a:xfrm>
+              <a:prstGeom prst="rect">
+                <a:avLst/>
+              </a:prstGeom>
+              <a:blipFill>
+                <a:blip r:embed="rId5"/>
+                <a:stretch>
+                  <a:fillRect t="-5702"/>
+                </a:stretch>
+              </a:blipFill>
+              <a:ln w="38100">
+                <a:solidFill>
+                  <a:schemeClr val="tx1"/>
+                </a:solidFill>
+              </a:ln>
+            </p:spPr>
+            <p:txBody>
+              <a:bodyPr/>
+              <a:lstStyle/>
+              <a:p>
+                <a:r>
+                  <a:rPr lang="en-US">
+                    <a:noFill/>
+                  </a:rPr>
+                  <a:t> </a:t>
+                </a:r>
+              </a:p>
+            </p:txBody>
+          </p:sp>
+        </mc:Fallback>
+      </mc:AlternateContent>
+      <p:sp>
+        <p:nvSpPr>
+          <p:cNvPr id="13" name="TextBox 12">
+            <a:extLst>
+              <a:ext uri="{FF2B5EF4-FFF2-40B4-BE49-F238E27FC236}">
+                <a16:creationId xmlns:a16="http://schemas.microsoft.com/office/drawing/2014/main" id="{6ABB0886-FCDE-4445-83B4-74170090CB06}"/>
+              </a:ext>
+            </a:extLst>
+          </p:cNvPr>
+          <p:cNvSpPr txBox="1"/>
+          <p:nvPr/>
+        </p:nvSpPr>
+        <p:spPr>
+          <a:xfrm>
+            <a:off x="7484531" y="4072386"/>
+            <a:ext cx="2674876" cy="738664"/>
+          </a:xfrm>
+          <a:prstGeom prst="rect">
+            <a:avLst/>
+          </a:prstGeom>
+          <a:noFill/>
+        </p:spPr>
+        <p:txBody>
+          <a:bodyPr wrap="square" rtlCol="0">
+            <a:spAutoFit/>
+          </a:bodyPr>
+          <a:lstStyle/>
+          <a:p>
+            <a:pPr algn="ctr"/>
+            <a:r>
+              <a:rPr lang="en-US" sz="1400" dirty="0"/>
+              <a:t>Motor </a:t>
+            </a:r>
+          </a:p>
+          <a:p>
+            <a:pPr algn="ctr"/>
+            <a:r>
+              <a:rPr lang="en-US" sz="1400" dirty="0"/>
+              <a:t>Speed </a:t>
+            </a:r>
+          </a:p>
+          <a:p>
+            <a:pPr algn="ctr"/>
+            <a:r>
+              <a:rPr lang="en-US" sz="1400" dirty="0"/>
+              <a:t>Control</a:t>
+            </a:r>
+          </a:p>
+        </p:txBody>
+      </p:sp>
+      <mc:AlternateContent xmlns:mc="http://schemas.openxmlformats.org/markup-compatibility/2006" xmlns:a14="http://schemas.microsoft.com/office/drawing/2010/main">
+        <mc:Choice Requires="a14">
+          <p:sp>
+            <p:nvSpPr>
+              <p:cNvPr id="14" name="Rectangle 13">
+                <a:extLst>
+                  <a:ext uri="{FF2B5EF4-FFF2-40B4-BE49-F238E27FC236}">
+                    <a16:creationId xmlns:a16="http://schemas.microsoft.com/office/drawing/2014/main" id="{AA839320-023B-43C8-9A9A-54D5AB09D793}"/>
+                  </a:ext>
+                </a:extLst>
+              </p:cNvPr>
+              <p:cNvSpPr/>
+              <p:nvPr/>
+            </p:nvSpPr>
+            <p:spPr>
+              <a:xfrm>
+                <a:off x="3171963" y="4848599"/>
+                <a:ext cx="2435290" cy="1352939"/>
+              </a:xfrm>
+              <a:prstGeom prst="rect">
+                <a:avLst/>
+              </a:prstGeom>
+              <a:noFill/>
+              <a:ln w="38100">
+                <a:solidFill>
+                  <a:schemeClr val="tx1"/>
+                </a:solidFill>
+              </a:ln>
+            </p:spPr>
+            <p:style>
+              <a:lnRef idx="2">
+                <a:schemeClr val="accent1">
+                  <a:shade val="50000"/>
+                </a:schemeClr>
+              </a:lnRef>
+              <a:fillRef idx="1">
+                <a:schemeClr val="accent1"/>
+              </a:fillRef>
+              <a:effectRef idx="0">
+                <a:schemeClr val="accent1"/>
+              </a:effectRef>
+              <a:fontRef idx="minor">
+                <a:schemeClr val="lt1"/>
+              </a:fontRef>
+            </p:style>
+            <p:txBody>
+              <a:bodyPr rtlCol="0" anchor="ctr"/>
+              <a:lstStyle/>
+              <a:p>
+                <a:pPr algn="ctr"/>
+                <a:endParaRPr lang="en-US" dirty="0">
+                  <a:solidFill>
+                    <a:schemeClr val="tx1"/>
+                  </a:solidFill>
+                  <a:latin typeface="Times New Roman" panose="02020603050405020304" pitchFamily="18" charset="0"/>
+                  <a:cs typeface="Times New Roman" panose="02020603050405020304" pitchFamily="18" charset="0"/>
+                </a:endParaRPr>
+              </a:p>
+              <a:p>
+                <a:pPr algn="ctr"/>
+                <a:r>
+                  <a:rPr lang="en-US" dirty="0">
+                    <a:solidFill>
+                      <a:schemeClr val="tx1"/>
+                    </a:solidFill>
+                    <a:latin typeface="Times New Roman" panose="02020603050405020304" pitchFamily="18" charset="0"/>
+                    <a:cs typeface="Times New Roman" panose="02020603050405020304" pitchFamily="18" charset="0"/>
+                  </a:rPr>
+                  <a:t>Constant Motor Power</a:t>
+                </a:r>
+              </a:p>
+              <a:p>
+                <a:pPr algn="ctr"/>
+                <a:r>
+                  <a:rPr lang="en-US" dirty="0">
+                    <a:solidFill>
+                      <a:schemeClr val="tx1"/>
+                    </a:solidFill>
+                    <a:latin typeface="Times New Roman" panose="02020603050405020304" pitchFamily="18" charset="0"/>
+                    <a:cs typeface="Times New Roman" panose="02020603050405020304" pitchFamily="18" charset="0"/>
+                  </a:rPr>
+                  <a:t>(</a:t>
+                </a:r>
+                <a14:m>
+                  <m:oMath xmlns:m="http://schemas.openxmlformats.org/officeDocument/2006/math">
+                    <m:sSub>
+                      <m:sSubPr>
+                        <m:ctrlPr>
+                          <a:rPr lang="en-US" i="1">
+                            <a:solidFill>
+                              <a:schemeClr val="tx1"/>
+                            </a:solidFill>
+                            <a:latin typeface="Cambria Math" panose="02040503050406030204" pitchFamily="18" charset="0"/>
+                            <a:cs typeface="Times New Roman" panose="02020603050405020304" pitchFamily="18" charset="0"/>
+                          </a:rPr>
+                        </m:ctrlPr>
+                      </m:sSubPr>
+                      <m:e>
+                        <m:r>
+                          <a:rPr lang="en-US" i="1">
+                            <a:solidFill>
+                              <a:schemeClr val="tx1"/>
+                            </a:solidFill>
+                            <a:latin typeface="Cambria Math" panose="02040503050406030204" pitchFamily="18" charset="0"/>
+                            <a:cs typeface="Times New Roman" panose="02020603050405020304" pitchFamily="18" charset="0"/>
+                          </a:rPr>
+                          <m:t>𝑓</m:t>
+                        </m:r>
+                      </m:e>
+                      <m:sub>
+                        <m:r>
+                          <a:rPr lang="en-US" i="1">
+                            <a:solidFill>
+                              <a:schemeClr val="tx1"/>
+                            </a:solidFill>
+                            <a:latin typeface="Cambria Math" panose="02040503050406030204" pitchFamily="18" charset="0"/>
+                            <a:cs typeface="Times New Roman" panose="02020603050405020304" pitchFamily="18" charset="0"/>
+                          </a:rPr>
+                          <m:t>𝑜𝑝</m:t>
+                        </m:r>
+                      </m:sub>
+                    </m:sSub>
+                    <m:r>
+                      <a:rPr lang="en-US" b="0" i="0" smtClean="0">
+                        <a:solidFill>
+                          <a:schemeClr val="tx1"/>
+                        </a:solidFill>
+                        <a:latin typeface="Cambria Math" panose="02040503050406030204" pitchFamily="18" charset="0"/>
+                        <a:cs typeface="Times New Roman" panose="02020603050405020304" pitchFamily="18" charset="0"/>
+                      </a:rPr>
+                      <m:t>=80</m:t>
+                    </m:r>
+                  </m:oMath>
+                </a14:m>
+                <a:r>
+                  <a:rPr lang="en-US" dirty="0">
+                    <a:solidFill>
+                      <a:schemeClr val="tx1"/>
+                    </a:solidFill>
+                    <a:latin typeface="Times New Roman" panose="02020603050405020304" pitchFamily="18" charset="0"/>
+                    <a:cs typeface="Times New Roman" panose="02020603050405020304" pitchFamily="18" charset="0"/>
+                  </a:rPr>
+                  <a:t>kHz)</a:t>
+                </a:r>
+              </a:p>
+              <a:p>
+                <a:pPr algn="ctr"/>
+                <a:r>
+                  <a:rPr lang="en-US" dirty="0">
+                    <a:solidFill>
+                      <a:schemeClr val="tx1"/>
+                    </a:solidFill>
+                    <a:latin typeface="Times New Roman" panose="02020603050405020304" pitchFamily="18" charset="0"/>
+                    <a:cs typeface="Times New Roman" panose="02020603050405020304" pitchFamily="18" charset="0"/>
+                  </a:rPr>
+                  <a:t>(</a:t>
+                </a:r>
+                <a14:m>
+                  <m:oMath xmlns:m="http://schemas.openxmlformats.org/officeDocument/2006/math">
+                    <m:r>
+                      <a:rPr lang="en-US" i="1">
+                        <a:solidFill>
+                          <a:schemeClr val="tx1"/>
+                        </a:solidFill>
+                        <a:latin typeface="Cambria Math" panose="02040503050406030204" pitchFamily="18" charset="0"/>
+                        <a:cs typeface="Times New Roman" panose="02020603050405020304" pitchFamily="18" charset="0"/>
+                      </a:rPr>
+                      <m:t>𝐷</m:t>
+                    </m:r>
+                  </m:oMath>
+                </a14:m>
+                <a:r>
+                  <a:rPr lang="en-US" dirty="0">
+                    <a:solidFill>
+                      <a:schemeClr val="tx1"/>
+                    </a:solidFill>
+                    <a:latin typeface="Times New Roman" panose="02020603050405020304" pitchFamily="18" charset="0"/>
+                    <a:cs typeface="Times New Roman" panose="02020603050405020304" pitchFamily="18" charset="0"/>
+                  </a:rPr>
+                  <a:t>=0.6)</a:t>
+                </a:r>
+              </a:p>
+              <a:p>
+                <a:pPr algn="ctr"/>
+                <a:r>
+                  <a:rPr lang="en-US" dirty="0">
+                    <a:solidFill>
+                      <a:schemeClr val="tx1"/>
+                    </a:solidFill>
+                    <a:latin typeface="Times New Roman" panose="02020603050405020304" pitchFamily="18" charset="0"/>
+                    <a:cs typeface="Times New Roman" panose="02020603050405020304" pitchFamily="18" charset="0"/>
+                  </a:rPr>
+                  <a:t>(</a:t>
+                </a:r>
+                <a14:m>
+                  <m:oMath xmlns:m="http://schemas.openxmlformats.org/officeDocument/2006/math">
+                    <m:sSub>
+                      <m:sSubPr>
+                        <m:ctrlPr>
+                          <a:rPr lang="en-US" i="1">
+                            <a:solidFill>
+                              <a:schemeClr val="tx1"/>
+                            </a:solidFill>
+                            <a:latin typeface="Cambria Math" panose="02040503050406030204" pitchFamily="18" charset="0"/>
+                            <a:cs typeface="Times New Roman" panose="02020603050405020304" pitchFamily="18" charset="0"/>
+                          </a:rPr>
+                        </m:ctrlPr>
+                      </m:sSubPr>
+                      <m:e>
+                        <m:r>
+                          <a:rPr lang="en-US" i="1">
+                            <a:solidFill>
+                              <a:schemeClr val="tx1"/>
+                            </a:solidFill>
+                            <a:latin typeface="Cambria Math" panose="02040503050406030204" pitchFamily="18" charset="0"/>
+                            <a:cs typeface="Times New Roman" panose="02020603050405020304" pitchFamily="18" charset="0"/>
+                          </a:rPr>
+                          <m:t>𝑇</m:t>
+                        </m:r>
+                      </m:e>
+                      <m:sub>
+                        <m:r>
+                          <a:rPr lang="en-US" i="1">
+                            <a:solidFill>
+                              <a:schemeClr val="tx1"/>
+                            </a:solidFill>
+                            <a:latin typeface="Cambria Math" panose="02040503050406030204" pitchFamily="18" charset="0"/>
+                            <a:cs typeface="Times New Roman" panose="02020603050405020304" pitchFamily="18" charset="0"/>
+                          </a:rPr>
+                          <m:t>𝐿</m:t>
+                        </m:r>
+                      </m:sub>
+                    </m:sSub>
+                  </m:oMath>
+                </a14:m>
+                <a:r>
+                  <a:rPr lang="en-US" dirty="0">
+                    <a:solidFill>
+                      <a:schemeClr val="tx1"/>
+                    </a:solidFill>
+                    <a:latin typeface="Times New Roman" panose="02020603050405020304" pitchFamily="18" charset="0"/>
+                    <a:cs typeface="Times New Roman" panose="02020603050405020304" pitchFamily="18" charset="0"/>
+                  </a:rPr>
+                  <a:t>= x2)</a:t>
+                </a:r>
+              </a:p>
+              <a:p>
+                <a:pPr algn="ctr"/>
+                <a:endParaRPr lang="en-US" dirty="0">
+                  <a:solidFill>
+                    <a:schemeClr val="tx1"/>
+                  </a:solidFill>
+                  <a:latin typeface="Times New Roman" panose="02020603050405020304" pitchFamily="18" charset="0"/>
+                  <a:cs typeface="Times New Roman" panose="02020603050405020304" pitchFamily="18" charset="0"/>
+                </a:endParaRPr>
+              </a:p>
+              <a:p>
+                <a:pPr algn="ctr"/>
+                <a:endParaRPr lang="en-US" dirty="0">
+                  <a:solidFill>
+                    <a:schemeClr val="tx1"/>
+                  </a:solidFill>
+                  <a:latin typeface="Times New Roman" panose="02020603050405020304" pitchFamily="18" charset="0"/>
+                  <a:cs typeface="Times New Roman" panose="02020603050405020304" pitchFamily="18" charset="0"/>
+                </a:endParaRPr>
+              </a:p>
+            </p:txBody>
+          </p:sp>
+        </mc:Choice>
+        <mc:Fallback xmlns="">
+          <p:sp>
+            <p:nvSpPr>
+              <p:cNvPr id="14" name="Rectangle 13">
+                <a:extLst>
+                  <a:ext uri="{FF2B5EF4-FFF2-40B4-BE49-F238E27FC236}">
+                    <a16:creationId xmlns:a16="http://schemas.microsoft.com/office/drawing/2014/main" id="{AA839320-023B-43C8-9A9A-54D5AB09D793}"/>
+                  </a:ext>
+                </a:extLst>
+              </p:cNvPr>
+              <p:cNvSpPr>
+                <a:spLocks noRot="1" noChangeAspect="1" noMove="1" noResize="1" noEditPoints="1" noAdjustHandles="1" noChangeArrowheads="1" noChangeShapeType="1" noTextEdit="1"/>
+              </p:cNvSpPr>
+              <p:nvPr/>
+            </p:nvSpPr>
+            <p:spPr>
+              <a:xfrm>
+                <a:off x="3171963" y="4848599"/>
+                <a:ext cx="2435290" cy="1352939"/>
+              </a:xfrm>
+              <a:prstGeom prst="rect">
+                <a:avLst/>
+              </a:prstGeom>
+              <a:blipFill>
+                <a:blip r:embed="rId6"/>
+                <a:stretch>
+                  <a:fillRect t="-5702"/>
+                </a:stretch>
+              </a:blipFill>
+              <a:ln w="38100">
+                <a:solidFill>
+                  <a:schemeClr val="tx1"/>
+                </a:solidFill>
+              </a:ln>
+            </p:spPr>
+            <p:txBody>
+              <a:bodyPr/>
+              <a:lstStyle/>
+              <a:p>
+                <a:r>
+                  <a:rPr lang="en-US">
+                    <a:noFill/>
+                  </a:rPr>
+                  <a:t> </a:t>
+                </a:r>
+              </a:p>
+            </p:txBody>
+          </p:sp>
+        </mc:Fallback>
+      </mc:AlternateContent>
+      <p:sp>
+        <p:nvSpPr>
+          <p:cNvPr id="15" name="TextBox 14">
+            <a:extLst>
+              <a:ext uri="{FF2B5EF4-FFF2-40B4-BE49-F238E27FC236}">
+                <a16:creationId xmlns:a16="http://schemas.microsoft.com/office/drawing/2014/main" id="{0E905681-5537-4909-AA77-4546C8775EEA}"/>
+              </a:ext>
+            </a:extLst>
+          </p:cNvPr>
+          <p:cNvSpPr txBox="1"/>
+          <p:nvPr/>
+        </p:nvSpPr>
+        <p:spPr>
+          <a:xfrm>
+            <a:off x="5346365" y="5717450"/>
+            <a:ext cx="1698463" cy="523220"/>
+          </a:xfrm>
+          <a:prstGeom prst="rect">
+            <a:avLst/>
+          </a:prstGeom>
+          <a:noFill/>
+        </p:spPr>
+        <p:txBody>
+          <a:bodyPr wrap="square" rtlCol="0">
+            <a:spAutoFit/>
+          </a:bodyPr>
+          <a:lstStyle/>
+          <a:p>
+            <a:pPr algn="ctr"/>
+            <a:r>
+              <a:rPr lang="en-US" sz="1400" dirty="0"/>
+              <a:t>IPT Power</a:t>
+            </a:r>
+          </a:p>
+          <a:p>
+            <a:pPr algn="ctr"/>
+            <a:r>
+              <a:rPr lang="en-US" sz="1400" dirty="0"/>
+              <a:t> Control</a:t>
+            </a:r>
+          </a:p>
+        </p:txBody>
+      </p:sp>
+      <p:sp>
+        <p:nvSpPr>
+          <p:cNvPr id="16" name="Oval 15">
+            <a:extLst>
+              <a:ext uri="{FF2B5EF4-FFF2-40B4-BE49-F238E27FC236}">
+                <a16:creationId xmlns:a16="http://schemas.microsoft.com/office/drawing/2014/main" id="{3C6AB6FC-0DEB-4F94-A308-BF28390B721D}"/>
+              </a:ext>
+            </a:extLst>
+          </p:cNvPr>
+          <p:cNvSpPr/>
+          <p:nvPr/>
+        </p:nvSpPr>
+        <p:spPr>
+          <a:xfrm>
+            <a:off x="2665074" y="874370"/>
+            <a:ext cx="279918" cy="289866"/>
+          </a:xfrm>
+          <a:prstGeom prst="ellipse">
+            <a:avLst/>
+          </a:prstGeom>
+          <a:noFill/>
+          <a:ln w="28575">
+            <a:solidFill>
+              <a:schemeClr val="tx1"/>
+            </a:solidFill>
+          </a:ln>
+        </p:spPr>
+        <p:style>
+          <a:lnRef idx="2">
+            <a:schemeClr val="accent1">
+              <a:shade val="50000"/>
+            </a:schemeClr>
+          </a:lnRef>
+          <a:fillRef idx="1">
+            <a:schemeClr val="accent1"/>
+          </a:fillRef>
+          <a:effectRef idx="0">
+            <a:schemeClr val="accent1"/>
+          </a:effectRef>
+          <a:fontRef idx="minor">
+            <a:schemeClr val="lt1"/>
+          </a:fontRef>
+        </p:style>
+        <p:txBody>
+          <a:bodyPr rot="0" spcFirstLastPara="0" vertOverflow="overflow" horzOverflow="overflow" vert="horz" wrap="square" lIns="91440" tIns="45720" rIns="91440" bIns="45720" numCol="1" spcCol="0" rtlCol="0" fromWordArt="0" anchor="ctr" anchorCtr="0" forceAA="0" compatLnSpc="1">
+            <a:prstTxWarp prst="textNoShape">
+              <a:avLst/>
+            </a:prstTxWarp>
+            <a:noAutofit/>
+          </a:bodyPr>
+          <a:lstStyle/>
+          <a:p>
+            <a:pPr algn="ctr"/>
+            <a:r>
+              <a:rPr lang="en-US" dirty="0">
+                <a:solidFill>
+                  <a:schemeClr val="tx1"/>
+                </a:solidFill>
+              </a:rPr>
+              <a:t>A</a:t>
+            </a:r>
+          </a:p>
+        </p:txBody>
+      </p:sp>
+      <p:sp>
+        <p:nvSpPr>
+          <p:cNvPr id="17" name="Oval 16">
+            <a:extLst>
+              <a:ext uri="{FF2B5EF4-FFF2-40B4-BE49-F238E27FC236}">
+                <a16:creationId xmlns:a16="http://schemas.microsoft.com/office/drawing/2014/main" id="{63D69C4F-0FD4-403F-BD76-36CBAAEF40BE}"/>
+              </a:ext>
+            </a:extLst>
+          </p:cNvPr>
+          <p:cNvSpPr/>
+          <p:nvPr/>
+        </p:nvSpPr>
+        <p:spPr>
+          <a:xfrm>
+            <a:off x="9637050" y="813335"/>
+            <a:ext cx="279918" cy="289866"/>
+          </a:xfrm>
+          <a:prstGeom prst="ellipse">
+            <a:avLst/>
+          </a:prstGeom>
+          <a:noFill/>
+          <a:ln w="28575">
+            <a:solidFill>
+              <a:schemeClr val="tx1"/>
+            </a:solidFill>
+          </a:ln>
+        </p:spPr>
+        <p:style>
+          <a:lnRef idx="2">
+            <a:schemeClr val="accent1">
+              <a:shade val="50000"/>
+            </a:schemeClr>
+          </a:lnRef>
+          <a:fillRef idx="1">
+            <a:schemeClr val="accent1"/>
+          </a:fillRef>
+          <a:effectRef idx="0">
+            <a:schemeClr val="accent1"/>
+          </a:effectRef>
+          <a:fontRef idx="minor">
+            <a:schemeClr val="lt1"/>
+          </a:fontRef>
+        </p:style>
+        <p:txBody>
+          <a:bodyPr rot="0" spcFirstLastPara="0" vertOverflow="overflow" horzOverflow="overflow" vert="horz" wrap="square" lIns="91440" tIns="45720" rIns="91440" bIns="45720" numCol="1" spcCol="0" rtlCol="0" fromWordArt="0" anchor="ctr" anchorCtr="0" forceAA="0" compatLnSpc="1">
+            <a:prstTxWarp prst="textNoShape">
+              <a:avLst/>
+            </a:prstTxWarp>
+            <a:noAutofit/>
+          </a:bodyPr>
+          <a:lstStyle/>
+          <a:p>
+            <a:pPr algn="ctr"/>
+            <a:r>
+              <a:rPr lang="en-US" dirty="0">
+                <a:solidFill>
+                  <a:schemeClr val="tx1"/>
+                </a:solidFill>
+              </a:rPr>
+              <a:t>B</a:t>
+            </a:r>
+          </a:p>
+        </p:txBody>
+      </p:sp>
+      <p:sp>
+        <p:nvSpPr>
+          <p:cNvPr id="18" name="Oval 17">
+            <a:extLst>
+              <a:ext uri="{FF2B5EF4-FFF2-40B4-BE49-F238E27FC236}">
+                <a16:creationId xmlns:a16="http://schemas.microsoft.com/office/drawing/2014/main" id="{E80663BC-884F-40A9-BFF3-6B1BB4329374}"/>
+              </a:ext>
+            </a:extLst>
+          </p:cNvPr>
+          <p:cNvSpPr/>
+          <p:nvPr/>
+        </p:nvSpPr>
+        <p:spPr>
+          <a:xfrm>
+            <a:off x="9637050" y="3327808"/>
+            <a:ext cx="279918" cy="289866"/>
+          </a:xfrm>
+          <a:prstGeom prst="ellipse">
+            <a:avLst/>
+          </a:prstGeom>
+          <a:noFill/>
+          <a:ln w="28575">
+            <a:solidFill>
+              <a:schemeClr val="tx1"/>
+            </a:solidFill>
+          </a:ln>
+        </p:spPr>
+        <p:style>
+          <a:lnRef idx="2">
+            <a:schemeClr val="accent1">
+              <a:shade val="50000"/>
+            </a:schemeClr>
+          </a:lnRef>
+          <a:fillRef idx="1">
+            <a:schemeClr val="accent1"/>
+          </a:fillRef>
+          <a:effectRef idx="0">
+            <a:schemeClr val="accent1"/>
+          </a:effectRef>
+          <a:fontRef idx="minor">
+            <a:schemeClr val="lt1"/>
+          </a:fontRef>
+        </p:style>
+        <p:txBody>
+          <a:bodyPr rot="0" spcFirstLastPara="0" vertOverflow="overflow" horzOverflow="overflow" vert="horz" wrap="square" lIns="91440" tIns="45720" rIns="91440" bIns="45720" numCol="1" spcCol="0" rtlCol="0" fromWordArt="0" anchor="ctr" anchorCtr="0" forceAA="0" compatLnSpc="1">
+            <a:prstTxWarp prst="textNoShape">
+              <a:avLst/>
+            </a:prstTxWarp>
+            <a:noAutofit/>
+          </a:bodyPr>
+          <a:lstStyle/>
+          <a:p>
+            <a:pPr algn="ctr"/>
+            <a:r>
+              <a:rPr lang="en-US" dirty="0">
+                <a:solidFill>
+                  <a:schemeClr val="tx1"/>
+                </a:solidFill>
+              </a:rPr>
+              <a:t>C</a:t>
+            </a:r>
+          </a:p>
+        </p:txBody>
+      </p:sp>
+      <p:sp>
+        <p:nvSpPr>
+          <p:cNvPr id="19" name="Oval 18">
+            <a:extLst>
+              <a:ext uri="{FF2B5EF4-FFF2-40B4-BE49-F238E27FC236}">
+                <a16:creationId xmlns:a16="http://schemas.microsoft.com/office/drawing/2014/main" id="{35ABA06D-147E-4402-8CA9-A1E2EF690E6C}"/>
+              </a:ext>
+            </a:extLst>
+          </p:cNvPr>
+          <p:cNvSpPr/>
+          <p:nvPr/>
+        </p:nvSpPr>
+        <p:spPr>
+          <a:xfrm>
+            <a:off x="9637050" y="5430383"/>
+            <a:ext cx="279918" cy="289866"/>
+          </a:xfrm>
+          <a:prstGeom prst="ellipse">
+            <a:avLst/>
+          </a:prstGeom>
+          <a:noFill/>
+          <a:ln w="28575">
+            <a:solidFill>
+              <a:schemeClr val="tx1"/>
+            </a:solidFill>
+          </a:ln>
+        </p:spPr>
+        <p:style>
+          <a:lnRef idx="2">
+            <a:schemeClr val="accent1">
+              <a:shade val="50000"/>
+            </a:schemeClr>
+          </a:lnRef>
+          <a:fillRef idx="1">
+            <a:schemeClr val="accent1"/>
+          </a:fillRef>
+          <a:effectRef idx="0">
+            <a:schemeClr val="accent1"/>
+          </a:effectRef>
+          <a:fontRef idx="minor">
+            <a:schemeClr val="lt1"/>
+          </a:fontRef>
+        </p:style>
+        <p:txBody>
+          <a:bodyPr rot="0" spcFirstLastPara="0" vertOverflow="overflow" horzOverflow="overflow" vert="horz" wrap="square" lIns="91440" tIns="45720" rIns="91440" bIns="45720" numCol="1" spcCol="0" rtlCol="0" fromWordArt="0" anchor="ctr" anchorCtr="0" forceAA="0" compatLnSpc="1">
+            <a:prstTxWarp prst="textNoShape">
+              <a:avLst/>
+            </a:prstTxWarp>
+            <a:noAutofit/>
+          </a:bodyPr>
+          <a:lstStyle/>
+          <a:p>
+            <a:pPr algn="ctr"/>
+            <a:r>
+              <a:rPr lang="en-US" dirty="0">
+                <a:solidFill>
+                  <a:schemeClr val="tx1"/>
+                </a:solidFill>
+              </a:rPr>
+              <a:t>D</a:t>
+            </a:r>
+          </a:p>
+        </p:txBody>
+      </p:sp>
+      <p:sp>
+        <p:nvSpPr>
+          <p:cNvPr id="20" name="Oval 19">
+            <a:extLst>
+              <a:ext uri="{FF2B5EF4-FFF2-40B4-BE49-F238E27FC236}">
+                <a16:creationId xmlns:a16="http://schemas.microsoft.com/office/drawing/2014/main" id="{58784130-EC43-45D6-BC3B-83664DB42D75}"/>
+              </a:ext>
+            </a:extLst>
+          </p:cNvPr>
+          <p:cNvSpPr/>
+          <p:nvPr/>
+        </p:nvSpPr>
+        <p:spPr>
+          <a:xfrm>
+            <a:off x="2619645" y="5427584"/>
+            <a:ext cx="279918" cy="289866"/>
+          </a:xfrm>
+          <a:prstGeom prst="ellipse">
+            <a:avLst/>
+          </a:prstGeom>
+          <a:noFill/>
+          <a:ln w="28575">
+            <a:solidFill>
+              <a:schemeClr val="tx1"/>
+            </a:solidFill>
+          </a:ln>
+        </p:spPr>
+        <p:style>
+          <a:lnRef idx="2">
+            <a:schemeClr val="accent1">
+              <a:shade val="50000"/>
+            </a:schemeClr>
+          </a:lnRef>
+          <a:fillRef idx="1">
+            <a:schemeClr val="accent1"/>
+          </a:fillRef>
+          <a:effectRef idx="0">
+            <a:schemeClr val="accent1"/>
+          </a:effectRef>
+          <a:fontRef idx="minor">
+            <a:schemeClr val="lt1"/>
+          </a:fontRef>
+        </p:style>
+        <p:txBody>
+          <a:bodyPr rot="0" spcFirstLastPara="0" vertOverflow="overflow" horzOverflow="overflow" vert="horz" wrap="square" lIns="91440" tIns="45720" rIns="91440" bIns="45720" numCol="1" spcCol="0" rtlCol="0" fromWordArt="0" anchor="ctr" anchorCtr="0" forceAA="0" compatLnSpc="1">
+            <a:prstTxWarp prst="textNoShape">
+              <a:avLst/>
+            </a:prstTxWarp>
+            <a:noAutofit/>
+          </a:bodyPr>
+          <a:lstStyle/>
+          <a:p>
+            <a:pPr algn="ctr"/>
+            <a:r>
+              <a:rPr lang="en-US" dirty="0">
+                <a:solidFill>
+                  <a:schemeClr val="tx1"/>
+                </a:solidFill>
+              </a:rPr>
+              <a:t>E</a:t>
+            </a:r>
+          </a:p>
+        </p:txBody>
+      </p:sp>
+      <mc:AlternateContent xmlns:mc="http://schemas.openxmlformats.org/markup-compatibility/2006" xmlns:a14="http://schemas.microsoft.com/office/drawing/2010/main">
+        <mc:Choice Requires="a14">
+          <p:sp>
+            <p:nvSpPr>
+              <p:cNvPr id="21" name="Rectangle 20">
+                <a:extLst>
+                  <a:ext uri="{FF2B5EF4-FFF2-40B4-BE49-F238E27FC236}">
+                    <a16:creationId xmlns:a16="http://schemas.microsoft.com/office/drawing/2014/main" id="{B6E6577F-CD11-41BC-9408-44BB2AD2D500}"/>
+                  </a:ext>
+                </a:extLst>
+              </p:cNvPr>
+              <p:cNvSpPr/>
+              <p:nvPr/>
+            </p:nvSpPr>
+            <p:spPr>
+              <a:xfrm>
+                <a:off x="3171964" y="2603734"/>
+                <a:ext cx="2435290" cy="1352939"/>
+              </a:xfrm>
+              <a:prstGeom prst="rect">
+                <a:avLst/>
+              </a:prstGeom>
+              <a:noFill/>
+              <a:ln w="38100">
+                <a:solidFill>
+                  <a:schemeClr val="tx1"/>
+                </a:solidFill>
+              </a:ln>
+            </p:spPr>
+            <p:style>
+              <a:lnRef idx="2">
+                <a:schemeClr val="accent1">
+                  <a:shade val="50000"/>
+                </a:schemeClr>
+              </a:lnRef>
+              <a:fillRef idx="1">
+                <a:schemeClr val="accent1"/>
+              </a:fillRef>
+              <a:effectRef idx="0">
+                <a:schemeClr val="accent1"/>
+              </a:effectRef>
+              <a:fontRef idx="minor">
+                <a:schemeClr val="lt1"/>
+              </a:fontRef>
+            </p:style>
+            <p:txBody>
+              <a:bodyPr rtlCol="0" anchor="ctr"/>
+              <a:lstStyle/>
+              <a:p>
+                <a:pPr algn="ctr"/>
+                <a:endParaRPr lang="en-US" dirty="0">
+                  <a:solidFill>
+                    <a:schemeClr val="tx1"/>
+                  </a:solidFill>
+                  <a:latin typeface="Times New Roman" panose="02020603050405020304" pitchFamily="18" charset="0"/>
+                  <a:cs typeface="Times New Roman" panose="02020603050405020304" pitchFamily="18" charset="0"/>
+                </a:endParaRPr>
+              </a:p>
+              <a:p>
+                <a:pPr algn="ctr"/>
+                <a:r>
+                  <a:rPr lang="en-US" dirty="0">
+                    <a:solidFill>
+                      <a:schemeClr val="tx1"/>
+                    </a:solidFill>
+                    <a:latin typeface="Times New Roman" panose="02020603050405020304" pitchFamily="18" charset="0"/>
+                    <a:cs typeface="Times New Roman" panose="02020603050405020304" pitchFamily="18" charset="0"/>
+                  </a:rPr>
+                  <a:t>Constant Motor Power</a:t>
+                </a:r>
+              </a:p>
+              <a:p>
+                <a:pPr algn="ctr"/>
+                <a:r>
+                  <a:rPr lang="en-US" dirty="0">
+                    <a:solidFill>
+                      <a:schemeClr val="tx1"/>
+                    </a:solidFill>
+                    <a:latin typeface="Times New Roman" panose="02020603050405020304" pitchFamily="18" charset="0"/>
+                    <a:cs typeface="Times New Roman" panose="02020603050405020304" pitchFamily="18" charset="0"/>
+                  </a:rPr>
+                  <a:t>(</a:t>
+                </a:r>
+                <a14:m>
+                  <m:oMath xmlns:m="http://schemas.openxmlformats.org/officeDocument/2006/math">
+                    <m:sSub>
+                      <m:sSubPr>
+                        <m:ctrlPr>
+                          <a:rPr lang="en-US" i="1">
+                            <a:solidFill>
+                              <a:schemeClr val="tx1"/>
+                            </a:solidFill>
+                            <a:latin typeface="Cambria Math" panose="02040503050406030204" pitchFamily="18" charset="0"/>
+                            <a:cs typeface="Times New Roman" panose="02020603050405020304" pitchFamily="18" charset="0"/>
+                          </a:rPr>
+                        </m:ctrlPr>
+                      </m:sSubPr>
+                      <m:e>
+                        <m:r>
+                          <a:rPr lang="en-US" i="1">
+                            <a:solidFill>
+                              <a:schemeClr val="tx1"/>
+                            </a:solidFill>
+                            <a:latin typeface="Cambria Math" panose="02040503050406030204" pitchFamily="18" charset="0"/>
+                            <a:cs typeface="Times New Roman" panose="02020603050405020304" pitchFamily="18" charset="0"/>
+                          </a:rPr>
+                          <m:t>𝑓</m:t>
+                        </m:r>
+                      </m:e>
+                      <m:sub>
+                        <m:r>
+                          <a:rPr lang="en-US" i="1">
+                            <a:solidFill>
+                              <a:schemeClr val="tx1"/>
+                            </a:solidFill>
+                            <a:latin typeface="Cambria Math" panose="02040503050406030204" pitchFamily="18" charset="0"/>
+                            <a:cs typeface="Times New Roman" panose="02020603050405020304" pitchFamily="18" charset="0"/>
+                          </a:rPr>
+                          <m:t>𝑜𝑝</m:t>
+                        </m:r>
+                      </m:sub>
+                    </m:sSub>
+                  </m:oMath>
+                </a14:m>
+                <a:r>
+                  <a:rPr lang="en-US" dirty="0">
+                    <a:solidFill>
+                      <a:schemeClr val="tx1"/>
+                    </a:solidFill>
+                    <a:latin typeface="Times New Roman" panose="02020603050405020304" pitchFamily="18" charset="0"/>
+                    <a:cs typeface="Times New Roman" panose="02020603050405020304" pitchFamily="18" charset="0"/>
+                  </a:rPr>
+                  <a:t>=80kHz)</a:t>
+                </a:r>
+              </a:p>
+              <a:p>
+                <a:pPr algn="ctr"/>
+                <a:r>
+                  <a:rPr lang="en-US" dirty="0">
+                    <a:solidFill>
+                      <a:schemeClr val="tx1"/>
+                    </a:solidFill>
+                    <a:latin typeface="Times New Roman" panose="02020603050405020304" pitchFamily="18" charset="0"/>
+                    <a:cs typeface="Times New Roman" panose="02020603050405020304" pitchFamily="18" charset="0"/>
+                  </a:rPr>
+                  <a:t>(</a:t>
+                </a:r>
+                <a14:m>
+                  <m:oMath xmlns:m="http://schemas.openxmlformats.org/officeDocument/2006/math">
+                    <m:r>
+                      <a:rPr lang="en-US" i="1">
+                        <a:solidFill>
+                          <a:schemeClr val="tx1"/>
+                        </a:solidFill>
+                        <a:latin typeface="Cambria Math" panose="02040503050406030204" pitchFamily="18" charset="0"/>
+                        <a:cs typeface="Times New Roman" panose="02020603050405020304" pitchFamily="18" charset="0"/>
+                      </a:rPr>
+                      <m:t>𝐷</m:t>
+                    </m:r>
+                  </m:oMath>
+                </a14:m>
+                <a:r>
+                  <a:rPr lang="en-US" dirty="0">
+                    <a:solidFill>
+                      <a:schemeClr val="tx1"/>
+                    </a:solidFill>
+                    <a:latin typeface="Times New Roman" panose="02020603050405020304" pitchFamily="18" charset="0"/>
+                    <a:cs typeface="Times New Roman" panose="02020603050405020304" pitchFamily="18" charset="0"/>
+                  </a:rPr>
+                  <a:t>=0.6)</a:t>
+                </a:r>
+              </a:p>
+              <a:p>
+                <a:pPr algn="ctr"/>
+                <a:r>
+                  <a:rPr lang="en-US" dirty="0">
+                    <a:solidFill>
+                      <a:schemeClr val="tx1"/>
+                    </a:solidFill>
+                    <a:latin typeface="Times New Roman" panose="02020603050405020304" pitchFamily="18" charset="0"/>
+                    <a:cs typeface="Times New Roman" panose="02020603050405020304" pitchFamily="18" charset="0"/>
+                  </a:rPr>
+                  <a:t>(</a:t>
+                </a:r>
+                <a14:m>
+                  <m:oMath xmlns:m="http://schemas.openxmlformats.org/officeDocument/2006/math">
+                    <m:sSub>
+                      <m:sSubPr>
+                        <m:ctrlPr>
+                          <a:rPr lang="en-US" i="1">
+                            <a:solidFill>
+                              <a:schemeClr val="tx1"/>
+                            </a:solidFill>
+                            <a:latin typeface="Cambria Math" panose="02040503050406030204" pitchFamily="18" charset="0"/>
+                            <a:cs typeface="Times New Roman" panose="02020603050405020304" pitchFamily="18" charset="0"/>
+                          </a:rPr>
+                        </m:ctrlPr>
+                      </m:sSubPr>
+                      <m:e>
+                        <m:r>
+                          <a:rPr lang="en-US" i="1">
+                            <a:solidFill>
+                              <a:schemeClr val="tx1"/>
+                            </a:solidFill>
+                            <a:latin typeface="Cambria Math" panose="02040503050406030204" pitchFamily="18" charset="0"/>
+                            <a:cs typeface="Times New Roman" panose="02020603050405020304" pitchFamily="18" charset="0"/>
+                          </a:rPr>
+                          <m:t>𝑇</m:t>
+                        </m:r>
+                      </m:e>
+                      <m:sub>
+                        <m:r>
+                          <a:rPr lang="en-US" i="1">
+                            <a:solidFill>
+                              <a:schemeClr val="tx1"/>
+                            </a:solidFill>
+                            <a:latin typeface="Cambria Math" panose="02040503050406030204" pitchFamily="18" charset="0"/>
+                            <a:cs typeface="Times New Roman" panose="02020603050405020304" pitchFamily="18" charset="0"/>
+                          </a:rPr>
+                          <m:t>𝐿</m:t>
+                        </m:r>
+                      </m:sub>
+                    </m:sSub>
+                  </m:oMath>
+                </a14:m>
+                <a:r>
+                  <a:rPr lang="en-US" dirty="0">
+                    <a:solidFill>
+                      <a:schemeClr val="tx1"/>
+                    </a:solidFill>
+                    <a:latin typeface="Times New Roman" panose="02020603050405020304" pitchFamily="18" charset="0"/>
+                    <a:cs typeface="Times New Roman" panose="02020603050405020304" pitchFamily="18" charset="0"/>
+                  </a:rPr>
+                  <a:t>= x1)</a:t>
+                </a:r>
+              </a:p>
+              <a:p>
+                <a:pPr algn="ctr"/>
+                <a:endParaRPr lang="en-US" dirty="0">
+                  <a:solidFill>
+                    <a:schemeClr val="tx1"/>
+                  </a:solidFill>
+                  <a:latin typeface="Times New Roman" panose="02020603050405020304" pitchFamily="18" charset="0"/>
+                  <a:cs typeface="Times New Roman" panose="02020603050405020304" pitchFamily="18" charset="0"/>
+                </a:endParaRPr>
+              </a:p>
+              <a:p>
+                <a:pPr algn="ctr"/>
+                <a:endParaRPr lang="en-US" dirty="0">
+                  <a:solidFill>
+                    <a:schemeClr val="tx1"/>
+                  </a:solidFill>
+                  <a:latin typeface="Times New Roman" panose="02020603050405020304" pitchFamily="18" charset="0"/>
+                  <a:cs typeface="Times New Roman" panose="02020603050405020304" pitchFamily="18" charset="0"/>
+                </a:endParaRPr>
+              </a:p>
+            </p:txBody>
+          </p:sp>
+        </mc:Choice>
+        <mc:Fallback xmlns="">
+          <p:sp>
+            <p:nvSpPr>
+              <p:cNvPr id="21" name="Rectangle 20">
+                <a:extLst>
+                  <a:ext uri="{FF2B5EF4-FFF2-40B4-BE49-F238E27FC236}">
+                    <a16:creationId xmlns:a16="http://schemas.microsoft.com/office/drawing/2014/main" id="{B6E6577F-CD11-41BC-9408-44BB2AD2D500}"/>
+                  </a:ext>
+                </a:extLst>
+              </p:cNvPr>
+              <p:cNvSpPr>
+                <a:spLocks noRot="1" noChangeAspect="1" noMove="1" noResize="1" noEditPoints="1" noAdjustHandles="1" noChangeArrowheads="1" noChangeShapeType="1" noTextEdit="1"/>
+              </p:cNvSpPr>
+              <p:nvPr/>
+            </p:nvSpPr>
+            <p:spPr>
+              <a:xfrm>
+                <a:off x="3171964" y="2603734"/>
+                <a:ext cx="2435290" cy="1352939"/>
+              </a:xfrm>
+              <a:prstGeom prst="rect">
+                <a:avLst/>
+              </a:prstGeom>
+              <a:blipFill>
+                <a:blip r:embed="rId7"/>
+                <a:stretch>
+                  <a:fillRect t="-5702"/>
+                </a:stretch>
+              </a:blipFill>
+              <a:ln w="38100">
+                <a:solidFill>
+                  <a:schemeClr val="tx1"/>
+                </a:solidFill>
+              </a:ln>
+            </p:spPr>
+            <p:txBody>
+              <a:bodyPr/>
+              <a:lstStyle/>
+              <a:p>
+                <a:r>
+                  <a:rPr lang="en-US">
+                    <a:noFill/>
+                  </a:rPr>
+                  <a:t> </a:t>
+                </a:r>
+              </a:p>
+            </p:txBody>
+          </p:sp>
+        </mc:Fallback>
+      </mc:AlternateContent>
+      <p:sp>
+        <p:nvSpPr>
+          <p:cNvPr id="22" name="Oval 21">
+            <a:extLst>
+              <a:ext uri="{FF2B5EF4-FFF2-40B4-BE49-F238E27FC236}">
+                <a16:creationId xmlns:a16="http://schemas.microsoft.com/office/drawing/2014/main" id="{DB20C2F6-50AF-4E7C-9A55-073802265D3C}"/>
+              </a:ext>
+            </a:extLst>
+          </p:cNvPr>
+          <p:cNvSpPr/>
+          <p:nvPr/>
+        </p:nvSpPr>
+        <p:spPr>
+          <a:xfrm>
+            <a:off x="2674840" y="3182875"/>
+            <a:ext cx="279918" cy="289866"/>
+          </a:xfrm>
+          <a:prstGeom prst="ellipse">
+            <a:avLst/>
+          </a:prstGeom>
+          <a:noFill/>
+          <a:ln w="28575">
+            <a:solidFill>
+              <a:schemeClr val="tx1"/>
+            </a:solidFill>
+          </a:ln>
+        </p:spPr>
+        <p:style>
+          <a:lnRef idx="2">
+            <a:schemeClr val="accent1">
+              <a:shade val="50000"/>
+            </a:schemeClr>
+          </a:lnRef>
+          <a:fillRef idx="1">
+            <a:schemeClr val="accent1"/>
+          </a:fillRef>
+          <a:effectRef idx="0">
+            <a:schemeClr val="accent1"/>
+          </a:effectRef>
+          <a:fontRef idx="minor">
+            <a:schemeClr val="lt1"/>
+          </a:fontRef>
+        </p:style>
+        <p:txBody>
+          <a:bodyPr rot="0" spcFirstLastPara="0" vertOverflow="overflow" horzOverflow="overflow" vert="horz" wrap="square" lIns="91440" tIns="45720" rIns="91440" bIns="45720" numCol="1" spcCol="0" rtlCol="0" fromWordArt="0" anchor="ctr" anchorCtr="0" forceAA="0" compatLnSpc="1">
+            <a:prstTxWarp prst="textNoShape">
+              <a:avLst/>
+            </a:prstTxWarp>
+            <a:noAutofit/>
+          </a:bodyPr>
+          <a:lstStyle/>
+          <a:p>
+            <a:pPr algn="ctr"/>
+            <a:r>
+              <a:rPr lang="en-US" dirty="0">
+                <a:solidFill>
+                  <a:schemeClr val="tx1"/>
+                </a:solidFill>
+              </a:rPr>
+              <a:t>F</a:t>
+            </a:r>
+          </a:p>
+        </p:txBody>
+      </p:sp>
+      <p:cxnSp>
+        <p:nvCxnSpPr>
+          <p:cNvPr id="23" name="Straight Arrow Connector 22">
+            <a:extLst>
+              <a:ext uri="{FF2B5EF4-FFF2-40B4-BE49-F238E27FC236}">
+                <a16:creationId xmlns:a16="http://schemas.microsoft.com/office/drawing/2014/main" id="{82AE65A4-DD88-482E-9ACD-815AE12C1480}"/>
+              </a:ext>
+            </a:extLst>
+          </p:cNvPr>
+          <p:cNvCxnSpPr>
+            <a:cxnSpLocks/>
+            <a:stCxn id="12" idx="1"/>
+            <a:endCxn id="14" idx="3"/>
+          </p:cNvCxnSpPr>
+          <p:nvPr/>
+        </p:nvCxnSpPr>
+        <p:spPr>
+          <a:xfrm flipH="1" flipV="1">
+            <a:off x="5607253" y="5525069"/>
+            <a:ext cx="1344424" cy="3675"/>
+          </a:xfrm>
+          <a:prstGeom prst="straightConnector1">
+            <a:avLst/>
+          </a:prstGeom>
+          <a:ln w="28575">
+            <a:solidFill>
+              <a:schemeClr val="tx1"/>
+            </a:solidFill>
+            <a:tailEnd type="triangle"/>
+          </a:ln>
+        </p:spPr>
+        <p:style>
+          <a:lnRef idx="1">
+            <a:schemeClr val="accent1"/>
+          </a:lnRef>
+          <a:fillRef idx="0">
+            <a:schemeClr val="accent1"/>
+          </a:fillRef>
+          <a:effectRef idx="0">
+            <a:schemeClr val="accent1"/>
+          </a:effectRef>
+          <a:fontRef idx="minor">
+            <a:schemeClr val="tx1"/>
+          </a:fontRef>
+        </p:style>
+      </p:cxnSp>
+      <p:cxnSp>
+        <p:nvCxnSpPr>
+          <p:cNvPr id="24" name="Straight Arrow Connector 23">
+            <a:extLst>
+              <a:ext uri="{FF2B5EF4-FFF2-40B4-BE49-F238E27FC236}">
+                <a16:creationId xmlns:a16="http://schemas.microsoft.com/office/drawing/2014/main" id="{650D2521-1C30-4022-82A5-D3721DF62CA5}"/>
+              </a:ext>
+            </a:extLst>
+          </p:cNvPr>
+          <p:cNvCxnSpPr>
+            <a:cxnSpLocks/>
+            <a:stCxn id="14" idx="0"/>
+            <a:endCxn id="21" idx="2"/>
+          </p:cNvCxnSpPr>
+          <p:nvPr/>
+        </p:nvCxnSpPr>
+        <p:spPr>
+          <a:xfrm flipV="1">
+            <a:off x="4389608" y="3956673"/>
+            <a:ext cx="1" cy="891926"/>
+          </a:xfrm>
+          <a:prstGeom prst="straightConnector1">
+            <a:avLst/>
+          </a:prstGeom>
+          <a:ln w="28575">
+            <a:solidFill>
+              <a:schemeClr val="tx1"/>
+            </a:solidFill>
+            <a:tailEnd type="triangle"/>
+          </a:ln>
+        </p:spPr>
+        <p:style>
+          <a:lnRef idx="1">
+            <a:schemeClr val="accent1"/>
+          </a:lnRef>
+          <a:fillRef idx="0">
+            <a:schemeClr val="accent1"/>
+          </a:fillRef>
+          <a:effectRef idx="0">
+            <a:schemeClr val="accent1"/>
+          </a:effectRef>
+          <a:fontRef idx="minor">
+            <a:schemeClr val="tx1"/>
+          </a:fontRef>
+        </p:style>
+      </p:cxnSp>
+      <p:sp>
+        <p:nvSpPr>
+          <p:cNvPr id="25" name="TextBox 24">
+            <a:extLst>
+              <a:ext uri="{FF2B5EF4-FFF2-40B4-BE49-F238E27FC236}">
+                <a16:creationId xmlns:a16="http://schemas.microsoft.com/office/drawing/2014/main" id="{AB90F132-6A2C-423B-A170-442A9994C096}"/>
+              </a:ext>
+            </a:extLst>
+          </p:cNvPr>
+          <p:cNvSpPr txBox="1"/>
+          <p:nvPr/>
+        </p:nvSpPr>
+        <p:spPr>
+          <a:xfrm rot="10800000" flipV="1">
+            <a:off x="3702288" y="4129344"/>
+            <a:ext cx="2393712" cy="523220"/>
+          </a:xfrm>
+          <a:prstGeom prst="rect">
+            <a:avLst/>
+          </a:prstGeom>
+          <a:noFill/>
+        </p:spPr>
+        <p:txBody>
+          <a:bodyPr wrap="square" rtlCol="0">
+            <a:spAutoFit/>
+          </a:bodyPr>
+          <a:lstStyle/>
+          <a:p>
+            <a:pPr algn="ctr"/>
+            <a:r>
+              <a:rPr lang="en-US" sz="1400" dirty="0"/>
+              <a:t>Motor Load </a:t>
+            </a:r>
+          </a:p>
+          <a:p>
+            <a:pPr algn="ctr"/>
+            <a:r>
+              <a:rPr lang="en-US" sz="1400" dirty="0"/>
+              <a:t>Changes</a:t>
+            </a:r>
+          </a:p>
+        </p:txBody>
+      </p:sp>
+      <p:cxnSp>
+        <p:nvCxnSpPr>
+          <p:cNvPr id="26" name="Straight Arrow Connector 25">
+            <a:extLst>
+              <a:ext uri="{FF2B5EF4-FFF2-40B4-BE49-F238E27FC236}">
+                <a16:creationId xmlns:a16="http://schemas.microsoft.com/office/drawing/2014/main" id="{9416346D-A894-4C19-B77D-F8F7463F4613}"/>
+              </a:ext>
+            </a:extLst>
+          </p:cNvPr>
+          <p:cNvCxnSpPr>
+            <a:cxnSpLocks/>
+            <a:stCxn id="21" idx="0"/>
+            <a:endCxn id="5" idx="2"/>
+          </p:cNvCxnSpPr>
+          <p:nvPr/>
+        </p:nvCxnSpPr>
+        <p:spPr>
+          <a:xfrm flipH="1" flipV="1">
+            <a:off x="4389608" y="1673063"/>
+            <a:ext cx="1" cy="930671"/>
+          </a:xfrm>
+          <a:prstGeom prst="straightConnector1">
+            <a:avLst/>
+          </a:prstGeom>
+          <a:ln w="28575">
+            <a:solidFill>
+              <a:schemeClr val="tx1"/>
+            </a:solidFill>
+            <a:tailEnd type="triangle"/>
+          </a:ln>
+        </p:spPr>
+        <p:style>
+          <a:lnRef idx="1">
+            <a:schemeClr val="accent1"/>
+          </a:lnRef>
+          <a:fillRef idx="0">
+            <a:schemeClr val="accent1"/>
+          </a:fillRef>
+          <a:effectRef idx="0">
+            <a:schemeClr val="accent1"/>
+          </a:effectRef>
+          <a:fontRef idx="minor">
+            <a:schemeClr val="tx1"/>
+          </a:fontRef>
+        </p:style>
+      </p:cxnSp>
+      <p:sp>
+        <p:nvSpPr>
+          <p:cNvPr id="27" name="TextBox 26">
+            <a:extLst>
+              <a:ext uri="{FF2B5EF4-FFF2-40B4-BE49-F238E27FC236}">
+                <a16:creationId xmlns:a16="http://schemas.microsoft.com/office/drawing/2014/main" id="{E315308D-C905-4F58-AD99-732A46BF43D8}"/>
+              </a:ext>
+            </a:extLst>
+          </p:cNvPr>
+          <p:cNvSpPr txBox="1"/>
+          <p:nvPr/>
+        </p:nvSpPr>
+        <p:spPr>
+          <a:xfrm>
+            <a:off x="4022679" y="1893791"/>
+            <a:ext cx="1698463" cy="523220"/>
+          </a:xfrm>
+          <a:prstGeom prst="rect">
+            <a:avLst/>
+          </a:prstGeom>
+          <a:noFill/>
+        </p:spPr>
+        <p:txBody>
+          <a:bodyPr wrap="square" rtlCol="0">
+            <a:spAutoFit/>
+          </a:bodyPr>
+          <a:lstStyle/>
+          <a:p>
+            <a:pPr algn="ctr"/>
+            <a:r>
+              <a:rPr lang="en-US" sz="1400" dirty="0"/>
+              <a:t>IPT Power</a:t>
+            </a:r>
+          </a:p>
+          <a:p>
+            <a:pPr algn="ctr"/>
+            <a:r>
+              <a:rPr lang="en-US" sz="1400" dirty="0"/>
+              <a:t> Control</a:t>
+            </a:r>
+          </a:p>
+        </p:txBody>
+      </p:sp>
+    </p:spTree>
+    <p:extLst>
+      <p:ext uri="{BB962C8B-B14F-4D97-AF65-F5344CB8AC3E}">
+        <p14:creationId xmlns:p14="http://schemas.microsoft.com/office/powerpoint/2010/main" val="2803404998"/>
+      </p:ext>
+    </p:extLst>
+  </p:cSld>
+  <p:clrMapOvr>
+    <a:masterClrMapping/>
+  </p:clrMapOvr>
+</p:sld>
+</file>
+
+<file path=ppt/slides/slide10.xml><?xml version="1.0" encoding="utf-8"?>
+<p:sld xmlns:a="http://schemas.openxmlformats.org/drawingml/2006/main" xmlns:r="http://schemas.openxmlformats.org/officeDocument/2006/relationships" xmlns:p="http://schemas.openxmlformats.org/presentationml/2006/main">
+  <p:cSld>
+    <p:spTree>
+      <p:nvGrpSpPr>
+        <p:cNvPr id="1" name=""/>
+        <p:cNvGrpSpPr/>
+        <p:nvPr/>
+      </p:nvGrpSpPr>
+      <p:grpSpPr>
+        <a:xfrm>
+          <a:off x="0" y="0"/>
+          <a:ext cx="0" cy="0"/>
+          <a:chOff x="0" y="0"/>
+          <a:chExt cx="0" cy="0"/>
+        </a:xfrm>
+      </p:grpSpPr>
+      <p:pic>
+        <p:nvPicPr>
+          <p:cNvPr id="5" name="Picture 4">
+            <a:extLst>
+              <a:ext uri="{FF2B5EF4-FFF2-40B4-BE49-F238E27FC236}">
+                <a16:creationId xmlns:a16="http://schemas.microsoft.com/office/drawing/2014/main" id="{608DD59E-8566-465F-93B7-F57A4383CB97}"/>
+              </a:ext>
+            </a:extLst>
+          </p:cNvPr>
+          <p:cNvPicPr>
+            <a:picLocks noChangeAspect="1"/>
+          </p:cNvPicPr>
+          <p:nvPr/>
+        </p:nvPicPr>
+        <p:blipFill>
+          <a:blip r:embed="rId2">
+            <a:extLst>
+              <a:ext uri="{28A0092B-C50C-407E-A947-70E740481C1C}">
+                <a14:useLocalDpi xmlns:a14="http://schemas.microsoft.com/office/drawing/2010/main" val="0"/>
+              </a:ext>
+            </a:extLst>
+          </a:blip>
+          <a:stretch>
+            <a:fillRect/>
+          </a:stretch>
+        </p:blipFill>
+        <p:spPr>
+          <a:xfrm>
+            <a:off x="3219450" y="678180"/>
+            <a:ext cx="5269230" cy="5269230"/>
+          </a:xfrm>
+          <a:prstGeom prst="rect">
+            <a:avLst/>
+          </a:prstGeom>
+        </p:spPr>
+      </p:pic>
+      <p:sp>
+        <p:nvSpPr>
+          <p:cNvPr id="6" name="TextBox 5">
+            <a:extLst>
+              <a:ext uri="{FF2B5EF4-FFF2-40B4-BE49-F238E27FC236}">
+                <a16:creationId xmlns:a16="http://schemas.microsoft.com/office/drawing/2014/main" id="{4DC653E5-A9FA-4AAF-BDA0-391BBA1098C7}"/>
+              </a:ext>
+            </a:extLst>
+          </p:cNvPr>
+          <p:cNvSpPr txBox="1"/>
+          <p:nvPr/>
+        </p:nvSpPr>
+        <p:spPr>
+          <a:xfrm>
+            <a:off x="9408160" y="1656080"/>
+            <a:ext cx="1432560" cy="923330"/>
           </a:xfrm>
           <a:prstGeom prst="rect">
             <a:avLst/>
@@ -3482,21 +6197,20 @@
           <a:p>
             <a:r>
               <a:rPr lang="en-US" dirty="0"/>
-              <a:t>Experimental data will be expended. </a:t>
+              <a:t>Motor and IPT Power </a:t>
             </a:r>
-          </a:p>
-          <a:p>
             <a:r>
-              <a:rPr lang="en-US" dirty="0"/>
-              <a:t>Above 100 kHz (102.5 105)</a:t>
+              <a:rPr lang="en-US" dirty="0" err="1"/>
+              <a:t>veririz</a:t>
             </a:r>
+            <a:endParaRPr lang="en-US" dirty="0"/>
           </a:p>
         </p:txBody>
       </p:sp>
     </p:spTree>
     <p:extLst>
       <p:ext uri="{BB962C8B-B14F-4D97-AF65-F5344CB8AC3E}">
-        <p14:creationId xmlns:p14="http://schemas.microsoft.com/office/powerpoint/2010/main" val="3118665400"/>
+        <p14:creationId xmlns:p14="http://schemas.microsoft.com/office/powerpoint/2010/main" val="386597923"/>
       </p:ext>
     </p:extLst>
   </p:cSld>
@@ -3506,7 +6220,7 @@
 </p:sld>
 </file>
 
-<file path=ppt/slides/slide10.xml><?xml version="1.0" encoding="utf-8"?>
+<file path=ppt/slides/slide11.xml><?xml version="1.0" encoding="utf-8"?>
 <p:sld xmlns:a="http://schemas.openxmlformats.org/drawingml/2006/main" xmlns:r="http://schemas.openxmlformats.org/officeDocument/2006/relationships" xmlns:p="http://schemas.openxmlformats.org/presentationml/2006/main">
   <p:cSld>
     <p:spTree>
@@ -6286,7 +9000,7 @@
 </p:sld>
 </file>
 
-<file path=ppt/slides/slide11.xml><?xml version="1.0" encoding="utf-8"?>
+<file path=ppt/slides/slide12.xml><?xml version="1.0" encoding="utf-8"?>
 <p:sld xmlns:a="http://schemas.openxmlformats.org/drawingml/2006/main" xmlns:r="http://schemas.openxmlformats.org/officeDocument/2006/relationships" xmlns:p="http://schemas.openxmlformats.org/presentationml/2006/main">
   <p:cSld>
     <p:spTree>
@@ -9070,7 +11784,7 @@
 </p:sld>
 </file>
 
-<file path=ppt/slides/slide12.xml><?xml version="1.0" encoding="utf-8"?>
+<file path=ppt/slides/slide2.xml><?xml version="1.0" encoding="utf-8"?>
 <p:sld xmlns:a="http://schemas.openxmlformats.org/drawingml/2006/main" xmlns:r="http://schemas.openxmlformats.org/officeDocument/2006/relationships" xmlns:p="http://schemas.openxmlformats.org/presentationml/2006/main">
   <p:cSld>
     <p:spTree>
@@ -9087,615 +11801,95 @@
           <a:chExt cx="0" cy="0"/>
         </a:xfrm>
       </p:grpSpPr>
-      <mc:AlternateContent xmlns:mc="http://schemas.openxmlformats.org/markup-compatibility/2006" xmlns:a14="http://schemas.microsoft.com/office/drawing/2010/main">
-        <mc:Choice Requires="a14">
-          <p:sp>
-            <p:nvSpPr>
-              <p:cNvPr id="4" name="Rectangle 3">
-                <a:extLst>
-                  <a:ext uri="{FF2B5EF4-FFF2-40B4-BE49-F238E27FC236}">
-                    <a16:creationId xmlns:a16="http://schemas.microsoft.com/office/drawing/2014/main" id="{6F7A2180-9704-40B6-82CC-A78D433F9E56}"/>
-                  </a:ext>
-                </a:extLst>
-              </p:cNvPr>
-              <p:cNvSpPr/>
-              <p:nvPr/>
-            </p:nvSpPr>
-            <p:spPr>
-              <a:xfrm>
-                <a:off x="6951677" y="342833"/>
-                <a:ext cx="2435290" cy="1352939"/>
-              </a:xfrm>
-              <a:prstGeom prst="rect">
-                <a:avLst/>
-              </a:prstGeom>
-              <a:noFill/>
-              <a:ln w="38100">
-                <a:solidFill>
-                  <a:schemeClr val="tx1"/>
-                </a:solidFill>
-              </a:ln>
-            </p:spPr>
-            <p:style>
-              <a:lnRef idx="2">
-                <a:schemeClr val="accent1">
-                  <a:shade val="50000"/>
-                </a:schemeClr>
-              </a:lnRef>
-              <a:fillRef idx="1">
-                <a:schemeClr val="accent1"/>
-              </a:fillRef>
-              <a:effectRef idx="0">
-                <a:schemeClr val="accent1"/>
-              </a:effectRef>
-              <a:fontRef idx="minor">
-                <a:schemeClr val="lt1"/>
-              </a:fontRef>
-            </p:style>
-            <p:txBody>
-              <a:bodyPr rtlCol="0" anchor="ctr"/>
-              <a:lstStyle/>
-              <a:p>
-                <a:pPr algn="ctr"/>
-                <a:endParaRPr lang="en-US" dirty="0">
-                  <a:solidFill>
-                    <a:schemeClr val="tx1"/>
-                  </a:solidFill>
-                  <a:latin typeface="Times New Roman" panose="02020603050405020304" pitchFamily="18" charset="0"/>
-                  <a:cs typeface="Times New Roman" panose="02020603050405020304" pitchFamily="18" charset="0"/>
-                </a:endParaRPr>
-              </a:p>
-              <a:p>
-                <a:pPr algn="ctr"/>
-                <a:r>
-                  <a:rPr lang="en-US" dirty="0">
-                    <a:solidFill>
-                      <a:schemeClr val="tx1"/>
-                    </a:solidFill>
-                    <a:latin typeface="Times New Roman" panose="02020603050405020304" pitchFamily="18" charset="0"/>
-                    <a:cs typeface="Times New Roman" panose="02020603050405020304" pitchFamily="18" charset="0"/>
-                  </a:rPr>
-                  <a:t>Constant IPT Power</a:t>
-                </a:r>
-              </a:p>
-              <a:p>
-                <a:pPr algn="ctr"/>
-                <a:r>
-                  <a:rPr lang="en-US" dirty="0">
-                    <a:solidFill>
-                      <a:schemeClr val="tx1"/>
-                    </a:solidFill>
-                    <a:latin typeface="Times New Roman" panose="02020603050405020304" pitchFamily="18" charset="0"/>
-                    <a:cs typeface="Times New Roman" panose="02020603050405020304" pitchFamily="18" charset="0"/>
-                  </a:rPr>
-                  <a:t>(</a:t>
-                </a:r>
-                <a14:m>
-                  <m:oMath xmlns:m="http://schemas.openxmlformats.org/officeDocument/2006/math">
-                    <m:sSub>
-                      <m:sSubPr>
-                        <m:ctrlPr>
-                          <a:rPr lang="en-US" i="1">
-                            <a:solidFill>
-                              <a:schemeClr val="tx1"/>
-                            </a:solidFill>
-                            <a:latin typeface="Cambria Math" panose="02040503050406030204" pitchFamily="18" charset="0"/>
-                            <a:cs typeface="Times New Roman" panose="02020603050405020304" pitchFamily="18" charset="0"/>
-                          </a:rPr>
-                        </m:ctrlPr>
-                      </m:sSubPr>
-                      <m:e>
-                        <m:r>
-                          <a:rPr lang="en-US" i="1">
-                            <a:solidFill>
-                              <a:schemeClr val="tx1"/>
-                            </a:solidFill>
-                            <a:latin typeface="Cambria Math" panose="02040503050406030204" pitchFamily="18" charset="0"/>
-                            <a:cs typeface="Times New Roman" panose="02020603050405020304" pitchFamily="18" charset="0"/>
-                          </a:rPr>
-                          <m:t>𝑓</m:t>
-                        </m:r>
-                      </m:e>
-                      <m:sub>
-                        <m:r>
-                          <a:rPr lang="en-US" i="1">
-                            <a:solidFill>
-                              <a:schemeClr val="tx1"/>
-                            </a:solidFill>
-                            <a:latin typeface="Cambria Math" panose="02040503050406030204" pitchFamily="18" charset="0"/>
-                            <a:cs typeface="Times New Roman" panose="02020603050405020304" pitchFamily="18" charset="0"/>
-                          </a:rPr>
-                          <m:t>𝑜𝑝</m:t>
-                        </m:r>
-                      </m:sub>
-                    </m:sSub>
-                  </m:oMath>
-                </a14:m>
-                <a:r>
-                  <a:rPr lang="en-US" dirty="0">
-                    <a:solidFill>
-                      <a:schemeClr val="tx1"/>
-                    </a:solidFill>
-                    <a:latin typeface="Times New Roman" panose="02020603050405020304" pitchFamily="18" charset="0"/>
-                    <a:cs typeface="Times New Roman" panose="02020603050405020304" pitchFamily="18" charset="0"/>
-                  </a:rPr>
-                  <a:t>=77kHz)</a:t>
-                </a:r>
-              </a:p>
-              <a:p>
-                <a:pPr algn="ctr"/>
-                <a:r>
-                  <a:rPr lang="en-US" dirty="0">
-                    <a:solidFill>
-                      <a:schemeClr val="tx1"/>
-                    </a:solidFill>
-                    <a:latin typeface="Times New Roman" panose="02020603050405020304" pitchFamily="18" charset="0"/>
-                    <a:cs typeface="Times New Roman" panose="02020603050405020304" pitchFamily="18" charset="0"/>
-                  </a:rPr>
-                  <a:t>(</a:t>
-                </a:r>
-                <a14:m>
-                  <m:oMath xmlns:m="http://schemas.openxmlformats.org/officeDocument/2006/math">
-                    <m:r>
-                      <a:rPr lang="en-US" i="1">
-                        <a:solidFill>
-                          <a:schemeClr val="tx1"/>
-                        </a:solidFill>
-                        <a:latin typeface="Cambria Math" panose="02040503050406030204" pitchFamily="18" charset="0"/>
-                        <a:cs typeface="Times New Roman" panose="02020603050405020304" pitchFamily="18" charset="0"/>
-                      </a:rPr>
-                      <m:t>𝐷</m:t>
-                    </m:r>
-                  </m:oMath>
-                </a14:m>
-                <a:r>
-                  <a:rPr lang="en-US" dirty="0">
-                    <a:solidFill>
-                      <a:schemeClr val="tx1"/>
-                    </a:solidFill>
-                    <a:latin typeface="Times New Roman" panose="02020603050405020304" pitchFamily="18" charset="0"/>
-                    <a:cs typeface="Times New Roman" panose="02020603050405020304" pitchFamily="18" charset="0"/>
-                  </a:rPr>
-                  <a:t>=0.75)</a:t>
-                </a:r>
-              </a:p>
-              <a:p>
-                <a:pPr algn="ctr"/>
-                <a:r>
-                  <a:rPr lang="en-US" dirty="0">
-                    <a:solidFill>
-                      <a:schemeClr val="tx1"/>
-                    </a:solidFill>
-                    <a:latin typeface="Times New Roman" panose="02020603050405020304" pitchFamily="18" charset="0"/>
-                    <a:cs typeface="Times New Roman" panose="02020603050405020304" pitchFamily="18" charset="0"/>
-                  </a:rPr>
-                  <a:t>(</a:t>
-                </a:r>
-                <a14:m>
-                  <m:oMath xmlns:m="http://schemas.openxmlformats.org/officeDocument/2006/math">
-                    <m:sSub>
-                      <m:sSubPr>
-                        <m:ctrlPr>
-                          <a:rPr lang="en-US" i="1">
-                            <a:solidFill>
-                              <a:schemeClr val="tx1"/>
-                            </a:solidFill>
-                            <a:latin typeface="Cambria Math" panose="02040503050406030204" pitchFamily="18" charset="0"/>
-                            <a:cs typeface="Times New Roman" panose="02020603050405020304" pitchFamily="18" charset="0"/>
-                          </a:rPr>
-                        </m:ctrlPr>
-                      </m:sSubPr>
-                      <m:e>
-                        <m:r>
-                          <a:rPr lang="en-US" i="1">
-                            <a:solidFill>
-                              <a:schemeClr val="tx1"/>
-                            </a:solidFill>
-                            <a:latin typeface="Cambria Math" panose="02040503050406030204" pitchFamily="18" charset="0"/>
-                            <a:cs typeface="Times New Roman" panose="02020603050405020304" pitchFamily="18" charset="0"/>
-                          </a:rPr>
-                          <m:t>𝑇</m:t>
-                        </m:r>
-                      </m:e>
-                      <m:sub>
-                        <m:r>
-                          <a:rPr lang="en-US" i="1">
-                            <a:solidFill>
-                              <a:schemeClr val="tx1"/>
-                            </a:solidFill>
-                            <a:latin typeface="Cambria Math" panose="02040503050406030204" pitchFamily="18" charset="0"/>
-                            <a:cs typeface="Times New Roman" panose="02020603050405020304" pitchFamily="18" charset="0"/>
-                          </a:rPr>
-                          <m:t>𝐿</m:t>
-                        </m:r>
-                      </m:sub>
-                    </m:sSub>
-                  </m:oMath>
-                </a14:m>
-                <a:r>
-                  <a:rPr lang="en-US" dirty="0">
-                    <a:solidFill>
-                      <a:schemeClr val="tx1"/>
-                    </a:solidFill>
-                    <a:latin typeface="Times New Roman" panose="02020603050405020304" pitchFamily="18" charset="0"/>
-                    <a:cs typeface="Times New Roman" panose="02020603050405020304" pitchFamily="18" charset="0"/>
-                  </a:rPr>
-                  <a:t>= x1)</a:t>
-                </a:r>
-              </a:p>
-              <a:p>
-                <a:pPr algn="ctr"/>
-                <a:endParaRPr lang="en-US" dirty="0">
-                  <a:solidFill>
-                    <a:schemeClr val="tx1"/>
-                  </a:solidFill>
-                  <a:latin typeface="Times New Roman" panose="02020603050405020304" pitchFamily="18" charset="0"/>
-                  <a:cs typeface="Times New Roman" panose="02020603050405020304" pitchFamily="18" charset="0"/>
-                </a:endParaRPr>
-              </a:p>
-              <a:p>
-                <a:pPr algn="ctr"/>
-                <a:endParaRPr lang="en-US" dirty="0">
-                  <a:solidFill>
-                    <a:schemeClr val="tx1"/>
-                  </a:solidFill>
-                  <a:latin typeface="Times New Roman" panose="02020603050405020304" pitchFamily="18" charset="0"/>
-                  <a:cs typeface="Times New Roman" panose="02020603050405020304" pitchFamily="18" charset="0"/>
-                </a:endParaRPr>
-              </a:p>
-            </p:txBody>
-          </p:sp>
-        </mc:Choice>
-        <mc:Fallback xmlns="">
-          <p:sp>
-            <p:nvSpPr>
-              <p:cNvPr id="4" name="Rectangle 3">
-                <a:extLst>
-                  <a:ext uri="{FF2B5EF4-FFF2-40B4-BE49-F238E27FC236}">
-                    <a16:creationId xmlns:a16="http://schemas.microsoft.com/office/drawing/2014/main" id="{6F7A2180-9704-40B6-82CC-A78D433F9E56}"/>
-                  </a:ext>
-                </a:extLst>
-              </p:cNvPr>
-              <p:cNvSpPr>
-                <a:spLocks noRot="1" noChangeAspect="1" noMove="1" noResize="1" noEditPoints="1" noAdjustHandles="1" noChangeArrowheads="1" noChangeShapeType="1" noTextEdit="1"/>
-              </p:cNvSpPr>
-              <p:nvPr/>
-            </p:nvSpPr>
-            <p:spPr>
-              <a:xfrm>
-                <a:off x="6951677" y="342833"/>
-                <a:ext cx="2435290" cy="1352939"/>
-              </a:xfrm>
-              <a:prstGeom prst="rect">
-                <a:avLst/>
-              </a:prstGeom>
-              <a:blipFill>
-                <a:blip r:embed="rId2"/>
-                <a:stretch>
-                  <a:fillRect t="-5702"/>
-                </a:stretch>
-              </a:blipFill>
-              <a:ln w="38100">
-                <a:solidFill>
-                  <a:schemeClr val="tx1"/>
-                </a:solidFill>
-              </a:ln>
-            </p:spPr>
-            <p:txBody>
-              <a:bodyPr/>
-              <a:lstStyle/>
-              <a:p>
-                <a:r>
-                  <a:rPr lang="en-US">
-                    <a:noFill/>
-                  </a:rPr>
-                  <a:t> </a:t>
-                </a:r>
-              </a:p>
-            </p:txBody>
-          </p:sp>
-        </mc:Fallback>
-      </mc:AlternateContent>
-      <mc:AlternateContent xmlns:mc="http://schemas.openxmlformats.org/markup-compatibility/2006" xmlns:a14="http://schemas.microsoft.com/office/drawing/2010/main">
-        <mc:Choice Requires="a14">
-          <p:sp>
-            <p:nvSpPr>
-              <p:cNvPr id="5" name="Rectangle: Rounded Corners 4">
-                <a:extLst>
-                  <a:ext uri="{FF2B5EF4-FFF2-40B4-BE49-F238E27FC236}">
-                    <a16:creationId xmlns:a16="http://schemas.microsoft.com/office/drawing/2014/main" id="{9B224573-C9E6-4C65-A2B1-A12CF067E3AA}"/>
-                  </a:ext>
-                </a:extLst>
-              </p:cNvPr>
-              <p:cNvSpPr/>
-              <p:nvPr/>
-            </p:nvSpPr>
-            <p:spPr>
-              <a:xfrm>
-                <a:off x="3077419" y="369508"/>
-                <a:ext cx="2624378" cy="1303555"/>
-              </a:xfrm>
-              <a:prstGeom prst="roundRect">
-                <a:avLst/>
-              </a:prstGeom>
-              <a:noFill/>
-              <a:ln w="28575">
-                <a:solidFill>
-                  <a:schemeClr val="tx1"/>
-                </a:solidFill>
-              </a:ln>
-            </p:spPr>
-            <p:style>
-              <a:lnRef idx="2">
-                <a:schemeClr val="accent1">
-                  <a:shade val="50000"/>
-                </a:schemeClr>
-              </a:lnRef>
-              <a:fillRef idx="1">
-                <a:schemeClr val="accent1"/>
-              </a:fillRef>
-              <a:effectRef idx="0">
-                <a:schemeClr val="accent1"/>
-              </a:effectRef>
-              <a:fontRef idx="minor">
-                <a:schemeClr val="lt1"/>
-              </a:fontRef>
-            </p:style>
-            <p:txBody>
-              <a:bodyPr rtlCol="0" anchor="ctr"/>
-              <a:lstStyle/>
-              <a:p>
-                <a:pPr algn="ctr"/>
-                <a:r>
-                  <a:rPr lang="en-US" dirty="0">
-                    <a:solidFill>
-                      <a:schemeClr val="tx1"/>
-                    </a:solidFill>
-                    <a:latin typeface="Times New Roman" panose="02020603050405020304" pitchFamily="18" charset="0"/>
-                    <a:cs typeface="Times New Roman" panose="02020603050405020304" pitchFamily="18" charset="0"/>
-                  </a:rPr>
-                  <a:t>Initial Operation</a:t>
-                </a:r>
-              </a:p>
-              <a:p>
-                <a:pPr algn="ctr"/>
-                <a:r>
-                  <a:rPr lang="en-US" dirty="0">
-                    <a:solidFill>
-                      <a:schemeClr val="tx1"/>
-                    </a:solidFill>
-                    <a:latin typeface="Times New Roman" panose="02020603050405020304" pitchFamily="18" charset="0"/>
-                    <a:cs typeface="Times New Roman" panose="02020603050405020304" pitchFamily="18" charset="0"/>
-                  </a:rPr>
-                  <a:t>(</a:t>
-                </a:r>
-                <a14:m>
-                  <m:oMath xmlns:m="http://schemas.openxmlformats.org/officeDocument/2006/math">
-                    <m:sSub>
-                      <m:sSubPr>
-                        <m:ctrlPr>
-                          <a:rPr lang="en-US" i="1">
-                            <a:solidFill>
-                              <a:schemeClr val="tx1"/>
-                            </a:solidFill>
-                            <a:latin typeface="Cambria Math" panose="02040503050406030204" pitchFamily="18" charset="0"/>
-                            <a:cs typeface="Times New Roman" panose="02020603050405020304" pitchFamily="18" charset="0"/>
-                          </a:rPr>
-                        </m:ctrlPr>
-                      </m:sSubPr>
-                      <m:e>
-                        <m:r>
-                          <a:rPr lang="en-US" i="1">
-                            <a:solidFill>
-                              <a:schemeClr val="tx1"/>
-                            </a:solidFill>
-                            <a:latin typeface="Cambria Math" panose="02040503050406030204" pitchFamily="18" charset="0"/>
-                            <a:cs typeface="Times New Roman" panose="02020603050405020304" pitchFamily="18" charset="0"/>
-                          </a:rPr>
-                          <m:t>𝑓</m:t>
-                        </m:r>
-                      </m:e>
-                      <m:sub>
-                        <m:r>
-                          <a:rPr lang="en-US" i="1">
-                            <a:solidFill>
-                              <a:schemeClr val="tx1"/>
-                            </a:solidFill>
-                            <a:latin typeface="Cambria Math" panose="02040503050406030204" pitchFamily="18" charset="0"/>
-                            <a:cs typeface="Times New Roman" panose="02020603050405020304" pitchFamily="18" charset="0"/>
-                          </a:rPr>
-                          <m:t>𝑜𝑝</m:t>
-                        </m:r>
-                      </m:sub>
-                    </m:sSub>
-                  </m:oMath>
-                </a14:m>
-                <a:r>
-                  <a:rPr lang="en-US" dirty="0">
-                    <a:solidFill>
-                      <a:schemeClr val="tx1"/>
-                    </a:solidFill>
-                    <a:latin typeface="Times New Roman" panose="02020603050405020304" pitchFamily="18" charset="0"/>
-                    <a:cs typeface="Times New Roman" panose="02020603050405020304" pitchFamily="18" charset="0"/>
-                  </a:rPr>
-                  <a:t>=86.5kHz)</a:t>
-                </a:r>
-              </a:p>
-              <a:p>
-                <a:pPr algn="ctr"/>
-                <a:r>
-                  <a:rPr lang="en-US" dirty="0">
-                    <a:solidFill>
-                      <a:schemeClr val="tx1"/>
-                    </a:solidFill>
-                    <a:latin typeface="Times New Roman" panose="02020603050405020304" pitchFamily="18" charset="0"/>
-                    <a:cs typeface="Times New Roman" panose="02020603050405020304" pitchFamily="18" charset="0"/>
-                  </a:rPr>
-                  <a:t>(</a:t>
-                </a:r>
-                <a14:m>
-                  <m:oMath xmlns:m="http://schemas.openxmlformats.org/officeDocument/2006/math">
-                    <m:r>
-                      <a:rPr lang="en-US" i="1">
-                        <a:solidFill>
-                          <a:schemeClr val="tx1"/>
-                        </a:solidFill>
-                        <a:latin typeface="Cambria Math" panose="02040503050406030204" pitchFamily="18" charset="0"/>
-                        <a:cs typeface="Times New Roman" panose="02020603050405020304" pitchFamily="18" charset="0"/>
-                      </a:rPr>
-                      <m:t>𝐷</m:t>
-                    </m:r>
-                  </m:oMath>
-                </a14:m>
-                <a:r>
-                  <a:rPr lang="en-US" dirty="0">
-                    <a:solidFill>
-                      <a:schemeClr val="tx1"/>
-                    </a:solidFill>
-                    <a:latin typeface="Times New Roman" panose="02020603050405020304" pitchFamily="18" charset="0"/>
-                    <a:cs typeface="Times New Roman" panose="02020603050405020304" pitchFamily="18" charset="0"/>
-                  </a:rPr>
-                  <a:t>=0.6)</a:t>
-                </a:r>
-              </a:p>
-              <a:p>
-                <a:pPr algn="ctr"/>
-                <a:r>
-                  <a:rPr lang="en-US" dirty="0">
-                    <a:solidFill>
-                      <a:schemeClr val="tx1"/>
-                    </a:solidFill>
-                    <a:latin typeface="Times New Roman" panose="02020603050405020304" pitchFamily="18" charset="0"/>
-                    <a:cs typeface="Times New Roman" panose="02020603050405020304" pitchFamily="18" charset="0"/>
-                  </a:rPr>
-                  <a:t>(</a:t>
-                </a:r>
-                <a14:m>
-                  <m:oMath xmlns:m="http://schemas.openxmlformats.org/officeDocument/2006/math">
-                    <m:sSub>
-                      <m:sSubPr>
-                        <m:ctrlPr>
-                          <a:rPr lang="en-US" i="1">
-                            <a:solidFill>
-                              <a:schemeClr val="tx1"/>
-                            </a:solidFill>
-                            <a:latin typeface="Cambria Math" panose="02040503050406030204" pitchFamily="18" charset="0"/>
-                            <a:cs typeface="Times New Roman" panose="02020603050405020304" pitchFamily="18" charset="0"/>
-                          </a:rPr>
-                        </m:ctrlPr>
-                      </m:sSubPr>
-                      <m:e>
-                        <m:r>
-                          <a:rPr lang="en-US" i="1">
-                            <a:solidFill>
-                              <a:schemeClr val="tx1"/>
-                            </a:solidFill>
-                            <a:latin typeface="Cambria Math" panose="02040503050406030204" pitchFamily="18" charset="0"/>
-                            <a:cs typeface="Times New Roman" panose="02020603050405020304" pitchFamily="18" charset="0"/>
-                          </a:rPr>
-                          <m:t>𝑇</m:t>
-                        </m:r>
-                      </m:e>
-                      <m:sub>
-                        <m:r>
-                          <a:rPr lang="en-US" i="1">
-                            <a:solidFill>
-                              <a:schemeClr val="tx1"/>
-                            </a:solidFill>
-                            <a:latin typeface="Cambria Math" panose="02040503050406030204" pitchFamily="18" charset="0"/>
-                            <a:cs typeface="Times New Roman" panose="02020603050405020304" pitchFamily="18" charset="0"/>
-                          </a:rPr>
-                          <m:t>𝐿</m:t>
-                        </m:r>
-                      </m:sub>
-                    </m:sSub>
-                  </m:oMath>
-                </a14:m>
-                <a:r>
-                  <a:rPr lang="en-US" dirty="0">
-                    <a:solidFill>
-                      <a:schemeClr val="tx1"/>
-                    </a:solidFill>
-                    <a:latin typeface="Times New Roman" panose="02020603050405020304" pitchFamily="18" charset="0"/>
-                    <a:cs typeface="Times New Roman" panose="02020603050405020304" pitchFamily="18" charset="0"/>
-                  </a:rPr>
-                  <a:t>= x1)</a:t>
-                </a:r>
-                <a:endParaRPr lang="en-US" dirty="0"/>
-              </a:p>
-            </p:txBody>
-          </p:sp>
-        </mc:Choice>
-        <mc:Fallback xmlns="">
-          <p:sp>
-            <p:nvSpPr>
-              <p:cNvPr id="5" name="Rectangle: Rounded Corners 4">
-                <a:extLst>
-                  <a:ext uri="{FF2B5EF4-FFF2-40B4-BE49-F238E27FC236}">
-                    <a16:creationId xmlns:a16="http://schemas.microsoft.com/office/drawing/2014/main" id="{9B224573-C9E6-4C65-A2B1-A12CF067E3AA}"/>
-                  </a:ext>
-                </a:extLst>
-              </p:cNvPr>
-              <p:cNvSpPr>
-                <a:spLocks noRot="1" noChangeAspect="1" noMove="1" noResize="1" noEditPoints="1" noAdjustHandles="1" noChangeArrowheads="1" noChangeShapeType="1" noTextEdit="1"/>
-              </p:cNvSpPr>
-              <p:nvPr/>
-            </p:nvSpPr>
-            <p:spPr>
-              <a:xfrm>
-                <a:off x="3077419" y="369508"/>
-                <a:ext cx="2624378" cy="1303555"/>
-              </a:xfrm>
-              <a:prstGeom prst="roundRect">
-                <a:avLst/>
-              </a:prstGeom>
-              <a:blipFill>
-                <a:blip r:embed="rId3"/>
-                <a:stretch>
-                  <a:fillRect b="-2294"/>
-                </a:stretch>
-              </a:blipFill>
-              <a:ln w="28575">
-                <a:solidFill>
-                  <a:schemeClr val="tx1"/>
-                </a:solidFill>
-              </a:ln>
-            </p:spPr>
-            <p:txBody>
-              <a:bodyPr/>
-              <a:lstStyle/>
-              <a:p>
-                <a:r>
-                  <a:rPr lang="en-US">
-                    <a:noFill/>
-                  </a:rPr>
-                  <a:t> </a:t>
-                </a:r>
-              </a:p>
-            </p:txBody>
-          </p:sp>
-        </mc:Fallback>
-      </mc:AlternateContent>
+      <p:pic>
+        <p:nvPicPr>
+          <p:cNvPr id="5" name="Content Placeholder 4">
+            <a:extLst>
+              <a:ext uri="{FF2B5EF4-FFF2-40B4-BE49-F238E27FC236}">
+                <a16:creationId xmlns:a16="http://schemas.microsoft.com/office/drawing/2014/main" id="{8CE69101-2962-48FE-93AB-3E71FAB703EA}"/>
+              </a:ext>
+            </a:extLst>
+          </p:cNvPr>
+          <p:cNvPicPr>
+            <a:picLocks noGrp="1" noChangeAspect="1"/>
+          </p:cNvPicPr>
+          <p:nvPr>
+            <p:ph idx="1"/>
+          </p:nvPr>
+        </p:nvPicPr>
+        <p:blipFill>
+          <a:blip r:embed="rId2">
+            <a:extLst>
+              <a:ext uri="{28A0092B-C50C-407E-A947-70E740481C1C}">
+                <a14:useLocalDpi xmlns:a14="http://schemas.microsoft.com/office/drawing/2010/main" val="0"/>
+              </a:ext>
+            </a:extLst>
+          </a:blip>
+          <a:stretch>
+            <a:fillRect/>
+          </a:stretch>
+        </p:blipFill>
+        <p:spPr>
+          <a:xfrm>
+            <a:off x="6982943" y="259080"/>
+            <a:ext cx="5071897" cy="4351338"/>
+          </a:xfrm>
+        </p:spPr>
+      </p:pic>
+      <p:pic>
+        <p:nvPicPr>
+          <p:cNvPr id="7" name="Picture 6">
+            <a:extLst>
+              <a:ext uri="{FF2B5EF4-FFF2-40B4-BE49-F238E27FC236}">
+                <a16:creationId xmlns:a16="http://schemas.microsoft.com/office/drawing/2014/main" id="{00116288-EB32-403A-AF84-4A8B5B5176E4}"/>
+              </a:ext>
+            </a:extLst>
+          </p:cNvPr>
+          <p:cNvPicPr>
+            <a:picLocks noChangeAspect="1"/>
+          </p:cNvPicPr>
+          <p:nvPr/>
+        </p:nvPicPr>
+        <p:blipFill>
+          <a:blip r:embed="rId3">
+            <a:extLst>
+              <a:ext uri="{28A0092B-C50C-407E-A947-70E740481C1C}">
+                <a14:useLocalDpi xmlns:a14="http://schemas.microsoft.com/office/drawing/2010/main" val="0"/>
+              </a:ext>
+            </a:extLst>
+          </a:blip>
+          <a:stretch>
+            <a:fillRect/>
+          </a:stretch>
+        </p:blipFill>
+        <p:spPr>
+          <a:xfrm>
+            <a:off x="441960" y="259080"/>
+            <a:ext cx="6315658" cy="5052526"/>
+          </a:xfrm>
+          <a:prstGeom prst="rect">
+            <a:avLst/>
+          </a:prstGeom>
+        </p:spPr>
+      </p:pic>
       <p:cxnSp>
         <p:nvCxnSpPr>
-          <p:cNvPr id="6" name="Straight Arrow Connector 5">
+          <p:cNvPr id="10" name="Straight Arrow Connector 9">
             <a:extLst>
               <a:ext uri="{FF2B5EF4-FFF2-40B4-BE49-F238E27FC236}">
-                <a16:creationId xmlns:a16="http://schemas.microsoft.com/office/drawing/2014/main" id="{0C239125-51B4-4F85-AEBD-C3C854946FB4}"/>
+                <a16:creationId xmlns:a16="http://schemas.microsoft.com/office/drawing/2014/main" id="{0C46624A-6F8F-4F9E-AF28-13B23783F8F4}"/>
               </a:ext>
             </a:extLst>
           </p:cNvPr>
           <p:cNvCxnSpPr>
             <a:cxnSpLocks/>
-            <a:stCxn id="5" idx="3"/>
-            <a:endCxn id="4" idx="1"/>
           </p:cNvCxnSpPr>
           <p:nvPr/>
         </p:nvCxnSpPr>
         <p:spPr>
           <a:xfrm flipV="1">
-            <a:off x="5701797" y="1019303"/>
-            <a:ext cx="1249880" cy="1983"/>
+            <a:off x="9941767" y="4519400"/>
+            <a:ext cx="0" cy="533126"/>
           </a:xfrm>
           <a:prstGeom prst="straightConnector1">
             <a:avLst/>
@@ -9724,10 +11918,10 @@
       </p:cxnSp>
       <p:sp>
         <p:nvSpPr>
-          <p:cNvPr id="7" name="TextBox 6">
+          <p:cNvPr id="13" name="TextBox 12">
             <a:extLst>
               <a:ext uri="{FF2B5EF4-FFF2-40B4-BE49-F238E27FC236}">
-                <a16:creationId xmlns:a16="http://schemas.microsoft.com/office/drawing/2014/main" id="{7F831811-6699-4087-9C87-2E4CBC606982}"/>
+                <a16:creationId xmlns:a16="http://schemas.microsoft.com/office/drawing/2014/main" id="{D59ABA66-EEED-4661-9827-9F973DF4BB30}"/>
               </a:ext>
             </a:extLst>
           </p:cNvPr>
@@ -9736,8 +11930,8 @@
         </p:nvSpPr>
         <p:spPr>
           <a:xfrm>
-            <a:off x="5920105" y="249542"/>
-            <a:ext cx="1387806" cy="738664"/>
+            <a:off x="8266922" y="5052526"/>
+            <a:ext cx="3368351" cy="923330"/>
           </a:xfrm>
           <a:prstGeom prst="rect">
             <a:avLst/>
@@ -9751,2102 +11945,14 @@
           <a:lstStyle/>
           <a:p>
             <a:r>
-              <a:rPr lang="en-US" sz="1400" dirty="0"/>
-              <a:t>Motor </a:t>
+              <a:rPr lang="en-US" dirty="0"/>
+              <a:t>Experimental data will be expended. </a:t>
             </a:r>
           </a:p>
           <a:p>
             <a:r>
-              <a:rPr lang="en-US" sz="1400" dirty="0"/>
-              <a:t>Speed </a:t>
-            </a:r>
-          </a:p>
-          <a:p>
-            <a:r>
-              <a:rPr lang="en-US" sz="1400" dirty="0"/>
-              <a:t>Control</a:t>
-            </a:r>
-          </a:p>
-        </p:txBody>
-      </p:sp>
-      <mc:AlternateContent xmlns:mc="http://schemas.openxmlformats.org/markup-compatibility/2006" xmlns:a14="http://schemas.microsoft.com/office/drawing/2010/main">
-        <mc:Choice Requires="a14">
-          <p:sp>
-            <p:nvSpPr>
-              <p:cNvPr id="8" name="Rectangle 7">
-                <a:extLst>
-                  <a:ext uri="{FF2B5EF4-FFF2-40B4-BE49-F238E27FC236}">
-                    <a16:creationId xmlns:a16="http://schemas.microsoft.com/office/drawing/2014/main" id="{84B914C7-CE02-4106-BFCC-38656CF79C39}"/>
-                  </a:ext>
-                </a:extLst>
-              </p:cNvPr>
-              <p:cNvSpPr/>
-              <p:nvPr/>
-            </p:nvSpPr>
-            <p:spPr>
-              <a:xfrm>
-                <a:off x="6951677" y="2592325"/>
-                <a:ext cx="2435290" cy="1352939"/>
-              </a:xfrm>
-              <a:prstGeom prst="rect">
-                <a:avLst/>
-              </a:prstGeom>
-              <a:noFill/>
-              <a:ln w="38100">
-                <a:solidFill>
-                  <a:schemeClr val="tx1"/>
-                </a:solidFill>
-              </a:ln>
-            </p:spPr>
-            <p:style>
-              <a:lnRef idx="2">
-                <a:schemeClr val="accent1">
-                  <a:shade val="50000"/>
-                </a:schemeClr>
-              </a:lnRef>
-              <a:fillRef idx="1">
-                <a:schemeClr val="accent1"/>
-              </a:fillRef>
-              <a:effectRef idx="0">
-                <a:schemeClr val="accent1"/>
-              </a:effectRef>
-              <a:fontRef idx="minor">
-                <a:schemeClr val="lt1"/>
-              </a:fontRef>
-            </p:style>
-            <p:txBody>
-              <a:bodyPr rtlCol="0" anchor="ctr"/>
-              <a:lstStyle/>
-              <a:p>
-                <a:pPr algn="ctr"/>
-                <a:endParaRPr lang="en-US" dirty="0">
-                  <a:solidFill>
-                    <a:schemeClr val="tx1"/>
-                  </a:solidFill>
-                  <a:latin typeface="Times New Roman" panose="02020603050405020304" pitchFamily="18" charset="0"/>
-                  <a:cs typeface="Times New Roman" panose="02020603050405020304" pitchFamily="18" charset="0"/>
-                </a:endParaRPr>
-              </a:p>
-              <a:p>
-                <a:pPr algn="ctr"/>
-                <a:r>
-                  <a:rPr lang="en-US" dirty="0">
-                    <a:solidFill>
-                      <a:schemeClr val="tx1"/>
-                    </a:solidFill>
-                    <a:latin typeface="Times New Roman" panose="02020603050405020304" pitchFamily="18" charset="0"/>
-                    <a:cs typeface="Times New Roman" panose="02020603050405020304" pitchFamily="18" charset="0"/>
-                  </a:rPr>
-                  <a:t>Constant IPT Power</a:t>
-                </a:r>
-              </a:p>
-              <a:p>
-                <a:pPr algn="ctr"/>
-                <a:r>
-                  <a:rPr lang="en-US" dirty="0">
-                    <a:solidFill>
-                      <a:schemeClr val="tx1"/>
-                    </a:solidFill>
-                    <a:latin typeface="Times New Roman" panose="02020603050405020304" pitchFamily="18" charset="0"/>
-                    <a:cs typeface="Times New Roman" panose="02020603050405020304" pitchFamily="18" charset="0"/>
-                  </a:rPr>
-                  <a:t>(</a:t>
-                </a:r>
-                <a14:m>
-                  <m:oMath xmlns:m="http://schemas.openxmlformats.org/officeDocument/2006/math">
-                    <m:sSub>
-                      <m:sSubPr>
-                        <m:ctrlPr>
-                          <a:rPr lang="en-US" i="1">
-                            <a:solidFill>
-                              <a:schemeClr val="tx1"/>
-                            </a:solidFill>
-                            <a:latin typeface="Cambria Math" panose="02040503050406030204" pitchFamily="18" charset="0"/>
-                            <a:cs typeface="Times New Roman" panose="02020603050405020304" pitchFamily="18" charset="0"/>
-                          </a:rPr>
-                        </m:ctrlPr>
-                      </m:sSubPr>
-                      <m:e>
-                        <m:r>
-                          <a:rPr lang="en-US" i="1">
-                            <a:solidFill>
-                              <a:schemeClr val="tx1"/>
-                            </a:solidFill>
-                            <a:latin typeface="Cambria Math" panose="02040503050406030204" pitchFamily="18" charset="0"/>
-                            <a:cs typeface="Times New Roman" panose="02020603050405020304" pitchFamily="18" charset="0"/>
-                          </a:rPr>
-                          <m:t>𝑓</m:t>
-                        </m:r>
-                      </m:e>
-                      <m:sub>
-                        <m:r>
-                          <a:rPr lang="en-US" i="1">
-                            <a:solidFill>
-                              <a:schemeClr val="tx1"/>
-                            </a:solidFill>
-                            <a:latin typeface="Cambria Math" panose="02040503050406030204" pitchFamily="18" charset="0"/>
-                            <a:cs typeface="Times New Roman" panose="02020603050405020304" pitchFamily="18" charset="0"/>
-                          </a:rPr>
-                          <m:t>𝑜𝑝</m:t>
-                        </m:r>
-                      </m:sub>
-                    </m:sSub>
-                  </m:oMath>
-                </a14:m>
-                <a:r>
-                  <a:rPr lang="en-US" dirty="0">
-                    <a:solidFill>
-                      <a:schemeClr val="tx1"/>
-                    </a:solidFill>
-                    <a:latin typeface="Times New Roman" panose="02020603050405020304" pitchFamily="18" charset="0"/>
-                    <a:cs typeface="Times New Roman" panose="02020603050405020304" pitchFamily="18" charset="0"/>
-                  </a:rPr>
-                  <a:t>=77kHz)</a:t>
-                </a:r>
-              </a:p>
-              <a:p>
-                <a:pPr algn="ctr"/>
-                <a:r>
-                  <a:rPr lang="en-US" dirty="0">
-                    <a:solidFill>
-                      <a:schemeClr val="tx1"/>
-                    </a:solidFill>
-                    <a:latin typeface="Times New Roman" panose="02020603050405020304" pitchFamily="18" charset="0"/>
-                    <a:cs typeface="Times New Roman" panose="02020603050405020304" pitchFamily="18" charset="0"/>
-                  </a:rPr>
-                  <a:t>(</a:t>
-                </a:r>
-                <a14:m>
-                  <m:oMath xmlns:m="http://schemas.openxmlformats.org/officeDocument/2006/math">
-                    <m:r>
-                      <a:rPr lang="en-US" i="1">
-                        <a:solidFill>
-                          <a:schemeClr val="tx1"/>
-                        </a:solidFill>
-                        <a:latin typeface="Cambria Math" panose="02040503050406030204" pitchFamily="18" charset="0"/>
-                        <a:cs typeface="Times New Roman" panose="02020603050405020304" pitchFamily="18" charset="0"/>
-                      </a:rPr>
-                      <m:t>𝐷</m:t>
-                    </m:r>
-                  </m:oMath>
-                </a14:m>
-                <a:r>
-                  <a:rPr lang="en-US" dirty="0">
-                    <a:solidFill>
-                      <a:schemeClr val="tx1"/>
-                    </a:solidFill>
-                    <a:latin typeface="Times New Roman" panose="02020603050405020304" pitchFamily="18" charset="0"/>
-                    <a:cs typeface="Times New Roman" panose="02020603050405020304" pitchFamily="18" charset="0"/>
-                  </a:rPr>
-                  <a:t>=0.75)</a:t>
-                </a:r>
-              </a:p>
-              <a:p>
-                <a:pPr algn="ctr"/>
-                <a:r>
-                  <a:rPr lang="en-US" dirty="0">
-                    <a:solidFill>
-                      <a:schemeClr val="tx1"/>
-                    </a:solidFill>
-                    <a:latin typeface="Times New Roman" panose="02020603050405020304" pitchFamily="18" charset="0"/>
-                    <a:cs typeface="Times New Roman" panose="02020603050405020304" pitchFamily="18" charset="0"/>
-                  </a:rPr>
-                  <a:t>(</a:t>
-                </a:r>
-                <a14:m>
-                  <m:oMath xmlns:m="http://schemas.openxmlformats.org/officeDocument/2006/math">
-                    <m:sSub>
-                      <m:sSubPr>
-                        <m:ctrlPr>
-                          <a:rPr lang="en-US" i="1">
-                            <a:solidFill>
-                              <a:schemeClr val="tx1"/>
-                            </a:solidFill>
-                            <a:latin typeface="Cambria Math" panose="02040503050406030204" pitchFamily="18" charset="0"/>
-                            <a:cs typeface="Times New Roman" panose="02020603050405020304" pitchFamily="18" charset="0"/>
-                          </a:rPr>
-                        </m:ctrlPr>
-                      </m:sSubPr>
-                      <m:e>
-                        <m:r>
-                          <a:rPr lang="en-US" i="1">
-                            <a:solidFill>
-                              <a:schemeClr val="tx1"/>
-                            </a:solidFill>
-                            <a:latin typeface="Cambria Math" panose="02040503050406030204" pitchFamily="18" charset="0"/>
-                            <a:cs typeface="Times New Roman" panose="02020603050405020304" pitchFamily="18" charset="0"/>
-                          </a:rPr>
-                          <m:t>𝑇</m:t>
-                        </m:r>
-                      </m:e>
-                      <m:sub>
-                        <m:r>
-                          <a:rPr lang="en-US" i="1">
-                            <a:solidFill>
-                              <a:schemeClr val="tx1"/>
-                            </a:solidFill>
-                            <a:latin typeface="Cambria Math" panose="02040503050406030204" pitchFamily="18" charset="0"/>
-                            <a:cs typeface="Times New Roman" panose="02020603050405020304" pitchFamily="18" charset="0"/>
-                          </a:rPr>
-                          <m:t>𝐿</m:t>
-                        </m:r>
-                      </m:sub>
-                    </m:sSub>
-                  </m:oMath>
-                </a14:m>
-                <a:r>
-                  <a:rPr lang="en-US" dirty="0">
-                    <a:solidFill>
-                      <a:schemeClr val="tx1"/>
-                    </a:solidFill>
-                    <a:latin typeface="Times New Roman" panose="02020603050405020304" pitchFamily="18" charset="0"/>
-                    <a:cs typeface="Times New Roman" panose="02020603050405020304" pitchFamily="18" charset="0"/>
-                  </a:rPr>
-                  <a:t>= x2)</a:t>
-                </a:r>
-              </a:p>
-              <a:p>
-                <a:pPr algn="ctr"/>
-                <a:endParaRPr lang="en-US" dirty="0">
-                  <a:solidFill>
-                    <a:schemeClr val="tx1"/>
-                  </a:solidFill>
-                  <a:latin typeface="Times New Roman" panose="02020603050405020304" pitchFamily="18" charset="0"/>
-                  <a:cs typeface="Times New Roman" panose="02020603050405020304" pitchFamily="18" charset="0"/>
-                </a:endParaRPr>
-              </a:p>
-              <a:p>
-                <a:pPr algn="ctr"/>
-                <a:endParaRPr lang="en-US" dirty="0">
-                  <a:solidFill>
-                    <a:schemeClr val="tx1"/>
-                  </a:solidFill>
-                  <a:latin typeface="Times New Roman" panose="02020603050405020304" pitchFamily="18" charset="0"/>
-                  <a:cs typeface="Times New Roman" panose="02020603050405020304" pitchFamily="18" charset="0"/>
-                </a:endParaRPr>
-              </a:p>
-            </p:txBody>
-          </p:sp>
-        </mc:Choice>
-        <mc:Fallback xmlns="">
-          <p:sp>
-            <p:nvSpPr>
-              <p:cNvPr id="8" name="Rectangle 7">
-                <a:extLst>
-                  <a:ext uri="{FF2B5EF4-FFF2-40B4-BE49-F238E27FC236}">
-                    <a16:creationId xmlns:a16="http://schemas.microsoft.com/office/drawing/2014/main" id="{84B914C7-CE02-4106-BFCC-38656CF79C39}"/>
-                  </a:ext>
-                </a:extLst>
-              </p:cNvPr>
-              <p:cNvSpPr>
-                <a:spLocks noRot="1" noChangeAspect="1" noMove="1" noResize="1" noEditPoints="1" noAdjustHandles="1" noChangeArrowheads="1" noChangeShapeType="1" noTextEdit="1"/>
-              </p:cNvSpPr>
-              <p:nvPr/>
-            </p:nvSpPr>
-            <p:spPr>
-              <a:xfrm>
-                <a:off x="6951677" y="2592325"/>
-                <a:ext cx="2435290" cy="1352939"/>
-              </a:xfrm>
-              <a:prstGeom prst="rect">
-                <a:avLst/>
-              </a:prstGeom>
-              <a:blipFill>
-                <a:blip r:embed="rId4"/>
-                <a:stretch>
-                  <a:fillRect t="-5702"/>
-                </a:stretch>
-              </a:blipFill>
-              <a:ln w="38100">
-                <a:solidFill>
-                  <a:schemeClr val="tx1"/>
-                </a:solidFill>
-              </a:ln>
-            </p:spPr>
-            <p:txBody>
-              <a:bodyPr/>
-              <a:lstStyle/>
-              <a:p>
-                <a:r>
-                  <a:rPr lang="en-US">
-                    <a:noFill/>
-                  </a:rPr>
-                  <a:t> </a:t>
-                </a:r>
-              </a:p>
-            </p:txBody>
-          </p:sp>
-        </mc:Fallback>
-      </mc:AlternateContent>
-      <p:cxnSp>
-        <p:nvCxnSpPr>
-          <p:cNvPr id="9" name="Straight Arrow Connector 8">
-            <a:extLst>
-              <a:ext uri="{FF2B5EF4-FFF2-40B4-BE49-F238E27FC236}">
-                <a16:creationId xmlns:a16="http://schemas.microsoft.com/office/drawing/2014/main" id="{ED2DAEA5-8928-4A74-9F1A-3D909AA95922}"/>
-              </a:ext>
-            </a:extLst>
-          </p:cNvPr>
-          <p:cNvCxnSpPr>
-            <a:cxnSpLocks/>
-            <a:stCxn id="4" idx="2"/>
-            <a:endCxn id="8" idx="0"/>
-          </p:cNvCxnSpPr>
-          <p:nvPr/>
-        </p:nvCxnSpPr>
-        <p:spPr>
-          <a:xfrm>
-            <a:off x="8169322" y="1695772"/>
-            <a:ext cx="0" cy="896553"/>
-          </a:xfrm>
-          <a:prstGeom prst="straightConnector1">
-            <a:avLst/>
-          </a:prstGeom>
-          <a:ln w="28575">
-            <a:solidFill>
-              <a:schemeClr val="tx1"/>
-            </a:solidFill>
-            <a:tailEnd type="triangle"/>
-          </a:ln>
-        </p:spPr>
-        <p:style>
-          <a:lnRef idx="1">
-            <a:schemeClr val="accent1"/>
-          </a:lnRef>
-          <a:fillRef idx="0">
-            <a:schemeClr val="accent1"/>
-          </a:fillRef>
-          <a:effectRef idx="0">
-            <a:schemeClr val="accent1"/>
-          </a:effectRef>
-          <a:fontRef idx="minor">
-            <a:schemeClr val="tx1"/>
-          </a:fontRef>
-        </p:style>
-      </p:cxnSp>
-      <p:sp>
-        <p:nvSpPr>
-          <p:cNvPr id="10" name="TextBox 9">
-            <a:extLst>
-              <a:ext uri="{FF2B5EF4-FFF2-40B4-BE49-F238E27FC236}">
-                <a16:creationId xmlns:a16="http://schemas.microsoft.com/office/drawing/2014/main" id="{3A50A2AC-F5E7-42FF-9F8F-E66E6D477EC8}"/>
-              </a:ext>
-            </a:extLst>
-          </p:cNvPr>
-          <p:cNvSpPr txBox="1"/>
-          <p:nvPr/>
-        </p:nvSpPr>
-        <p:spPr>
-          <a:xfrm rot="10800000" flipV="1">
-            <a:off x="7625113" y="1901813"/>
-            <a:ext cx="2393712" cy="523220"/>
-          </a:xfrm>
-          <a:prstGeom prst="rect">
-            <a:avLst/>
-          </a:prstGeom>
-          <a:noFill/>
-        </p:spPr>
-        <p:txBody>
-          <a:bodyPr wrap="square" rtlCol="0">
-            <a:spAutoFit/>
-          </a:bodyPr>
-          <a:lstStyle/>
-          <a:p>
-            <a:pPr algn="ctr"/>
-            <a:r>
-              <a:rPr lang="en-US" sz="1400" dirty="0"/>
-              <a:t>Motor Load</a:t>
-            </a:r>
-          </a:p>
-          <a:p>
-            <a:pPr algn="ctr"/>
-            <a:r>
-              <a:rPr lang="en-US" sz="1400" dirty="0"/>
-              <a:t> Changes</a:t>
-            </a:r>
-          </a:p>
-        </p:txBody>
-      </p:sp>
-      <p:cxnSp>
-        <p:nvCxnSpPr>
-          <p:cNvPr id="11" name="Straight Arrow Connector 10">
-            <a:extLst>
-              <a:ext uri="{FF2B5EF4-FFF2-40B4-BE49-F238E27FC236}">
-                <a16:creationId xmlns:a16="http://schemas.microsoft.com/office/drawing/2014/main" id="{E8B069FB-DEAD-4571-B1C0-E275A2F9705D}"/>
-              </a:ext>
-            </a:extLst>
-          </p:cNvPr>
-          <p:cNvCxnSpPr>
-            <a:cxnSpLocks/>
-            <a:stCxn id="8" idx="2"/>
-            <a:endCxn id="12" idx="0"/>
-          </p:cNvCxnSpPr>
-          <p:nvPr/>
-        </p:nvCxnSpPr>
-        <p:spPr>
-          <a:xfrm>
-            <a:off x="8169322" y="3945264"/>
-            <a:ext cx="0" cy="907010"/>
-          </a:xfrm>
-          <a:prstGeom prst="straightConnector1">
-            <a:avLst/>
-          </a:prstGeom>
-          <a:ln w="28575">
-            <a:solidFill>
-              <a:schemeClr val="tx1"/>
-            </a:solidFill>
-            <a:tailEnd type="triangle"/>
-          </a:ln>
-        </p:spPr>
-        <p:style>
-          <a:lnRef idx="1">
-            <a:schemeClr val="accent1"/>
-          </a:lnRef>
-          <a:fillRef idx="0">
-            <a:schemeClr val="accent1"/>
-          </a:fillRef>
-          <a:effectRef idx="0">
-            <a:schemeClr val="accent1"/>
-          </a:effectRef>
-          <a:fontRef idx="minor">
-            <a:schemeClr val="tx1"/>
-          </a:fontRef>
-        </p:style>
-      </p:cxnSp>
-      <mc:AlternateContent xmlns:mc="http://schemas.openxmlformats.org/markup-compatibility/2006" xmlns:a14="http://schemas.microsoft.com/office/drawing/2010/main">
-        <mc:Choice Requires="a14">
-          <p:sp>
-            <p:nvSpPr>
-              <p:cNvPr id="12" name="Rectangle 11">
-                <a:extLst>
-                  <a:ext uri="{FF2B5EF4-FFF2-40B4-BE49-F238E27FC236}">
-                    <a16:creationId xmlns:a16="http://schemas.microsoft.com/office/drawing/2014/main" id="{0087B85C-86CB-4CEA-9002-58436B59CDC7}"/>
-                  </a:ext>
-                </a:extLst>
-              </p:cNvPr>
-              <p:cNvSpPr/>
-              <p:nvPr/>
-            </p:nvSpPr>
-            <p:spPr>
-              <a:xfrm>
-                <a:off x="6951677" y="4852274"/>
-                <a:ext cx="2435290" cy="1352939"/>
-              </a:xfrm>
-              <a:prstGeom prst="rect">
-                <a:avLst/>
-              </a:prstGeom>
-              <a:noFill/>
-              <a:ln w="38100">
-                <a:solidFill>
-                  <a:schemeClr val="tx1"/>
-                </a:solidFill>
-              </a:ln>
-            </p:spPr>
-            <p:style>
-              <a:lnRef idx="2">
-                <a:schemeClr val="accent1">
-                  <a:shade val="50000"/>
-                </a:schemeClr>
-              </a:lnRef>
-              <a:fillRef idx="1">
-                <a:schemeClr val="accent1"/>
-              </a:fillRef>
-              <a:effectRef idx="0">
-                <a:schemeClr val="accent1"/>
-              </a:effectRef>
-              <a:fontRef idx="minor">
-                <a:schemeClr val="lt1"/>
-              </a:fontRef>
-            </p:style>
-            <p:txBody>
-              <a:bodyPr rtlCol="0" anchor="ctr"/>
-              <a:lstStyle/>
-              <a:p>
-                <a:pPr algn="ctr"/>
-                <a:endParaRPr lang="en-US" dirty="0">
-                  <a:solidFill>
-                    <a:schemeClr val="tx1"/>
-                  </a:solidFill>
-                  <a:latin typeface="Times New Roman" panose="02020603050405020304" pitchFamily="18" charset="0"/>
-                  <a:cs typeface="Times New Roman" panose="02020603050405020304" pitchFamily="18" charset="0"/>
-                </a:endParaRPr>
-              </a:p>
-              <a:p>
-                <a:pPr algn="ctr"/>
-                <a:r>
-                  <a:rPr lang="en-US" dirty="0">
-                    <a:solidFill>
-                      <a:schemeClr val="tx1"/>
-                    </a:solidFill>
-                    <a:latin typeface="Times New Roman" panose="02020603050405020304" pitchFamily="18" charset="0"/>
-                    <a:cs typeface="Times New Roman" panose="02020603050405020304" pitchFamily="18" charset="0"/>
-                  </a:rPr>
-                  <a:t>Constant IPT Power</a:t>
-                </a:r>
-              </a:p>
-              <a:p>
-                <a:pPr algn="ctr"/>
-                <a:r>
-                  <a:rPr lang="en-US" dirty="0">
-                    <a:solidFill>
-                      <a:schemeClr val="tx1"/>
-                    </a:solidFill>
-                    <a:latin typeface="Times New Roman" panose="02020603050405020304" pitchFamily="18" charset="0"/>
-                    <a:cs typeface="Times New Roman" panose="02020603050405020304" pitchFamily="18" charset="0"/>
-                  </a:rPr>
-                  <a:t>(</a:t>
-                </a:r>
-                <a14:m>
-                  <m:oMath xmlns:m="http://schemas.openxmlformats.org/officeDocument/2006/math">
-                    <m:sSub>
-                      <m:sSubPr>
-                        <m:ctrlPr>
-                          <a:rPr lang="en-US" i="1">
-                            <a:solidFill>
-                              <a:schemeClr val="tx1"/>
-                            </a:solidFill>
-                            <a:latin typeface="Cambria Math" panose="02040503050406030204" pitchFamily="18" charset="0"/>
-                            <a:cs typeface="Times New Roman" panose="02020603050405020304" pitchFamily="18" charset="0"/>
-                          </a:rPr>
-                        </m:ctrlPr>
-                      </m:sSubPr>
-                      <m:e>
-                        <m:r>
-                          <a:rPr lang="en-US" i="1">
-                            <a:solidFill>
-                              <a:schemeClr val="tx1"/>
-                            </a:solidFill>
-                            <a:latin typeface="Cambria Math" panose="02040503050406030204" pitchFamily="18" charset="0"/>
-                            <a:cs typeface="Times New Roman" panose="02020603050405020304" pitchFamily="18" charset="0"/>
-                          </a:rPr>
-                          <m:t>𝑓</m:t>
-                        </m:r>
-                      </m:e>
-                      <m:sub>
-                        <m:r>
-                          <a:rPr lang="en-US" i="1">
-                            <a:solidFill>
-                              <a:schemeClr val="tx1"/>
-                            </a:solidFill>
-                            <a:latin typeface="Cambria Math" panose="02040503050406030204" pitchFamily="18" charset="0"/>
-                            <a:cs typeface="Times New Roman" panose="02020603050405020304" pitchFamily="18" charset="0"/>
-                          </a:rPr>
-                          <m:t>𝑜𝑝</m:t>
-                        </m:r>
-                      </m:sub>
-                    </m:sSub>
-                  </m:oMath>
-                </a14:m>
-                <a:r>
-                  <a:rPr lang="en-US" dirty="0">
-                    <a:solidFill>
-                      <a:schemeClr val="tx1"/>
-                    </a:solidFill>
-                    <a:latin typeface="Times New Roman" panose="02020603050405020304" pitchFamily="18" charset="0"/>
-                    <a:cs typeface="Times New Roman" panose="02020603050405020304" pitchFamily="18" charset="0"/>
-                  </a:rPr>
-                  <a:t>=86.5kHz)</a:t>
-                </a:r>
-              </a:p>
-              <a:p>
-                <a:pPr algn="ctr"/>
-                <a:r>
-                  <a:rPr lang="en-US" dirty="0">
-                    <a:solidFill>
-                      <a:schemeClr val="tx1"/>
-                    </a:solidFill>
-                    <a:latin typeface="Times New Roman" panose="02020603050405020304" pitchFamily="18" charset="0"/>
-                    <a:cs typeface="Times New Roman" panose="02020603050405020304" pitchFamily="18" charset="0"/>
-                  </a:rPr>
-                  <a:t>(</a:t>
-                </a:r>
-                <a14:m>
-                  <m:oMath xmlns:m="http://schemas.openxmlformats.org/officeDocument/2006/math">
-                    <m:r>
-                      <a:rPr lang="en-US" i="1">
-                        <a:solidFill>
-                          <a:schemeClr val="tx1"/>
-                        </a:solidFill>
-                        <a:latin typeface="Cambria Math" panose="02040503050406030204" pitchFamily="18" charset="0"/>
-                        <a:cs typeface="Times New Roman" panose="02020603050405020304" pitchFamily="18" charset="0"/>
-                      </a:rPr>
-                      <m:t>𝐷</m:t>
-                    </m:r>
-                  </m:oMath>
-                </a14:m>
-                <a:r>
-                  <a:rPr lang="en-US" dirty="0">
-                    <a:solidFill>
-                      <a:schemeClr val="tx1"/>
-                    </a:solidFill>
-                    <a:latin typeface="Times New Roman" panose="02020603050405020304" pitchFamily="18" charset="0"/>
-                    <a:cs typeface="Times New Roman" panose="02020603050405020304" pitchFamily="18" charset="0"/>
-                  </a:rPr>
-                  <a:t>=0.6)</a:t>
-                </a:r>
-              </a:p>
-              <a:p>
-                <a:pPr algn="ctr"/>
-                <a:r>
-                  <a:rPr lang="en-US" dirty="0">
-                    <a:solidFill>
-                      <a:schemeClr val="tx1"/>
-                    </a:solidFill>
-                    <a:latin typeface="Times New Roman" panose="02020603050405020304" pitchFamily="18" charset="0"/>
-                    <a:cs typeface="Times New Roman" panose="02020603050405020304" pitchFamily="18" charset="0"/>
-                  </a:rPr>
-                  <a:t>(</a:t>
-                </a:r>
-                <a14:m>
-                  <m:oMath xmlns:m="http://schemas.openxmlformats.org/officeDocument/2006/math">
-                    <m:sSub>
-                      <m:sSubPr>
-                        <m:ctrlPr>
-                          <a:rPr lang="en-US" i="1">
-                            <a:solidFill>
-                              <a:schemeClr val="tx1"/>
-                            </a:solidFill>
-                            <a:latin typeface="Cambria Math" panose="02040503050406030204" pitchFamily="18" charset="0"/>
-                            <a:cs typeface="Times New Roman" panose="02020603050405020304" pitchFamily="18" charset="0"/>
-                          </a:rPr>
-                        </m:ctrlPr>
-                      </m:sSubPr>
-                      <m:e>
-                        <m:r>
-                          <a:rPr lang="en-US" i="1">
-                            <a:solidFill>
-                              <a:schemeClr val="tx1"/>
-                            </a:solidFill>
-                            <a:latin typeface="Cambria Math" panose="02040503050406030204" pitchFamily="18" charset="0"/>
-                            <a:cs typeface="Times New Roman" panose="02020603050405020304" pitchFamily="18" charset="0"/>
-                          </a:rPr>
-                          <m:t>𝑇</m:t>
-                        </m:r>
-                      </m:e>
-                      <m:sub>
-                        <m:r>
-                          <a:rPr lang="en-US" i="1">
-                            <a:solidFill>
-                              <a:schemeClr val="tx1"/>
-                            </a:solidFill>
-                            <a:latin typeface="Cambria Math" panose="02040503050406030204" pitchFamily="18" charset="0"/>
-                            <a:cs typeface="Times New Roman" panose="02020603050405020304" pitchFamily="18" charset="0"/>
-                          </a:rPr>
-                          <m:t>𝐿</m:t>
-                        </m:r>
-                      </m:sub>
-                    </m:sSub>
-                  </m:oMath>
-                </a14:m>
-                <a:r>
-                  <a:rPr lang="en-US" dirty="0">
-                    <a:solidFill>
-                      <a:schemeClr val="tx1"/>
-                    </a:solidFill>
-                    <a:latin typeface="Times New Roman" panose="02020603050405020304" pitchFamily="18" charset="0"/>
-                    <a:cs typeface="Times New Roman" panose="02020603050405020304" pitchFamily="18" charset="0"/>
-                  </a:rPr>
-                  <a:t>= x2)</a:t>
-                </a:r>
-              </a:p>
-              <a:p>
-                <a:pPr algn="ctr"/>
-                <a:endParaRPr lang="en-US" dirty="0">
-                  <a:solidFill>
-                    <a:schemeClr val="tx1"/>
-                  </a:solidFill>
-                  <a:latin typeface="Times New Roman" panose="02020603050405020304" pitchFamily="18" charset="0"/>
-                  <a:cs typeface="Times New Roman" panose="02020603050405020304" pitchFamily="18" charset="0"/>
-                </a:endParaRPr>
-              </a:p>
-              <a:p>
-                <a:pPr algn="ctr"/>
-                <a:endParaRPr lang="en-US" dirty="0">
-                  <a:solidFill>
-                    <a:schemeClr val="tx1"/>
-                  </a:solidFill>
-                  <a:latin typeface="Times New Roman" panose="02020603050405020304" pitchFamily="18" charset="0"/>
-                  <a:cs typeface="Times New Roman" panose="02020603050405020304" pitchFamily="18" charset="0"/>
-                </a:endParaRPr>
-              </a:p>
-            </p:txBody>
-          </p:sp>
-        </mc:Choice>
-        <mc:Fallback xmlns="">
-          <p:sp>
-            <p:nvSpPr>
-              <p:cNvPr id="12" name="Rectangle 11">
-                <a:extLst>
-                  <a:ext uri="{FF2B5EF4-FFF2-40B4-BE49-F238E27FC236}">
-                    <a16:creationId xmlns:a16="http://schemas.microsoft.com/office/drawing/2014/main" id="{0087B85C-86CB-4CEA-9002-58436B59CDC7}"/>
-                  </a:ext>
-                </a:extLst>
-              </p:cNvPr>
-              <p:cNvSpPr>
-                <a:spLocks noRot="1" noChangeAspect="1" noMove="1" noResize="1" noEditPoints="1" noAdjustHandles="1" noChangeArrowheads="1" noChangeShapeType="1" noTextEdit="1"/>
-              </p:cNvSpPr>
-              <p:nvPr/>
-            </p:nvSpPr>
-            <p:spPr>
-              <a:xfrm>
-                <a:off x="6951677" y="4852274"/>
-                <a:ext cx="2435290" cy="1352939"/>
-              </a:xfrm>
-              <a:prstGeom prst="rect">
-                <a:avLst/>
-              </a:prstGeom>
-              <a:blipFill>
-                <a:blip r:embed="rId5"/>
-                <a:stretch>
-                  <a:fillRect t="-5702"/>
-                </a:stretch>
-              </a:blipFill>
-              <a:ln w="38100">
-                <a:solidFill>
-                  <a:schemeClr val="tx1"/>
-                </a:solidFill>
-              </a:ln>
-            </p:spPr>
-            <p:txBody>
-              <a:bodyPr/>
-              <a:lstStyle/>
-              <a:p>
-                <a:r>
-                  <a:rPr lang="en-US">
-                    <a:noFill/>
-                  </a:rPr>
-                  <a:t> </a:t>
-                </a:r>
-              </a:p>
-            </p:txBody>
-          </p:sp>
-        </mc:Fallback>
-      </mc:AlternateContent>
-      <p:sp>
-        <p:nvSpPr>
-          <p:cNvPr id="13" name="TextBox 12">
-            <a:extLst>
-              <a:ext uri="{FF2B5EF4-FFF2-40B4-BE49-F238E27FC236}">
-                <a16:creationId xmlns:a16="http://schemas.microsoft.com/office/drawing/2014/main" id="{6ABB0886-FCDE-4445-83B4-74170090CB06}"/>
-              </a:ext>
-            </a:extLst>
-          </p:cNvPr>
-          <p:cNvSpPr txBox="1"/>
-          <p:nvPr/>
-        </p:nvSpPr>
-        <p:spPr>
-          <a:xfrm>
-            <a:off x="7484531" y="4072386"/>
-            <a:ext cx="2674876" cy="738664"/>
-          </a:xfrm>
-          <a:prstGeom prst="rect">
-            <a:avLst/>
-          </a:prstGeom>
-          <a:noFill/>
-        </p:spPr>
-        <p:txBody>
-          <a:bodyPr wrap="square" rtlCol="0">
-            <a:spAutoFit/>
-          </a:bodyPr>
-          <a:lstStyle/>
-          <a:p>
-            <a:pPr algn="ctr"/>
-            <a:r>
-              <a:rPr lang="en-US" sz="1400" dirty="0"/>
-              <a:t>Motor </a:t>
-            </a:r>
-          </a:p>
-          <a:p>
-            <a:pPr algn="ctr"/>
-            <a:r>
-              <a:rPr lang="en-US" sz="1400" dirty="0"/>
-              <a:t>Speed </a:t>
-            </a:r>
-          </a:p>
-          <a:p>
-            <a:pPr algn="ctr"/>
-            <a:r>
-              <a:rPr lang="en-US" sz="1400" dirty="0"/>
-              <a:t>Control</a:t>
-            </a:r>
-          </a:p>
-        </p:txBody>
-      </p:sp>
-      <mc:AlternateContent xmlns:mc="http://schemas.openxmlformats.org/markup-compatibility/2006" xmlns:a14="http://schemas.microsoft.com/office/drawing/2010/main">
-        <mc:Choice Requires="a14">
-          <p:sp>
-            <p:nvSpPr>
-              <p:cNvPr id="14" name="Rectangle 13">
-                <a:extLst>
-                  <a:ext uri="{FF2B5EF4-FFF2-40B4-BE49-F238E27FC236}">
-                    <a16:creationId xmlns:a16="http://schemas.microsoft.com/office/drawing/2014/main" id="{AA839320-023B-43C8-9A9A-54D5AB09D793}"/>
-                  </a:ext>
-                </a:extLst>
-              </p:cNvPr>
-              <p:cNvSpPr/>
-              <p:nvPr/>
-            </p:nvSpPr>
-            <p:spPr>
-              <a:xfrm>
-                <a:off x="3171963" y="4848599"/>
-                <a:ext cx="2435290" cy="1352939"/>
-              </a:xfrm>
-              <a:prstGeom prst="rect">
-                <a:avLst/>
-              </a:prstGeom>
-              <a:noFill/>
-              <a:ln w="38100">
-                <a:solidFill>
-                  <a:schemeClr val="tx1"/>
-                </a:solidFill>
-              </a:ln>
-            </p:spPr>
-            <p:style>
-              <a:lnRef idx="2">
-                <a:schemeClr val="accent1">
-                  <a:shade val="50000"/>
-                </a:schemeClr>
-              </a:lnRef>
-              <a:fillRef idx="1">
-                <a:schemeClr val="accent1"/>
-              </a:fillRef>
-              <a:effectRef idx="0">
-                <a:schemeClr val="accent1"/>
-              </a:effectRef>
-              <a:fontRef idx="minor">
-                <a:schemeClr val="lt1"/>
-              </a:fontRef>
-            </p:style>
-            <p:txBody>
-              <a:bodyPr rtlCol="0" anchor="ctr"/>
-              <a:lstStyle/>
-              <a:p>
-                <a:pPr algn="ctr"/>
-                <a:endParaRPr lang="en-US" dirty="0">
-                  <a:solidFill>
-                    <a:schemeClr val="tx1"/>
-                  </a:solidFill>
-                  <a:latin typeface="Times New Roman" panose="02020603050405020304" pitchFamily="18" charset="0"/>
-                  <a:cs typeface="Times New Roman" panose="02020603050405020304" pitchFamily="18" charset="0"/>
-                </a:endParaRPr>
-              </a:p>
-              <a:p>
-                <a:pPr algn="ctr"/>
-                <a:r>
-                  <a:rPr lang="en-US" dirty="0">
-                    <a:solidFill>
-                      <a:schemeClr val="tx1"/>
-                    </a:solidFill>
-                    <a:latin typeface="Times New Roman" panose="02020603050405020304" pitchFamily="18" charset="0"/>
-                    <a:cs typeface="Times New Roman" panose="02020603050405020304" pitchFamily="18" charset="0"/>
-                  </a:rPr>
-                  <a:t>Constant Motor Power</a:t>
-                </a:r>
-              </a:p>
-              <a:p>
-                <a:pPr algn="ctr"/>
-                <a:r>
-                  <a:rPr lang="en-US" dirty="0">
-                    <a:solidFill>
-                      <a:schemeClr val="tx1"/>
-                    </a:solidFill>
-                    <a:latin typeface="Times New Roman" panose="02020603050405020304" pitchFamily="18" charset="0"/>
-                    <a:cs typeface="Times New Roman" panose="02020603050405020304" pitchFamily="18" charset="0"/>
-                  </a:rPr>
-                  <a:t>(</a:t>
-                </a:r>
-                <a14:m>
-                  <m:oMath xmlns:m="http://schemas.openxmlformats.org/officeDocument/2006/math">
-                    <m:sSub>
-                      <m:sSubPr>
-                        <m:ctrlPr>
-                          <a:rPr lang="en-US" i="1">
-                            <a:solidFill>
-                              <a:schemeClr val="tx1"/>
-                            </a:solidFill>
-                            <a:latin typeface="Cambria Math" panose="02040503050406030204" pitchFamily="18" charset="0"/>
-                            <a:cs typeface="Times New Roman" panose="02020603050405020304" pitchFamily="18" charset="0"/>
-                          </a:rPr>
-                        </m:ctrlPr>
-                      </m:sSubPr>
-                      <m:e>
-                        <m:r>
-                          <a:rPr lang="en-US" i="1">
-                            <a:solidFill>
-                              <a:schemeClr val="tx1"/>
-                            </a:solidFill>
-                            <a:latin typeface="Cambria Math" panose="02040503050406030204" pitchFamily="18" charset="0"/>
-                            <a:cs typeface="Times New Roman" panose="02020603050405020304" pitchFamily="18" charset="0"/>
-                          </a:rPr>
-                          <m:t>𝑓</m:t>
-                        </m:r>
-                      </m:e>
-                      <m:sub>
-                        <m:r>
-                          <a:rPr lang="en-US" i="1">
-                            <a:solidFill>
-                              <a:schemeClr val="tx1"/>
-                            </a:solidFill>
-                            <a:latin typeface="Cambria Math" panose="02040503050406030204" pitchFamily="18" charset="0"/>
-                            <a:cs typeface="Times New Roman" panose="02020603050405020304" pitchFamily="18" charset="0"/>
-                          </a:rPr>
-                          <m:t>𝑜𝑝</m:t>
-                        </m:r>
-                      </m:sub>
-                    </m:sSub>
-                    <m:r>
-                      <a:rPr lang="en-US" b="0" i="0" smtClean="0">
-                        <a:solidFill>
-                          <a:schemeClr val="tx1"/>
-                        </a:solidFill>
-                        <a:latin typeface="Cambria Math" panose="02040503050406030204" pitchFamily="18" charset="0"/>
-                        <a:cs typeface="Times New Roman" panose="02020603050405020304" pitchFamily="18" charset="0"/>
-                      </a:rPr>
-                      <m:t>=80</m:t>
-                    </m:r>
-                  </m:oMath>
-                </a14:m>
-                <a:r>
-                  <a:rPr lang="en-US" dirty="0">
-                    <a:solidFill>
-                      <a:schemeClr val="tx1"/>
-                    </a:solidFill>
-                    <a:latin typeface="Times New Roman" panose="02020603050405020304" pitchFamily="18" charset="0"/>
-                    <a:cs typeface="Times New Roman" panose="02020603050405020304" pitchFamily="18" charset="0"/>
-                  </a:rPr>
-                  <a:t>kHz)</a:t>
-                </a:r>
-              </a:p>
-              <a:p>
-                <a:pPr algn="ctr"/>
-                <a:r>
-                  <a:rPr lang="en-US" dirty="0">
-                    <a:solidFill>
-                      <a:schemeClr val="tx1"/>
-                    </a:solidFill>
-                    <a:latin typeface="Times New Roman" panose="02020603050405020304" pitchFamily="18" charset="0"/>
-                    <a:cs typeface="Times New Roman" panose="02020603050405020304" pitchFamily="18" charset="0"/>
-                  </a:rPr>
-                  <a:t>(</a:t>
-                </a:r>
-                <a14:m>
-                  <m:oMath xmlns:m="http://schemas.openxmlformats.org/officeDocument/2006/math">
-                    <m:r>
-                      <a:rPr lang="en-US" i="1">
-                        <a:solidFill>
-                          <a:schemeClr val="tx1"/>
-                        </a:solidFill>
-                        <a:latin typeface="Cambria Math" panose="02040503050406030204" pitchFamily="18" charset="0"/>
-                        <a:cs typeface="Times New Roman" panose="02020603050405020304" pitchFamily="18" charset="0"/>
-                      </a:rPr>
-                      <m:t>𝐷</m:t>
-                    </m:r>
-                  </m:oMath>
-                </a14:m>
-                <a:r>
-                  <a:rPr lang="en-US" dirty="0">
-                    <a:solidFill>
-                      <a:schemeClr val="tx1"/>
-                    </a:solidFill>
-                    <a:latin typeface="Times New Roman" panose="02020603050405020304" pitchFamily="18" charset="0"/>
-                    <a:cs typeface="Times New Roman" panose="02020603050405020304" pitchFamily="18" charset="0"/>
-                  </a:rPr>
-                  <a:t>=0.6)</a:t>
-                </a:r>
-              </a:p>
-              <a:p>
-                <a:pPr algn="ctr"/>
-                <a:r>
-                  <a:rPr lang="en-US" dirty="0">
-                    <a:solidFill>
-                      <a:schemeClr val="tx1"/>
-                    </a:solidFill>
-                    <a:latin typeface="Times New Roman" panose="02020603050405020304" pitchFamily="18" charset="0"/>
-                    <a:cs typeface="Times New Roman" panose="02020603050405020304" pitchFamily="18" charset="0"/>
-                  </a:rPr>
-                  <a:t>(</a:t>
-                </a:r>
-                <a14:m>
-                  <m:oMath xmlns:m="http://schemas.openxmlformats.org/officeDocument/2006/math">
-                    <m:sSub>
-                      <m:sSubPr>
-                        <m:ctrlPr>
-                          <a:rPr lang="en-US" i="1">
-                            <a:solidFill>
-                              <a:schemeClr val="tx1"/>
-                            </a:solidFill>
-                            <a:latin typeface="Cambria Math" panose="02040503050406030204" pitchFamily="18" charset="0"/>
-                            <a:cs typeface="Times New Roman" panose="02020603050405020304" pitchFamily="18" charset="0"/>
-                          </a:rPr>
-                        </m:ctrlPr>
-                      </m:sSubPr>
-                      <m:e>
-                        <m:r>
-                          <a:rPr lang="en-US" i="1">
-                            <a:solidFill>
-                              <a:schemeClr val="tx1"/>
-                            </a:solidFill>
-                            <a:latin typeface="Cambria Math" panose="02040503050406030204" pitchFamily="18" charset="0"/>
-                            <a:cs typeface="Times New Roman" panose="02020603050405020304" pitchFamily="18" charset="0"/>
-                          </a:rPr>
-                          <m:t>𝑇</m:t>
-                        </m:r>
-                      </m:e>
-                      <m:sub>
-                        <m:r>
-                          <a:rPr lang="en-US" i="1">
-                            <a:solidFill>
-                              <a:schemeClr val="tx1"/>
-                            </a:solidFill>
-                            <a:latin typeface="Cambria Math" panose="02040503050406030204" pitchFamily="18" charset="0"/>
-                            <a:cs typeface="Times New Roman" panose="02020603050405020304" pitchFamily="18" charset="0"/>
-                          </a:rPr>
-                          <m:t>𝐿</m:t>
-                        </m:r>
-                      </m:sub>
-                    </m:sSub>
-                  </m:oMath>
-                </a14:m>
-                <a:r>
-                  <a:rPr lang="en-US" dirty="0">
-                    <a:solidFill>
-                      <a:schemeClr val="tx1"/>
-                    </a:solidFill>
-                    <a:latin typeface="Times New Roman" panose="02020603050405020304" pitchFamily="18" charset="0"/>
-                    <a:cs typeface="Times New Roman" panose="02020603050405020304" pitchFamily="18" charset="0"/>
-                  </a:rPr>
-                  <a:t>= x2)</a:t>
-                </a:r>
-              </a:p>
-              <a:p>
-                <a:pPr algn="ctr"/>
-                <a:endParaRPr lang="en-US" dirty="0">
-                  <a:solidFill>
-                    <a:schemeClr val="tx1"/>
-                  </a:solidFill>
-                  <a:latin typeface="Times New Roman" panose="02020603050405020304" pitchFamily="18" charset="0"/>
-                  <a:cs typeface="Times New Roman" panose="02020603050405020304" pitchFamily="18" charset="0"/>
-                </a:endParaRPr>
-              </a:p>
-              <a:p>
-                <a:pPr algn="ctr"/>
-                <a:endParaRPr lang="en-US" dirty="0">
-                  <a:solidFill>
-                    <a:schemeClr val="tx1"/>
-                  </a:solidFill>
-                  <a:latin typeface="Times New Roman" panose="02020603050405020304" pitchFamily="18" charset="0"/>
-                  <a:cs typeface="Times New Roman" panose="02020603050405020304" pitchFamily="18" charset="0"/>
-                </a:endParaRPr>
-              </a:p>
-            </p:txBody>
-          </p:sp>
-        </mc:Choice>
-        <mc:Fallback xmlns="">
-          <p:sp>
-            <p:nvSpPr>
-              <p:cNvPr id="14" name="Rectangle 13">
-                <a:extLst>
-                  <a:ext uri="{FF2B5EF4-FFF2-40B4-BE49-F238E27FC236}">
-                    <a16:creationId xmlns:a16="http://schemas.microsoft.com/office/drawing/2014/main" id="{AA839320-023B-43C8-9A9A-54D5AB09D793}"/>
-                  </a:ext>
-                </a:extLst>
-              </p:cNvPr>
-              <p:cNvSpPr>
-                <a:spLocks noRot="1" noChangeAspect="1" noMove="1" noResize="1" noEditPoints="1" noAdjustHandles="1" noChangeArrowheads="1" noChangeShapeType="1" noTextEdit="1"/>
-              </p:cNvSpPr>
-              <p:nvPr/>
-            </p:nvSpPr>
-            <p:spPr>
-              <a:xfrm>
-                <a:off x="3171963" y="4848599"/>
-                <a:ext cx="2435290" cy="1352939"/>
-              </a:xfrm>
-              <a:prstGeom prst="rect">
-                <a:avLst/>
-              </a:prstGeom>
-              <a:blipFill>
-                <a:blip r:embed="rId6"/>
-                <a:stretch>
-                  <a:fillRect t="-5702"/>
-                </a:stretch>
-              </a:blipFill>
-              <a:ln w="38100">
-                <a:solidFill>
-                  <a:schemeClr val="tx1"/>
-                </a:solidFill>
-              </a:ln>
-            </p:spPr>
-            <p:txBody>
-              <a:bodyPr/>
-              <a:lstStyle/>
-              <a:p>
-                <a:r>
-                  <a:rPr lang="en-US">
-                    <a:noFill/>
-                  </a:rPr>
-                  <a:t> </a:t>
-                </a:r>
-              </a:p>
-            </p:txBody>
-          </p:sp>
-        </mc:Fallback>
-      </mc:AlternateContent>
-      <p:sp>
-        <p:nvSpPr>
-          <p:cNvPr id="15" name="TextBox 14">
-            <a:extLst>
-              <a:ext uri="{FF2B5EF4-FFF2-40B4-BE49-F238E27FC236}">
-                <a16:creationId xmlns:a16="http://schemas.microsoft.com/office/drawing/2014/main" id="{0E905681-5537-4909-AA77-4546C8775EEA}"/>
-              </a:ext>
-            </a:extLst>
-          </p:cNvPr>
-          <p:cNvSpPr txBox="1"/>
-          <p:nvPr/>
-        </p:nvSpPr>
-        <p:spPr>
-          <a:xfrm>
-            <a:off x="5346365" y="5717450"/>
-            <a:ext cx="1698463" cy="523220"/>
-          </a:xfrm>
-          <a:prstGeom prst="rect">
-            <a:avLst/>
-          </a:prstGeom>
-          <a:noFill/>
-        </p:spPr>
-        <p:txBody>
-          <a:bodyPr wrap="square" rtlCol="0">
-            <a:spAutoFit/>
-          </a:bodyPr>
-          <a:lstStyle/>
-          <a:p>
-            <a:pPr algn="ctr"/>
-            <a:r>
-              <a:rPr lang="en-US" sz="1400" dirty="0"/>
-              <a:t>IPT Power</a:t>
-            </a:r>
-          </a:p>
-          <a:p>
-            <a:pPr algn="ctr"/>
-            <a:r>
-              <a:rPr lang="en-US" sz="1400" dirty="0"/>
-              <a:t> Control</a:t>
-            </a:r>
-          </a:p>
-        </p:txBody>
-      </p:sp>
-      <p:sp>
-        <p:nvSpPr>
-          <p:cNvPr id="16" name="Oval 15">
-            <a:extLst>
-              <a:ext uri="{FF2B5EF4-FFF2-40B4-BE49-F238E27FC236}">
-                <a16:creationId xmlns:a16="http://schemas.microsoft.com/office/drawing/2014/main" id="{3C6AB6FC-0DEB-4F94-A308-BF28390B721D}"/>
-              </a:ext>
-            </a:extLst>
-          </p:cNvPr>
-          <p:cNvSpPr/>
-          <p:nvPr/>
-        </p:nvSpPr>
-        <p:spPr>
-          <a:xfrm>
-            <a:off x="2665074" y="874370"/>
-            <a:ext cx="279918" cy="289866"/>
-          </a:xfrm>
-          <a:prstGeom prst="ellipse">
-            <a:avLst/>
-          </a:prstGeom>
-          <a:noFill/>
-          <a:ln w="28575">
-            <a:solidFill>
-              <a:schemeClr val="tx1"/>
-            </a:solidFill>
-          </a:ln>
-        </p:spPr>
-        <p:style>
-          <a:lnRef idx="2">
-            <a:schemeClr val="accent1">
-              <a:shade val="50000"/>
-            </a:schemeClr>
-          </a:lnRef>
-          <a:fillRef idx="1">
-            <a:schemeClr val="accent1"/>
-          </a:fillRef>
-          <a:effectRef idx="0">
-            <a:schemeClr val="accent1"/>
-          </a:effectRef>
-          <a:fontRef idx="minor">
-            <a:schemeClr val="lt1"/>
-          </a:fontRef>
-        </p:style>
-        <p:txBody>
-          <a:bodyPr rot="0" spcFirstLastPara="0" vertOverflow="overflow" horzOverflow="overflow" vert="horz" wrap="square" lIns="91440" tIns="45720" rIns="91440" bIns="45720" numCol="1" spcCol="0" rtlCol="0" fromWordArt="0" anchor="ctr" anchorCtr="0" forceAA="0" compatLnSpc="1">
-            <a:prstTxWarp prst="textNoShape">
-              <a:avLst/>
-            </a:prstTxWarp>
-            <a:noAutofit/>
-          </a:bodyPr>
-          <a:lstStyle/>
-          <a:p>
-            <a:pPr algn="ctr"/>
-            <a:r>
-              <a:rPr lang="en-US" dirty="0">
-                <a:solidFill>
-                  <a:schemeClr val="tx1"/>
-                </a:solidFill>
-              </a:rPr>
-              <a:t>A</a:t>
-            </a:r>
-          </a:p>
-        </p:txBody>
-      </p:sp>
-      <p:sp>
-        <p:nvSpPr>
-          <p:cNvPr id="17" name="Oval 16">
-            <a:extLst>
-              <a:ext uri="{FF2B5EF4-FFF2-40B4-BE49-F238E27FC236}">
-                <a16:creationId xmlns:a16="http://schemas.microsoft.com/office/drawing/2014/main" id="{63D69C4F-0FD4-403F-BD76-36CBAAEF40BE}"/>
-              </a:ext>
-            </a:extLst>
-          </p:cNvPr>
-          <p:cNvSpPr/>
-          <p:nvPr/>
-        </p:nvSpPr>
-        <p:spPr>
-          <a:xfrm>
-            <a:off x="9637050" y="813335"/>
-            <a:ext cx="279918" cy="289866"/>
-          </a:xfrm>
-          <a:prstGeom prst="ellipse">
-            <a:avLst/>
-          </a:prstGeom>
-          <a:noFill/>
-          <a:ln w="28575">
-            <a:solidFill>
-              <a:schemeClr val="tx1"/>
-            </a:solidFill>
-          </a:ln>
-        </p:spPr>
-        <p:style>
-          <a:lnRef idx="2">
-            <a:schemeClr val="accent1">
-              <a:shade val="50000"/>
-            </a:schemeClr>
-          </a:lnRef>
-          <a:fillRef idx="1">
-            <a:schemeClr val="accent1"/>
-          </a:fillRef>
-          <a:effectRef idx="0">
-            <a:schemeClr val="accent1"/>
-          </a:effectRef>
-          <a:fontRef idx="minor">
-            <a:schemeClr val="lt1"/>
-          </a:fontRef>
-        </p:style>
-        <p:txBody>
-          <a:bodyPr rot="0" spcFirstLastPara="0" vertOverflow="overflow" horzOverflow="overflow" vert="horz" wrap="square" lIns="91440" tIns="45720" rIns="91440" bIns="45720" numCol="1" spcCol="0" rtlCol="0" fromWordArt="0" anchor="ctr" anchorCtr="0" forceAA="0" compatLnSpc="1">
-            <a:prstTxWarp prst="textNoShape">
-              <a:avLst/>
-            </a:prstTxWarp>
-            <a:noAutofit/>
-          </a:bodyPr>
-          <a:lstStyle/>
-          <a:p>
-            <a:pPr algn="ctr"/>
-            <a:r>
-              <a:rPr lang="en-US" dirty="0">
-                <a:solidFill>
-                  <a:schemeClr val="tx1"/>
-                </a:solidFill>
-              </a:rPr>
-              <a:t>B</a:t>
-            </a:r>
-          </a:p>
-        </p:txBody>
-      </p:sp>
-      <p:sp>
-        <p:nvSpPr>
-          <p:cNvPr id="18" name="Oval 17">
-            <a:extLst>
-              <a:ext uri="{FF2B5EF4-FFF2-40B4-BE49-F238E27FC236}">
-                <a16:creationId xmlns:a16="http://schemas.microsoft.com/office/drawing/2014/main" id="{E80663BC-884F-40A9-BFF3-6B1BB4329374}"/>
-              </a:ext>
-            </a:extLst>
-          </p:cNvPr>
-          <p:cNvSpPr/>
-          <p:nvPr/>
-        </p:nvSpPr>
-        <p:spPr>
-          <a:xfrm>
-            <a:off x="9637050" y="3327808"/>
-            <a:ext cx="279918" cy="289866"/>
-          </a:xfrm>
-          <a:prstGeom prst="ellipse">
-            <a:avLst/>
-          </a:prstGeom>
-          <a:noFill/>
-          <a:ln w="28575">
-            <a:solidFill>
-              <a:schemeClr val="tx1"/>
-            </a:solidFill>
-          </a:ln>
-        </p:spPr>
-        <p:style>
-          <a:lnRef idx="2">
-            <a:schemeClr val="accent1">
-              <a:shade val="50000"/>
-            </a:schemeClr>
-          </a:lnRef>
-          <a:fillRef idx="1">
-            <a:schemeClr val="accent1"/>
-          </a:fillRef>
-          <a:effectRef idx="0">
-            <a:schemeClr val="accent1"/>
-          </a:effectRef>
-          <a:fontRef idx="minor">
-            <a:schemeClr val="lt1"/>
-          </a:fontRef>
-        </p:style>
-        <p:txBody>
-          <a:bodyPr rot="0" spcFirstLastPara="0" vertOverflow="overflow" horzOverflow="overflow" vert="horz" wrap="square" lIns="91440" tIns="45720" rIns="91440" bIns="45720" numCol="1" spcCol="0" rtlCol="0" fromWordArt="0" anchor="ctr" anchorCtr="0" forceAA="0" compatLnSpc="1">
-            <a:prstTxWarp prst="textNoShape">
-              <a:avLst/>
-            </a:prstTxWarp>
-            <a:noAutofit/>
-          </a:bodyPr>
-          <a:lstStyle/>
-          <a:p>
-            <a:pPr algn="ctr"/>
-            <a:r>
-              <a:rPr lang="en-US" dirty="0">
-                <a:solidFill>
-                  <a:schemeClr val="tx1"/>
-                </a:solidFill>
-              </a:rPr>
-              <a:t>C</a:t>
-            </a:r>
-          </a:p>
-        </p:txBody>
-      </p:sp>
-      <p:sp>
-        <p:nvSpPr>
-          <p:cNvPr id="19" name="Oval 18">
-            <a:extLst>
-              <a:ext uri="{FF2B5EF4-FFF2-40B4-BE49-F238E27FC236}">
-                <a16:creationId xmlns:a16="http://schemas.microsoft.com/office/drawing/2014/main" id="{35ABA06D-147E-4402-8CA9-A1E2EF690E6C}"/>
-              </a:ext>
-            </a:extLst>
-          </p:cNvPr>
-          <p:cNvSpPr/>
-          <p:nvPr/>
-        </p:nvSpPr>
-        <p:spPr>
-          <a:xfrm>
-            <a:off x="9637050" y="5430383"/>
-            <a:ext cx="279918" cy="289866"/>
-          </a:xfrm>
-          <a:prstGeom prst="ellipse">
-            <a:avLst/>
-          </a:prstGeom>
-          <a:noFill/>
-          <a:ln w="28575">
-            <a:solidFill>
-              <a:schemeClr val="tx1"/>
-            </a:solidFill>
-          </a:ln>
-        </p:spPr>
-        <p:style>
-          <a:lnRef idx="2">
-            <a:schemeClr val="accent1">
-              <a:shade val="50000"/>
-            </a:schemeClr>
-          </a:lnRef>
-          <a:fillRef idx="1">
-            <a:schemeClr val="accent1"/>
-          </a:fillRef>
-          <a:effectRef idx="0">
-            <a:schemeClr val="accent1"/>
-          </a:effectRef>
-          <a:fontRef idx="minor">
-            <a:schemeClr val="lt1"/>
-          </a:fontRef>
-        </p:style>
-        <p:txBody>
-          <a:bodyPr rot="0" spcFirstLastPara="0" vertOverflow="overflow" horzOverflow="overflow" vert="horz" wrap="square" lIns="91440" tIns="45720" rIns="91440" bIns="45720" numCol="1" spcCol="0" rtlCol="0" fromWordArt="0" anchor="ctr" anchorCtr="0" forceAA="0" compatLnSpc="1">
-            <a:prstTxWarp prst="textNoShape">
-              <a:avLst/>
-            </a:prstTxWarp>
-            <a:noAutofit/>
-          </a:bodyPr>
-          <a:lstStyle/>
-          <a:p>
-            <a:pPr algn="ctr"/>
-            <a:r>
-              <a:rPr lang="en-US" dirty="0">
-                <a:solidFill>
-                  <a:schemeClr val="tx1"/>
-                </a:solidFill>
-              </a:rPr>
-              <a:t>D</a:t>
-            </a:r>
-          </a:p>
-        </p:txBody>
-      </p:sp>
-      <p:sp>
-        <p:nvSpPr>
-          <p:cNvPr id="20" name="Oval 19">
-            <a:extLst>
-              <a:ext uri="{FF2B5EF4-FFF2-40B4-BE49-F238E27FC236}">
-                <a16:creationId xmlns:a16="http://schemas.microsoft.com/office/drawing/2014/main" id="{58784130-EC43-45D6-BC3B-83664DB42D75}"/>
-              </a:ext>
-            </a:extLst>
-          </p:cNvPr>
-          <p:cNvSpPr/>
-          <p:nvPr/>
-        </p:nvSpPr>
-        <p:spPr>
-          <a:xfrm>
-            <a:off x="2619645" y="5427584"/>
-            <a:ext cx="279918" cy="289866"/>
-          </a:xfrm>
-          <a:prstGeom prst="ellipse">
-            <a:avLst/>
-          </a:prstGeom>
-          <a:noFill/>
-          <a:ln w="28575">
-            <a:solidFill>
-              <a:schemeClr val="tx1"/>
-            </a:solidFill>
-          </a:ln>
-        </p:spPr>
-        <p:style>
-          <a:lnRef idx="2">
-            <a:schemeClr val="accent1">
-              <a:shade val="50000"/>
-            </a:schemeClr>
-          </a:lnRef>
-          <a:fillRef idx="1">
-            <a:schemeClr val="accent1"/>
-          </a:fillRef>
-          <a:effectRef idx="0">
-            <a:schemeClr val="accent1"/>
-          </a:effectRef>
-          <a:fontRef idx="minor">
-            <a:schemeClr val="lt1"/>
-          </a:fontRef>
-        </p:style>
-        <p:txBody>
-          <a:bodyPr rot="0" spcFirstLastPara="0" vertOverflow="overflow" horzOverflow="overflow" vert="horz" wrap="square" lIns="91440" tIns="45720" rIns="91440" bIns="45720" numCol="1" spcCol="0" rtlCol="0" fromWordArt="0" anchor="ctr" anchorCtr="0" forceAA="0" compatLnSpc="1">
-            <a:prstTxWarp prst="textNoShape">
-              <a:avLst/>
-            </a:prstTxWarp>
-            <a:noAutofit/>
-          </a:bodyPr>
-          <a:lstStyle/>
-          <a:p>
-            <a:pPr algn="ctr"/>
-            <a:r>
-              <a:rPr lang="en-US" dirty="0">
-                <a:solidFill>
-                  <a:schemeClr val="tx1"/>
-                </a:solidFill>
-              </a:rPr>
-              <a:t>E</a:t>
-            </a:r>
-          </a:p>
-        </p:txBody>
-      </p:sp>
-      <mc:AlternateContent xmlns:mc="http://schemas.openxmlformats.org/markup-compatibility/2006" xmlns:a14="http://schemas.microsoft.com/office/drawing/2010/main">
-        <mc:Choice Requires="a14">
-          <p:sp>
-            <p:nvSpPr>
-              <p:cNvPr id="21" name="Rectangle 20">
-                <a:extLst>
-                  <a:ext uri="{FF2B5EF4-FFF2-40B4-BE49-F238E27FC236}">
-                    <a16:creationId xmlns:a16="http://schemas.microsoft.com/office/drawing/2014/main" id="{B6E6577F-CD11-41BC-9408-44BB2AD2D500}"/>
-                  </a:ext>
-                </a:extLst>
-              </p:cNvPr>
-              <p:cNvSpPr/>
-              <p:nvPr/>
-            </p:nvSpPr>
-            <p:spPr>
-              <a:xfrm>
-                <a:off x="3171964" y="2603734"/>
-                <a:ext cx="2435290" cy="1352939"/>
-              </a:xfrm>
-              <a:prstGeom prst="rect">
-                <a:avLst/>
-              </a:prstGeom>
-              <a:noFill/>
-              <a:ln w="38100">
-                <a:solidFill>
-                  <a:schemeClr val="tx1"/>
-                </a:solidFill>
-              </a:ln>
-            </p:spPr>
-            <p:style>
-              <a:lnRef idx="2">
-                <a:schemeClr val="accent1">
-                  <a:shade val="50000"/>
-                </a:schemeClr>
-              </a:lnRef>
-              <a:fillRef idx="1">
-                <a:schemeClr val="accent1"/>
-              </a:fillRef>
-              <a:effectRef idx="0">
-                <a:schemeClr val="accent1"/>
-              </a:effectRef>
-              <a:fontRef idx="minor">
-                <a:schemeClr val="lt1"/>
-              </a:fontRef>
-            </p:style>
-            <p:txBody>
-              <a:bodyPr rtlCol="0" anchor="ctr"/>
-              <a:lstStyle/>
-              <a:p>
-                <a:pPr algn="ctr"/>
-                <a:endParaRPr lang="en-US" dirty="0">
-                  <a:solidFill>
-                    <a:schemeClr val="tx1"/>
-                  </a:solidFill>
-                  <a:latin typeface="Times New Roman" panose="02020603050405020304" pitchFamily="18" charset="0"/>
-                  <a:cs typeface="Times New Roman" panose="02020603050405020304" pitchFamily="18" charset="0"/>
-                </a:endParaRPr>
-              </a:p>
-              <a:p>
-                <a:pPr algn="ctr"/>
-                <a:r>
-                  <a:rPr lang="en-US" dirty="0">
-                    <a:solidFill>
-                      <a:schemeClr val="tx1"/>
-                    </a:solidFill>
-                    <a:latin typeface="Times New Roman" panose="02020603050405020304" pitchFamily="18" charset="0"/>
-                    <a:cs typeface="Times New Roman" panose="02020603050405020304" pitchFamily="18" charset="0"/>
-                  </a:rPr>
-                  <a:t>Constant Motor Power</a:t>
-                </a:r>
-              </a:p>
-              <a:p>
-                <a:pPr algn="ctr"/>
-                <a:r>
-                  <a:rPr lang="en-US" dirty="0">
-                    <a:solidFill>
-                      <a:schemeClr val="tx1"/>
-                    </a:solidFill>
-                    <a:latin typeface="Times New Roman" panose="02020603050405020304" pitchFamily="18" charset="0"/>
-                    <a:cs typeface="Times New Roman" panose="02020603050405020304" pitchFamily="18" charset="0"/>
-                  </a:rPr>
-                  <a:t>(</a:t>
-                </a:r>
-                <a14:m>
-                  <m:oMath xmlns:m="http://schemas.openxmlformats.org/officeDocument/2006/math">
-                    <m:sSub>
-                      <m:sSubPr>
-                        <m:ctrlPr>
-                          <a:rPr lang="en-US" i="1">
-                            <a:solidFill>
-                              <a:schemeClr val="tx1"/>
-                            </a:solidFill>
-                            <a:latin typeface="Cambria Math" panose="02040503050406030204" pitchFamily="18" charset="0"/>
-                            <a:cs typeface="Times New Roman" panose="02020603050405020304" pitchFamily="18" charset="0"/>
-                          </a:rPr>
-                        </m:ctrlPr>
-                      </m:sSubPr>
-                      <m:e>
-                        <m:r>
-                          <a:rPr lang="en-US" i="1">
-                            <a:solidFill>
-                              <a:schemeClr val="tx1"/>
-                            </a:solidFill>
-                            <a:latin typeface="Cambria Math" panose="02040503050406030204" pitchFamily="18" charset="0"/>
-                            <a:cs typeface="Times New Roman" panose="02020603050405020304" pitchFamily="18" charset="0"/>
-                          </a:rPr>
-                          <m:t>𝑓</m:t>
-                        </m:r>
-                      </m:e>
-                      <m:sub>
-                        <m:r>
-                          <a:rPr lang="en-US" i="1">
-                            <a:solidFill>
-                              <a:schemeClr val="tx1"/>
-                            </a:solidFill>
-                            <a:latin typeface="Cambria Math" panose="02040503050406030204" pitchFamily="18" charset="0"/>
-                            <a:cs typeface="Times New Roman" panose="02020603050405020304" pitchFamily="18" charset="0"/>
-                          </a:rPr>
-                          <m:t>𝑜𝑝</m:t>
-                        </m:r>
-                      </m:sub>
-                    </m:sSub>
-                  </m:oMath>
-                </a14:m>
-                <a:r>
-                  <a:rPr lang="en-US" dirty="0">
-                    <a:solidFill>
-                      <a:schemeClr val="tx1"/>
-                    </a:solidFill>
-                    <a:latin typeface="Times New Roman" panose="02020603050405020304" pitchFamily="18" charset="0"/>
-                    <a:cs typeface="Times New Roman" panose="02020603050405020304" pitchFamily="18" charset="0"/>
-                  </a:rPr>
-                  <a:t>=80kHz)</a:t>
-                </a:r>
-              </a:p>
-              <a:p>
-                <a:pPr algn="ctr"/>
-                <a:r>
-                  <a:rPr lang="en-US" dirty="0">
-                    <a:solidFill>
-                      <a:schemeClr val="tx1"/>
-                    </a:solidFill>
-                    <a:latin typeface="Times New Roman" panose="02020603050405020304" pitchFamily="18" charset="0"/>
-                    <a:cs typeface="Times New Roman" panose="02020603050405020304" pitchFamily="18" charset="0"/>
-                  </a:rPr>
-                  <a:t>(</a:t>
-                </a:r>
-                <a14:m>
-                  <m:oMath xmlns:m="http://schemas.openxmlformats.org/officeDocument/2006/math">
-                    <m:r>
-                      <a:rPr lang="en-US" i="1">
-                        <a:solidFill>
-                          <a:schemeClr val="tx1"/>
-                        </a:solidFill>
-                        <a:latin typeface="Cambria Math" panose="02040503050406030204" pitchFamily="18" charset="0"/>
-                        <a:cs typeface="Times New Roman" panose="02020603050405020304" pitchFamily="18" charset="0"/>
-                      </a:rPr>
-                      <m:t>𝐷</m:t>
-                    </m:r>
-                  </m:oMath>
-                </a14:m>
-                <a:r>
-                  <a:rPr lang="en-US" dirty="0">
-                    <a:solidFill>
-                      <a:schemeClr val="tx1"/>
-                    </a:solidFill>
-                    <a:latin typeface="Times New Roman" panose="02020603050405020304" pitchFamily="18" charset="0"/>
-                    <a:cs typeface="Times New Roman" panose="02020603050405020304" pitchFamily="18" charset="0"/>
-                  </a:rPr>
-                  <a:t>=0.6)</a:t>
-                </a:r>
-              </a:p>
-              <a:p>
-                <a:pPr algn="ctr"/>
-                <a:r>
-                  <a:rPr lang="en-US" dirty="0">
-                    <a:solidFill>
-                      <a:schemeClr val="tx1"/>
-                    </a:solidFill>
-                    <a:latin typeface="Times New Roman" panose="02020603050405020304" pitchFamily="18" charset="0"/>
-                    <a:cs typeface="Times New Roman" panose="02020603050405020304" pitchFamily="18" charset="0"/>
-                  </a:rPr>
-                  <a:t>(</a:t>
-                </a:r>
-                <a14:m>
-                  <m:oMath xmlns:m="http://schemas.openxmlformats.org/officeDocument/2006/math">
-                    <m:sSub>
-                      <m:sSubPr>
-                        <m:ctrlPr>
-                          <a:rPr lang="en-US" i="1">
-                            <a:solidFill>
-                              <a:schemeClr val="tx1"/>
-                            </a:solidFill>
-                            <a:latin typeface="Cambria Math" panose="02040503050406030204" pitchFamily="18" charset="0"/>
-                            <a:cs typeface="Times New Roman" panose="02020603050405020304" pitchFamily="18" charset="0"/>
-                          </a:rPr>
-                        </m:ctrlPr>
-                      </m:sSubPr>
-                      <m:e>
-                        <m:r>
-                          <a:rPr lang="en-US" i="1">
-                            <a:solidFill>
-                              <a:schemeClr val="tx1"/>
-                            </a:solidFill>
-                            <a:latin typeface="Cambria Math" panose="02040503050406030204" pitchFamily="18" charset="0"/>
-                            <a:cs typeface="Times New Roman" panose="02020603050405020304" pitchFamily="18" charset="0"/>
-                          </a:rPr>
-                          <m:t>𝑇</m:t>
-                        </m:r>
-                      </m:e>
-                      <m:sub>
-                        <m:r>
-                          <a:rPr lang="en-US" i="1">
-                            <a:solidFill>
-                              <a:schemeClr val="tx1"/>
-                            </a:solidFill>
-                            <a:latin typeface="Cambria Math" panose="02040503050406030204" pitchFamily="18" charset="0"/>
-                            <a:cs typeface="Times New Roman" panose="02020603050405020304" pitchFamily="18" charset="0"/>
-                          </a:rPr>
-                          <m:t>𝐿</m:t>
-                        </m:r>
-                      </m:sub>
-                    </m:sSub>
-                  </m:oMath>
-                </a14:m>
-                <a:r>
-                  <a:rPr lang="en-US" dirty="0">
-                    <a:solidFill>
-                      <a:schemeClr val="tx1"/>
-                    </a:solidFill>
-                    <a:latin typeface="Times New Roman" panose="02020603050405020304" pitchFamily="18" charset="0"/>
-                    <a:cs typeface="Times New Roman" panose="02020603050405020304" pitchFamily="18" charset="0"/>
-                  </a:rPr>
-                  <a:t>= x1)</a:t>
-                </a:r>
-              </a:p>
-              <a:p>
-                <a:pPr algn="ctr"/>
-                <a:endParaRPr lang="en-US" dirty="0">
-                  <a:solidFill>
-                    <a:schemeClr val="tx1"/>
-                  </a:solidFill>
-                  <a:latin typeface="Times New Roman" panose="02020603050405020304" pitchFamily="18" charset="0"/>
-                  <a:cs typeface="Times New Roman" panose="02020603050405020304" pitchFamily="18" charset="0"/>
-                </a:endParaRPr>
-              </a:p>
-              <a:p>
-                <a:pPr algn="ctr"/>
-                <a:endParaRPr lang="en-US" dirty="0">
-                  <a:solidFill>
-                    <a:schemeClr val="tx1"/>
-                  </a:solidFill>
-                  <a:latin typeface="Times New Roman" panose="02020603050405020304" pitchFamily="18" charset="0"/>
-                  <a:cs typeface="Times New Roman" panose="02020603050405020304" pitchFamily="18" charset="0"/>
-                </a:endParaRPr>
-              </a:p>
-            </p:txBody>
-          </p:sp>
-        </mc:Choice>
-        <mc:Fallback xmlns="">
-          <p:sp>
-            <p:nvSpPr>
-              <p:cNvPr id="21" name="Rectangle 20">
-                <a:extLst>
-                  <a:ext uri="{FF2B5EF4-FFF2-40B4-BE49-F238E27FC236}">
-                    <a16:creationId xmlns:a16="http://schemas.microsoft.com/office/drawing/2014/main" id="{B6E6577F-CD11-41BC-9408-44BB2AD2D500}"/>
-                  </a:ext>
-                </a:extLst>
-              </p:cNvPr>
-              <p:cNvSpPr>
-                <a:spLocks noRot="1" noChangeAspect="1" noMove="1" noResize="1" noEditPoints="1" noAdjustHandles="1" noChangeArrowheads="1" noChangeShapeType="1" noTextEdit="1"/>
-              </p:cNvSpPr>
-              <p:nvPr/>
-            </p:nvSpPr>
-            <p:spPr>
-              <a:xfrm>
-                <a:off x="3171964" y="2603734"/>
-                <a:ext cx="2435290" cy="1352939"/>
-              </a:xfrm>
-              <a:prstGeom prst="rect">
-                <a:avLst/>
-              </a:prstGeom>
-              <a:blipFill>
-                <a:blip r:embed="rId7"/>
-                <a:stretch>
-                  <a:fillRect t="-5702"/>
-                </a:stretch>
-              </a:blipFill>
-              <a:ln w="38100">
-                <a:solidFill>
-                  <a:schemeClr val="tx1"/>
-                </a:solidFill>
-              </a:ln>
-            </p:spPr>
-            <p:txBody>
-              <a:bodyPr/>
-              <a:lstStyle/>
-              <a:p>
-                <a:r>
-                  <a:rPr lang="en-US">
-                    <a:noFill/>
-                  </a:rPr>
-                  <a:t> </a:t>
-                </a:r>
-              </a:p>
-            </p:txBody>
-          </p:sp>
-        </mc:Fallback>
-      </mc:AlternateContent>
-      <p:sp>
-        <p:nvSpPr>
-          <p:cNvPr id="22" name="Oval 21">
-            <a:extLst>
-              <a:ext uri="{FF2B5EF4-FFF2-40B4-BE49-F238E27FC236}">
-                <a16:creationId xmlns:a16="http://schemas.microsoft.com/office/drawing/2014/main" id="{DB20C2F6-50AF-4E7C-9A55-073802265D3C}"/>
-              </a:ext>
-            </a:extLst>
-          </p:cNvPr>
-          <p:cNvSpPr/>
-          <p:nvPr/>
-        </p:nvSpPr>
-        <p:spPr>
-          <a:xfrm>
-            <a:off x="2674840" y="3182875"/>
-            <a:ext cx="279918" cy="289866"/>
-          </a:xfrm>
-          <a:prstGeom prst="ellipse">
-            <a:avLst/>
-          </a:prstGeom>
-          <a:noFill/>
-          <a:ln w="28575">
-            <a:solidFill>
-              <a:schemeClr val="tx1"/>
-            </a:solidFill>
-          </a:ln>
-        </p:spPr>
-        <p:style>
-          <a:lnRef idx="2">
-            <a:schemeClr val="accent1">
-              <a:shade val="50000"/>
-            </a:schemeClr>
-          </a:lnRef>
-          <a:fillRef idx="1">
-            <a:schemeClr val="accent1"/>
-          </a:fillRef>
-          <a:effectRef idx="0">
-            <a:schemeClr val="accent1"/>
-          </a:effectRef>
-          <a:fontRef idx="minor">
-            <a:schemeClr val="lt1"/>
-          </a:fontRef>
-        </p:style>
-        <p:txBody>
-          <a:bodyPr rot="0" spcFirstLastPara="0" vertOverflow="overflow" horzOverflow="overflow" vert="horz" wrap="square" lIns="91440" tIns="45720" rIns="91440" bIns="45720" numCol="1" spcCol="0" rtlCol="0" fromWordArt="0" anchor="ctr" anchorCtr="0" forceAA="0" compatLnSpc="1">
-            <a:prstTxWarp prst="textNoShape">
-              <a:avLst/>
-            </a:prstTxWarp>
-            <a:noAutofit/>
-          </a:bodyPr>
-          <a:lstStyle/>
-          <a:p>
-            <a:pPr algn="ctr"/>
-            <a:r>
-              <a:rPr lang="en-US" dirty="0">
-                <a:solidFill>
-                  <a:schemeClr val="tx1"/>
-                </a:solidFill>
-              </a:rPr>
-              <a:t>F</a:t>
-            </a:r>
-          </a:p>
-        </p:txBody>
-      </p:sp>
-      <p:cxnSp>
-        <p:nvCxnSpPr>
-          <p:cNvPr id="23" name="Straight Arrow Connector 22">
-            <a:extLst>
-              <a:ext uri="{FF2B5EF4-FFF2-40B4-BE49-F238E27FC236}">
-                <a16:creationId xmlns:a16="http://schemas.microsoft.com/office/drawing/2014/main" id="{82AE65A4-DD88-482E-9ACD-815AE12C1480}"/>
-              </a:ext>
-            </a:extLst>
-          </p:cNvPr>
-          <p:cNvCxnSpPr>
-            <a:cxnSpLocks/>
-            <a:stCxn id="12" idx="1"/>
-            <a:endCxn id="14" idx="3"/>
-          </p:cNvCxnSpPr>
-          <p:nvPr/>
-        </p:nvCxnSpPr>
-        <p:spPr>
-          <a:xfrm flipH="1" flipV="1">
-            <a:off x="5607253" y="5525069"/>
-            <a:ext cx="1344424" cy="3675"/>
-          </a:xfrm>
-          <a:prstGeom prst="straightConnector1">
-            <a:avLst/>
-          </a:prstGeom>
-          <a:ln w="28575">
-            <a:solidFill>
-              <a:schemeClr val="tx1"/>
-            </a:solidFill>
-            <a:tailEnd type="triangle"/>
-          </a:ln>
-        </p:spPr>
-        <p:style>
-          <a:lnRef idx="1">
-            <a:schemeClr val="accent1"/>
-          </a:lnRef>
-          <a:fillRef idx="0">
-            <a:schemeClr val="accent1"/>
-          </a:fillRef>
-          <a:effectRef idx="0">
-            <a:schemeClr val="accent1"/>
-          </a:effectRef>
-          <a:fontRef idx="minor">
-            <a:schemeClr val="tx1"/>
-          </a:fontRef>
-        </p:style>
-      </p:cxnSp>
-      <p:cxnSp>
-        <p:nvCxnSpPr>
-          <p:cNvPr id="24" name="Straight Arrow Connector 23">
-            <a:extLst>
-              <a:ext uri="{FF2B5EF4-FFF2-40B4-BE49-F238E27FC236}">
-                <a16:creationId xmlns:a16="http://schemas.microsoft.com/office/drawing/2014/main" id="{650D2521-1C30-4022-82A5-D3721DF62CA5}"/>
-              </a:ext>
-            </a:extLst>
-          </p:cNvPr>
-          <p:cNvCxnSpPr>
-            <a:cxnSpLocks/>
-            <a:stCxn id="14" idx="0"/>
-            <a:endCxn id="21" idx="2"/>
-          </p:cNvCxnSpPr>
-          <p:nvPr/>
-        </p:nvCxnSpPr>
-        <p:spPr>
-          <a:xfrm flipV="1">
-            <a:off x="4389608" y="3956673"/>
-            <a:ext cx="1" cy="891926"/>
-          </a:xfrm>
-          <a:prstGeom prst="straightConnector1">
-            <a:avLst/>
-          </a:prstGeom>
-          <a:ln w="28575">
-            <a:solidFill>
-              <a:schemeClr val="tx1"/>
-            </a:solidFill>
-            <a:tailEnd type="triangle"/>
-          </a:ln>
-        </p:spPr>
-        <p:style>
-          <a:lnRef idx="1">
-            <a:schemeClr val="accent1"/>
-          </a:lnRef>
-          <a:fillRef idx="0">
-            <a:schemeClr val="accent1"/>
-          </a:fillRef>
-          <a:effectRef idx="0">
-            <a:schemeClr val="accent1"/>
-          </a:effectRef>
-          <a:fontRef idx="minor">
-            <a:schemeClr val="tx1"/>
-          </a:fontRef>
-        </p:style>
-      </p:cxnSp>
-      <p:sp>
-        <p:nvSpPr>
-          <p:cNvPr id="25" name="TextBox 24">
-            <a:extLst>
-              <a:ext uri="{FF2B5EF4-FFF2-40B4-BE49-F238E27FC236}">
-                <a16:creationId xmlns:a16="http://schemas.microsoft.com/office/drawing/2014/main" id="{AB90F132-6A2C-423B-A170-442A9994C096}"/>
-              </a:ext>
-            </a:extLst>
-          </p:cNvPr>
-          <p:cNvSpPr txBox="1"/>
-          <p:nvPr/>
-        </p:nvSpPr>
-        <p:spPr>
-          <a:xfrm rot="10800000" flipV="1">
-            <a:off x="3702288" y="4129344"/>
-            <a:ext cx="2393712" cy="523220"/>
-          </a:xfrm>
-          <a:prstGeom prst="rect">
-            <a:avLst/>
-          </a:prstGeom>
-          <a:noFill/>
-        </p:spPr>
-        <p:txBody>
-          <a:bodyPr wrap="square" rtlCol="0">
-            <a:spAutoFit/>
-          </a:bodyPr>
-          <a:lstStyle/>
-          <a:p>
-            <a:pPr algn="ctr"/>
-            <a:r>
-              <a:rPr lang="en-US" sz="1400" dirty="0"/>
-              <a:t>Motor Load </a:t>
-            </a:r>
-          </a:p>
-          <a:p>
-            <a:pPr algn="ctr"/>
-            <a:r>
-              <a:rPr lang="en-US" sz="1400" dirty="0"/>
-              <a:t>Changes</a:t>
-            </a:r>
-          </a:p>
-        </p:txBody>
-      </p:sp>
-      <p:cxnSp>
-        <p:nvCxnSpPr>
-          <p:cNvPr id="26" name="Straight Arrow Connector 25">
-            <a:extLst>
-              <a:ext uri="{FF2B5EF4-FFF2-40B4-BE49-F238E27FC236}">
-                <a16:creationId xmlns:a16="http://schemas.microsoft.com/office/drawing/2014/main" id="{9416346D-A894-4C19-B77D-F8F7463F4613}"/>
-              </a:ext>
-            </a:extLst>
-          </p:cNvPr>
-          <p:cNvCxnSpPr>
-            <a:cxnSpLocks/>
-            <a:stCxn id="21" idx="0"/>
-            <a:endCxn id="5" idx="2"/>
-          </p:cNvCxnSpPr>
-          <p:nvPr/>
-        </p:nvCxnSpPr>
-        <p:spPr>
-          <a:xfrm flipH="1" flipV="1">
-            <a:off x="4389608" y="1673063"/>
-            <a:ext cx="1" cy="930671"/>
-          </a:xfrm>
-          <a:prstGeom prst="straightConnector1">
-            <a:avLst/>
-          </a:prstGeom>
-          <a:ln w="28575">
-            <a:solidFill>
-              <a:schemeClr val="tx1"/>
-            </a:solidFill>
-            <a:tailEnd type="triangle"/>
-          </a:ln>
-        </p:spPr>
-        <p:style>
-          <a:lnRef idx="1">
-            <a:schemeClr val="accent1"/>
-          </a:lnRef>
-          <a:fillRef idx="0">
-            <a:schemeClr val="accent1"/>
-          </a:fillRef>
-          <a:effectRef idx="0">
-            <a:schemeClr val="accent1"/>
-          </a:effectRef>
-          <a:fontRef idx="minor">
-            <a:schemeClr val="tx1"/>
-          </a:fontRef>
-        </p:style>
-      </p:cxnSp>
-      <p:sp>
-        <p:nvSpPr>
-          <p:cNvPr id="27" name="TextBox 26">
-            <a:extLst>
-              <a:ext uri="{FF2B5EF4-FFF2-40B4-BE49-F238E27FC236}">
-                <a16:creationId xmlns:a16="http://schemas.microsoft.com/office/drawing/2014/main" id="{E315308D-C905-4F58-AD99-732A46BF43D8}"/>
-              </a:ext>
-            </a:extLst>
-          </p:cNvPr>
-          <p:cNvSpPr txBox="1"/>
-          <p:nvPr/>
-        </p:nvSpPr>
-        <p:spPr>
-          <a:xfrm>
-            <a:off x="4022679" y="1893791"/>
-            <a:ext cx="1698463" cy="523220"/>
-          </a:xfrm>
-          <a:prstGeom prst="rect">
-            <a:avLst/>
-          </a:prstGeom>
-          <a:noFill/>
-        </p:spPr>
-        <p:txBody>
-          <a:bodyPr wrap="square" rtlCol="0">
-            <a:spAutoFit/>
-          </a:bodyPr>
-          <a:lstStyle/>
-          <a:p>
-            <a:pPr algn="ctr"/>
-            <a:r>
-              <a:rPr lang="en-US" sz="1400" dirty="0"/>
-              <a:t>IPT Power</a:t>
-            </a:r>
-          </a:p>
-          <a:p>
-            <a:pPr algn="ctr"/>
-            <a:r>
-              <a:rPr lang="en-US" sz="1400" dirty="0"/>
-              <a:t> Control</a:t>
+              <a:rPr lang="en-US" dirty="0"/>
+              <a:t>Above 100 kHz (102.5 105)</a:t>
             </a:r>
           </a:p>
         </p:txBody>
@@ -11854,7 +11960,7 @@
     </p:spTree>
     <p:extLst>
       <p:ext uri="{BB962C8B-B14F-4D97-AF65-F5344CB8AC3E}">
-        <p14:creationId xmlns:p14="http://schemas.microsoft.com/office/powerpoint/2010/main" val="2803404998"/>
+        <p14:creationId xmlns:p14="http://schemas.microsoft.com/office/powerpoint/2010/main" val="3118665400"/>
       </p:ext>
     </p:extLst>
   </p:cSld>
@@ -11864,7 +11970,7 @@
 </p:sld>
 </file>
 
-<file path=ppt/slides/slide2.xml><?xml version="1.0" encoding="utf-8"?>
+<file path=ppt/slides/slide3.xml><?xml version="1.0" encoding="utf-8"?>
 <p:sld xmlns:a="http://schemas.openxmlformats.org/drawingml/2006/main" xmlns:r="http://schemas.openxmlformats.org/officeDocument/2006/relationships" xmlns:p="http://schemas.openxmlformats.org/presentationml/2006/main">
   <p:cSld>
     <p:spTree>
@@ -14081,7 +14187,7 @@
 </p:sld>
 </file>
 
-<file path=ppt/slides/slide3.xml><?xml version="1.0" encoding="utf-8"?>
+<file path=ppt/slides/slide4.xml><?xml version="1.0" encoding="utf-8"?>
 <p:sld xmlns:a="http://schemas.openxmlformats.org/drawingml/2006/main" xmlns:r="http://schemas.openxmlformats.org/officeDocument/2006/relationships" xmlns:p="http://schemas.openxmlformats.org/presentationml/2006/main">
   <p:cSld>
     <p:spTree>
@@ -15028,7 +15134,7 @@
 </p:sld>
 </file>
 
-<file path=ppt/slides/slide4.xml><?xml version="1.0" encoding="utf-8"?>
+<file path=ppt/slides/slide5.xml><?xml version="1.0" encoding="utf-8"?>
 <p:sld xmlns:a="http://schemas.openxmlformats.org/drawingml/2006/main" xmlns:r="http://schemas.openxmlformats.org/officeDocument/2006/relationships" xmlns:p="http://schemas.openxmlformats.org/presentationml/2006/main">
   <p:cSld>
     <p:spTree>
@@ -15975,7 +16081,7 @@
 </p:sld>
 </file>
 
-<file path=ppt/slides/slide5.xml><?xml version="1.0" encoding="utf-8"?>
+<file path=ppt/slides/slide6.xml><?xml version="1.0" encoding="utf-8"?>
 <p:sld xmlns:a="http://schemas.openxmlformats.org/drawingml/2006/main" xmlns:r="http://schemas.openxmlformats.org/officeDocument/2006/relationships" xmlns:p="http://schemas.openxmlformats.org/presentationml/2006/main">
   <p:cSld>
     <p:spTree>
@@ -16922,7 +17028,7 @@
 </p:sld>
 </file>
 
-<file path=ppt/slides/slide6.xml><?xml version="1.0" encoding="utf-8"?>
+<file path=ppt/slides/slide7.xml><?xml version="1.0" encoding="utf-8"?>
 <p:sld xmlns:a="http://schemas.openxmlformats.org/drawingml/2006/main" xmlns:r="http://schemas.openxmlformats.org/officeDocument/2006/relationships" xmlns:p="http://schemas.openxmlformats.org/presentationml/2006/main">
   <p:cSld>
     <p:spTree>
@@ -17869,7 +17975,7 @@
 </p:sld>
 </file>
 
-<file path=ppt/slides/slide7.xml><?xml version="1.0" encoding="utf-8"?>
+<file path=ppt/slides/slide8.xml><?xml version="1.0" encoding="utf-8"?>
 <p:sld xmlns:a="http://schemas.openxmlformats.org/drawingml/2006/main" xmlns:r="http://schemas.openxmlformats.org/officeDocument/2006/relationships" xmlns:p="http://schemas.openxmlformats.org/presentationml/2006/main">
   <p:cSld>
     <p:spTree>
@@ -18816,7 +18922,7 @@
 </p:sld>
 </file>
 
-<file path=ppt/slides/slide8.xml><?xml version="1.0" encoding="utf-8"?>
+<file path=ppt/slides/slide9.xml><?xml version="1.0" encoding="utf-8"?>
 <p:sld xmlns:a="http://schemas.openxmlformats.org/drawingml/2006/main" xmlns:r="http://schemas.openxmlformats.org/officeDocument/2006/relationships" xmlns:p="http://schemas.openxmlformats.org/presentationml/2006/main">
   <p:cSld>
     <p:spTree>
@@ -21804,112 +21910,6 @@
     <p:extLst>
       <p:ext uri="{BB962C8B-B14F-4D97-AF65-F5344CB8AC3E}">
         <p14:creationId xmlns:p14="http://schemas.microsoft.com/office/powerpoint/2010/main" val="3547171083"/>
-      </p:ext>
-    </p:extLst>
-  </p:cSld>
-  <p:clrMapOvr>
-    <a:masterClrMapping/>
-  </p:clrMapOvr>
-</p:sld>
-</file>
-
-<file path=ppt/slides/slide9.xml><?xml version="1.0" encoding="utf-8"?>
-<p:sld xmlns:a="http://schemas.openxmlformats.org/drawingml/2006/main" xmlns:r="http://schemas.openxmlformats.org/officeDocument/2006/relationships" xmlns:p="http://schemas.openxmlformats.org/presentationml/2006/main">
-  <p:cSld>
-    <p:spTree>
-      <p:nvGrpSpPr>
-        <p:cNvPr id="1" name=""/>
-        <p:cNvGrpSpPr/>
-        <p:nvPr/>
-      </p:nvGrpSpPr>
-      <p:grpSpPr>
-        <a:xfrm>
-          <a:off x="0" y="0"/>
-          <a:ext cx="0" cy="0"/>
-          <a:chOff x="0" y="0"/>
-          <a:chExt cx="0" cy="0"/>
-        </a:xfrm>
-      </p:grpSpPr>
-      <p:pic>
-        <p:nvPicPr>
-          <p:cNvPr id="5" name="Picture 4">
-            <a:extLst>
-              <a:ext uri="{FF2B5EF4-FFF2-40B4-BE49-F238E27FC236}">
-                <a16:creationId xmlns:a16="http://schemas.microsoft.com/office/drawing/2014/main" id="{608DD59E-8566-465F-93B7-F57A4383CB97}"/>
-              </a:ext>
-            </a:extLst>
-          </p:cNvPr>
-          <p:cNvPicPr>
-            <a:picLocks noChangeAspect="1"/>
-          </p:cNvPicPr>
-          <p:nvPr/>
-        </p:nvPicPr>
-        <p:blipFill>
-          <a:blip r:embed="rId2">
-            <a:extLst>
-              <a:ext uri="{28A0092B-C50C-407E-A947-70E740481C1C}">
-                <a14:useLocalDpi xmlns:a14="http://schemas.microsoft.com/office/drawing/2010/main" val="0"/>
-              </a:ext>
-            </a:extLst>
-          </a:blip>
-          <a:stretch>
-            <a:fillRect/>
-          </a:stretch>
-        </p:blipFill>
-        <p:spPr>
-          <a:xfrm>
-            <a:off x="3219450" y="678180"/>
-            <a:ext cx="5269230" cy="5269230"/>
-          </a:xfrm>
-          <a:prstGeom prst="rect">
-            <a:avLst/>
-          </a:prstGeom>
-        </p:spPr>
-      </p:pic>
-      <p:sp>
-        <p:nvSpPr>
-          <p:cNvPr id="6" name="TextBox 5">
-            <a:extLst>
-              <a:ext uri="{FF2B5EF4-FFF2-40B4-BE49-F238E27FC236}">
-                <a16:creationId xmlns:a16="http://schemas.microsoft.com/office/drawing/2014/main" id="{4DC653E5-A9FA-4AAF-BDA0-391BBA1098C7}"/>
-              </a:ext>
-            </a:extLst>
-          </p:cNvPr>
-          <p:cNvSpPr txBox="1"/>
-          <p:nvPr/>
-        </p:nvSpPr>
-        <p:spPr>
-          <a:xfrm>
-            <a:off x="9408160" y="1656080"/>
-            <a:ext cx="1432560" cy="923330"/>
-          </a:xfrm>
-          <a:prstGeom prst="rect">
-            <a:avLst/>
-          </a:prstGeom>
-          <a:noFill/>
-        </p:spPr>
-        <p:txBody>
-          <a:bodyPr wrap="square" rtlCol="0">
-            <a:spAutoFit/>
-          </a:bodyPr>
-          <a:lstStyle/>
-          <a:p>
-            <a:r>
-              <a:rPr lang="en-US" dirty="0"/>
-              <a:t>Motor and IPT Power </a:t>
-            </a:r>
-            <a:r>
-              <a:rPr lang="en-US" dirty="0" err="1"/>
-              <a:t>veririz</a:t>
-            </a:r>
-            <a:endParaRPr lang="en-US" dirty="0"/>
-          </a:p>
-        </p:txBody>
-      </p:sp>
-    </p:spTree>
-    <p:extLst>
-      <p:ext uri="{BB962C8B-B14F-4D97-AF65-F5344CB8AC3E}">
-        <p14:creationId xmlns:p14="http://schemas.microsoft.com/office/powerpoint/2010/main" val="386597923"/>
       </p:ext>
     </p:extLst>
   </p:cSld>
